--- a/talks/2020-0409-lale.pptx
+++ b/talks/2020-0409-lale.pptx
@@ -6,7 +6,7 @@
     <p:sldMasterId id="2147483660" r:id="rId2"/>
   </p:sldMasterIdLst>
   <p:notesMasterIdLst>
-    <p:notesMasterId r:id="rId27"/>
+    <p:notesMasterId r:id="rId29"/>
   </p:notesMasterIdLst>
   <p:sldIdLst>
     <p:sldId id="262" r:id="rId3"/>
@@ -16,23 +16,25 @@
     <p:sldId id="293" r:id="rId7"/>
     <p:sldId id="285" r:id="rId8"/>
     <p:sldId id="289" r:id="rId9"/>
-    <p:sldId id="291" r:id="rId10"/>
-    <p:sldId id="292" r:id="rId11"/>
-    <p:sldId id="290" r:id="rId12"/>
-    <p:sldId id="294" r:id="rId13"/>
-    <p:sldId id="295" r:id="rId14"/>
-    <p:sldId id="300" r:id="rId15"/>
-    <p:sldId id="296" r:id="rId16"/>
-    <p:sldId id="297" r:id="rId17"/>
-    <p:sldId id="298" r:id="rId18"/>
-    <p:sldId id="299" r:id="rId19"/>
-    <p:sldId id="301" r:id="rId20"/>
-    <p:sldId id="302" r:id="rId21"/>
-    <p:sldId id="265" r:id="rId22"/>
-    <p:sldId id="303" r:id="rId23"/>
-    <p:sldId id="308" r:id="rId24"/>
-    <p:sldId id="304" r:id="rId25"/>
-    <p:sldId id="306" r:id="rId26"/>
+    <p:sldId id="309" r:id="rId10"/>
+    <p:sldId id="291" r:id="rId11"/>
+    <p:sldId id="292" r:id="rId12"/>
+    <p:sldId id="290" r:id="rId13"/>
+    <p:sldId id="294" r:id="rId14"/>
+    <p:sldId id="295" r:id="rId15"/>
+    <p:sldId id="300" r:id="rId16"/>
+    <p:sldId id="296" r:id="rId17"/>
+    <p:sldId id="297" r:id="rId18"/>
+    <p:sldId id="298" r:id="rId19"/>
+    <p:sldId id="299" r:id="rId20"/>
+    <p:sldId id="301" r:id="rId21"/>
+    <p:sldId id="302" r:id="rId22"/>
+    <p:sldId id="265" r:id="rId23"/>
+    <p:sldId id="303" r:id="rId24"/>
+    <p:sldId id="308" r:id="rId25"/>
+    <p:sldId id="310" r:id="rId26"/>
+    <p:sldId id="304" r:id="rId27"/>
+    <p:sldId id="306" r:id="rId28"/>
   </p:sldIdLst>
   <p:sldSz cx="12192000" cy="6858000"/>
   <p:notesSz cx="6858000" cy="9144000"/>
@@ -232,7 +234,7 @@
           <a:p>
             <a:fld id="{B46172E2-DD30-4955-A358-C747F1C9D1FD}" type="datetimeFigureOut">
               <a:rPr lang="en-US" smtClean="0"/>
-              <a:t>4/7/2020</a:t>
+              <a:t>4/9/2020</a:t>
             </a:fld>
             <a:endParaRPr lang="en-US"/>
           </a:p>
@@ -646,7 +648,7 @@
           <a:p>
             <a:fld id="{40DDD2B0-C857-4865-936C-7553BAB02E13}" type="datetime1">
               <a:rPr lang="en-US" smtClean="0"/>
-              <a:t>4/7/2020</a:t>
+              <a:t>4/9/2020</a:t>
             </a:fld>
             <a:endParaRPr lang="en-US"/>
           </a:p>
@@ -844,7 +846,7 @@
           <a:p>
             <a:fld id="{AE3C225D-DB9A-4959-8D19-9D64652BB4D0}" type="datetime1">
               <a:rPr lang="en-US" smtClean="0"/>
-              <a:t>4/7/2020</a:t>
+              <a:t>4/9/2020</a:t>
             </a:fld>
             <a:endParaRPr lang="en-US"/>
           </a:p>
@@ -1052,7 +1054,7 @@
           <a:p>
             <a:fld id="{DEC93B69-3488-4DE5-BD52-C4AA8731117A}" type="datetime1">
               <a:rPr lang="en-US" smtClean="0"/>
-              <a:t>4/7/2020</a:t>
+              <a:t>4/9/2020</a:t>
             </a:fld>
             <a:endParaRPr lang="en-US"/>
           </a:p>
@@ -1256,7 +1258,7 @@
           <a:p>
             <a:fld id="{973898E5-AB1D-4A34-A10D-9A7C96440E0E}" type="datetime1">
               <a:rPr lang="en-US" smtClean="0"/>
-              <a:t>4/7/2020</a:t>
+              <a:t>4/9/2020</a:t>
             </a:fld>
             <a:endParaRPr lang="en-US"/>
           </a:p>
@@ -1426,7 +1428,7 @@
           <a:p>
             <a:fld id="{1334C935-001B-4E87-BCA0-AE188B2EA776}" type="datetime1">
               <a:rPr lang="en-US" smtClean="0"/>
-              <a:t>4/7/2020</a:t>
+              <a:t>4/9/2020</a:t>
             </a:fld>
             <a:endParaRPr lang="en-US"/>
           </a:p>
@@ -1672,7 +1674,7 @@
           <a:p>
             <a:fld id="{617009EB-616E-4E9C-B1BE-E45FA0F370E8}" type="datetime1">
               <a:rPr lang="en-US" smtClean="0"/>
-              <a:t>4/7/2020</a:t>
+              <a:t>4/9/2020</a:t>
             </a:fld>
             <a:endParaRPr lang="en-US"/>
           </a:p>
@@ -1904,7 +1906,7 @@
           <a:p>
             <a:fld id="{5A67F009-528D-412D-AE44-BD62EC85F1A4}" type="datetime1">
               <a:rPr lang="en-US" smtClean="0"/>
-              <a:t>4/7/2020</a:t>
+              <a:t>4/9/2020</a:t>
             </a:fld>
             <a:endParaRPr lang="en-US"/>
           </a:p>
@@ -2271,7 +2273,7 @@
           <a:p>
             <a:fld id="{7D3A163C-9FC0-4D44-8E17-70CC66943A34}" type="datetime1">
               <a:rPr lang="en-US" smtClean="0"/>
-              <a:t>4/7/2020</a:t>
+              <a:t>4/9/2020</a:t>
             </a:fld>
             <a:endParaRPr lang="en-US"/>
           </a:p>
@@ -2389,7 +2391,7 @@
           <a:p>
             <a:fld id="{EF834E48-36E1-4370-8CB2-D887AB7B8DBB}" type="datetime1">
               <a:rPr lang="en-US" smtClean="0"/>
-              <a:t>4/7/2020</a:t>
+              <a:t>4/9/2020</a:t>
             </a:fld>
             <a:endParaRPr lang="en-US"/>
           </a:p>
@@ -2484,7 +2486,7 @@
           <a:p>
             <a:fld id="{516CCBDE-1924-4990-8D1D-9CF109BE01DD}" type="datetime1">
               <a:rPr lang="en-US" smtClean="0"/>
-              <a:t>4/7/2020</a:t>
+              <a:t>4/9/2020</a:t>
             </a:fld>
             <a:endParaRPr lang="en-US"/>
           </a:p>
@@ -2761,7 +2763,7 @@
           <a:p>
             <a:fld id="{13C1F780-F403-4C78-9C78-24F52AA7B651}" type="datetime1">
               <a:rPr lang="en-US" smtClean="0"/>
-              <a:t>4/7/2020</a:t>
+              <a:t>4/9/2020</a:t>
             </a:fld>
             <a:endParaRPr lang="en-US"/>
           </a:p>
@@ -2947,7 +2949,7 @@
           <a:p>
             <a:fld id="{0165C337-3FB6-4341-8249-0762B59A2A22}" type="datetime1">
               <a:rPr lang="en-US" smtClean="0"/>
-              <a:t>4/7/2020</a:t>
+              <a:t>4/9/2020</a:t>
             </a:fld>
             <a:endParaRPr lang="en-US"/>
           </a:p>
@@ -3216,7 +3218,7 @@
           <a:p>
             <a:fld id="{49700A0D-05CB-4903-B8F2-B7E8A000BD26}" type="datetime1">
               <a:rPr lang="en-US" smtClean="0"/>
-              <a:t>4/7/2020</a:t>
+              <a:t>4/9/2020</a:t>
             </a:fld>
             <a:endParaRPr lang="en-US"/>
           </a:p>
@@ -3386,7 +3388,7 @@
           <a:p>
             <a:fld id="{0E897981-C731-4125-8BF1-73823750AD4C}" type="datetime1">
               <a:rPr lang="en-US" smtClean="0"/>
-              <a:t>4/7/2020</a:t>
+              <a:t>4/9/2020</a:t>
             </a:fld>
             <a:endParaRPr lang="en-US"/>
           </a:p>
@@ -3566,7 +3568,7 @@
           <a:p>
             <a:fld id="{8D4ED788-055D-42FC-92DC-280DEDD47743}" type="datetime1">
               <a:rPr lang="en-US" smtClean="0"/>
-              <a:t>4/7/2020</a:t>
+              <a:t>4/9/2020</a:t>
             </a:fld>
             <a:endParaRPr lang="en-US"/>
           </a:p>
@@ -3829,7 +3831,7 @@
           <a:p>
             <a:fld id="{0CAC75AC-B994-4A5B-8C96-52A09099F1B7}" type="datetime1">
               <a:rPr lang="en-US" smtClean="0"/>
-              <a:t>4/7/2020</a:t>
+              <a:t>4/9/2020</a:t>
             </a:fld>
             <a:endParaRPr lang="en-US"/>
           </a:p>
@@ -4094,7 +4096,7 @@
           <a:p>
             <a:fld id="{FC625515-91E7-42FD-8785-9B5C056E96FF}" type="datetime1">
               <a:rPr lang="en-US" smtClean="0"/>
-              <a:t>4/7/2020</a:t>
+              <a:t>4/9/2020</a:t>
             </a:fld>
             <a:endParaRPr lang="en-US"/>
           </a:p>
@@ -4506,7 +4508,7 @@
           <a:p>
             <a:fld id="{1443649A-5836-4076-8012-53F697ED1442}" type="datetime1">
               <a:rPr lang="en-US" smtClean="0"/>
-              <a:t>4/7/2020</a:t>
+              <a:t>4/9/2020</a:t>
             </a:fld>
             <a:endParaRPr lang="en-US"/>
           </a:p>
@@ -4647,7 +4649,7 @@
           <a:p>
             <a:fld id="{173F3EE9-9D3A-4F10-9CA9-5D5AE8313982}" type="datetime1">
               <a:rPr lang="en-US" smtClean="0"/>
-              <a:t>4/7/2020</a:t>
+              <a:t>4/9/2020</a:t>
             </a:fld>
             <a:endParaRPr lang="en-US"/>
           </a:p>
@@ -4760,7 +4762,7 @@
           <a:p>
             <a:fld id="{9C3EAA75-0434-44C1-9A34-99901565FFD8}" type="datetime1">
               <a:rPr lang="en-US" smtClean="0"/>
-              <a:t>4/7/2020</a:t>
+              <a:t>4/9/2020</a:t>
             </a:fld>
             <a:endParaRPr lang="en-US"/>
           </a:p>
@@ -5071,7 +5073,7 @@
           <a:p>
             <a:fld id="{046D4EAB-2FC2-4183-A019-D604B7CD87E5}" type="datetime1">
               <a:rPr lang="en-US" smtClean="0"/>
-              <a:t>4/7/2020</a:t>
+              <a:t>4/9/2020</a:t>
             </a:fld>
             <a:endParaRPr lang="en-US"/>
           </a:p>
@@ -5359,7 +5361,7 @@
           <a:p>
             <a:fld id="{F59B83B4-5606-492B-B257-1C5708032806}" type="datetime1">
               <a:rPr lang="en-US" smtClean="0"/>
-              <a:t>4/7/2020</a:t>
+              <a:t>4/9/2020</a:t>
             </a:fld>
             <a:endParaRPr lang="en-US"/>
           </a:p>
@@ -5600,7 +5602,7 @@
           <a:p>
             <a:fld id="{F14B0ED0-2649-4560-A961-301328019B10}" type="datetime1">
               <a:rPr lang="en-US" smtClean="0"/>
-              <a:t>4/7/2020</a:t>
+              <a:t>4/9/2020</a:t>
             </a:fld>
             <a:endParaRPr lang="en-US"/>
           </a:p>
@@ -6153,7 +6155,7 @@
           <a:p>
             <a:fld id="{EF98F333-B744-4DFB-9878-323F300A28FE}" type="datetime1">
               <a:rPr lang="en-US" smtClean="0"/>
-              <a:t>4/7/2020</a:t>
+              <a:t>4/9/2020</a:t>
             </a:fld>
             <a:endParaRPr lang="en-US"/>
           </a:p>
@@ -6903,7 +6905,69 @@
                 <a:latin typeface="Arial" panose="020B0604020202020204" pitchFamily="34" charset="0"/>
                 <a:cs typeface="Arial" panose="020B0604020202020204" pitchFamily="34" charset="0"/>
               </a:rPr>
-              <a:t>Example: Covertype Dataset</a:t>
+              <a:t>Example</a:t>
+            </a:r>
+          </a:p>
+        </p:txBody>
+      </p:sp>
+      <p:sp>
+        <p:nvSpPr>
+          <p:cNvPr id="9" name="Content Placeholder 8">
+            <a:extLst>
+              <a:ext uri="{FF2B5EF4-FFF2-40B4-BE49-F238E27FC236}">
+                <a16:creationId xmlns:a16="http://schemas.microsoft.com/office/drawing/2014/main" id="{C62B666F-CFF3-488E-9EB0-9CB1A2F77E6B}"/>
+              </a:ext>
+            </a:extLst>
+          </p:cNvPr>
+          <p:cNvSpPr>
+            <a:spLocks noGrp="1"/>
+          </p:cNvSpPr>
+          <p:nvPr>
+            <p:ph idx="1"/>
+          </p:nvPr>
+        </p:nvSpPr>
+        <p:spPr/>
+        <p:txBody>
+          <a:bodyPr/>
+          <a:lstStyle/>
+          <a:p>
+            <a:r>
+              <a:rPr lang="en-US">
+                <a:latin typeface="Arial" panose="020B0604020202020204" pitchFamily="34" charset="0"/>
+              </a:rPr>
+              <a:t>Dataset</a:t>
+            </a:r>
+          </a:p>
+          <a:p>
+            <a:r>
+              <a:rPr lang="en-US">
+                <a:latin typeface="Arial" panose="020B0604020202020204" pitchFamily="34" charset="0"/>
+              </a:rPr>
+              <a:t>Manual machine learning</a:t>
+            </a:r>
+          </a:p>
+          <a:p>
+            <a:r>
+              <a:rPr lang="en-US">
+                <a:latin typeface="Arial" panose="020B0604020202020204" pitchFamily="34" charset="0"/>
+              </a:rPr>
+              <a:t>Hyperparameter tuning</a:t>
+            </a:r>
+          </a:p>
+          <a:p>
+            <a:r>
+              <a:rPr lang="en-US">
+                <a:latin typeface="Arial" panose="020B0604020202020204" pitchFamily="34" charset="0"/>
+              </a:rPr>
+              <a:t>Inspecting AutoML results</a:t>
+            </a:r>
+          </a:p>
+          <a:p>
+            <a:r>
+              <a:rPr lang="en-US">
+                <a:latin typeface="Arial" panose="020B0604020202020204" pitchFamily="34" charset="0"/>
+              </a:rPr>
+              <a:t>Algorithm selection</a:t>
             </a:r>
           </a:p>
         </p:txBody>
@@ -6937,80 +7001,10 @@
           </a:p>
         </p:txBody>
       </p:sp>
-      <p:pic>
-        <p:nvPicPr>
-          <p:cNvPr id="5" name="Picture 4">
-            <a:extLst>
-              <a:ext uri="{FF2B5EF4-FFF2-40B4-BE49-F238E27FC236}">
-                <a16:creationId xmlns:a16="http://schemas.microsoft.com/office/drawing/2014/main" id="{99DBEA66-C0F5-4F0D-ADB8-8E2549AD083A}"/>
-              </a:ext>
-            </a:extLst>
-          </p:cNvPr>
-          <p:cNvPicPr>
-            <a:picLocks noChangeAspect="1"/>
-          </p:cNvPicPr>
-          <p:nvPr/>
-        </p:nvPicPr>
-        <p:blipFill>
-          <a:blip r:embed="rId2"/>
-          <a:stretch>
-            <a:fillRect/>
-          </a:stretch>
-        </p:blipFill>
-        <p:spPr>
-          <a:xfrm>
-            <a:off x="0" y="1409700"/>
-            <a:ext cx="12192000" cy="4685759"/>
-          </a:xfrm>
-          <a:prstGeom prst="rect">
-            <a:avLst/>
-          </a:prstGeom>
-        </p:spPr>
-      </p:pic>
-      <p:sp>
-        <p:nvSpPr>
-          <p:cNvPr id="6" name="Rectangle 5">
-            <a:extLst>
-              <a:ext uri="{FF2B5EF4-FFF2-40B4-BE49-F238E27FC236}">
-                <a16:creationId xmlns:a16="http://schemas.microsoft.com/office/drawing/2014/main" id="{CE4BE313-F46A-45D7-87CB-704F18053504}"/>
-              </a:ext>
-            </a:extLst>
-          </p:cNvPr>
-          <p:cNvSpPr/>
-          <p:nvPr/>
-        </p:nvSpPr>
-        <p:spPr>
-          <a:xfrm>
-            <a:off x="5783580" y="88126"/>
-            <a:ext cx="6408420" cy="276999"/>
-          </a:xfrm>
-          <a:prstGeom prst="rect">
-            <a:avLst/>
-          </a:prstGeom>
-        </p:spPr>
-        <p:txBody>
-          <a:bodyPr wrap="square">
-            <a:spAutoFit/>
-          </a:bodyPr>
-          <a:lstStyle/>
-          <a:p>
-            <a:pPr algn="r"/>
-            <a:r>
-              <a:rPr lang="en-US" sz="1200">
-                <a:solidFill>
-                  <a:schemeClr val="accent1"/>
-                </a:solidFill>
-                <a:latin typeface="Arial" panose="020B0604020202020204" pitchFamily="34" charset="0"/>
-              </a:rPr>
-              <a:t>https://nbviewer.jupyter.org/github/IBM/lale/blob/master/examples/talk_2020-0327-lale.ipynb</a:t>
-            </a:r>
-          </a:p>
-        </p:txBody>
-      </p:sp>
     </p:spTree>
     <p:extLst>
       <p:ext uri="{BB962C8B-B14F-4D97-AF65-F5344CB8AC3E}">
-        <p14:creationId xmlns:p14="http://schemas.microsoft.com/office/powerpoint/2010/main" val="2315766441"/>
+        <p14:creationId xmlns:p14="http://schemas.microsoft.com/office/powerpoint/2010/main" val="3711359675"/>
       </p:ext>
     </p:extLst>
   </p:cSld>
@@ -7063,7 +7057,7 @@
                 <a:latin typeface="Arial" panose="020B0604020202020204" pitchFamily="34" charset="0"/>
                 <a:cs typeface="Arial" panose="020B0604020202020204" pitchFamily="34" charset="0"/>
               </a:rPr>
-              <a:t>Example: Manual Machine Learning</a:t>
+              <a:t>Example: Covertype Dataset</a:t>
             </a:r>
           </a:p>
         </p:txBody>
@@ -7102,7 +7096,7 @@
           <p:cNvPr id="5" name="Picture 4">
             <a:extLst>
               <a:ext uri="{FF2B5EF4-FFF2-40B4-BE49-F238E27FC236}">
-                <a16:creationId xmlns:a16="http://schemas.microsoft.com/office/drawing/2014/main" id="{773AAC4B-1414-4E62-9D2C-B428765B3722}"/>
+                <a16:creationId xmlns:a16="http://schemas.microsoft.com/office/drawing/2014/main" id="{99DBEA66-C0F5-4F0D-ADB8-8E2549AD083A}"/>
               </a:ext>
             </a:extLst>
           </p:cNvPr>
@@ -7120,7 +7114,7 @@
         <p:spPr>
           <a:xfrm>
             <a:off x="0" y="1409700"/>
-            <a:ext cx="12192000" cy="4547571"/>
+            <a:ext cx="12192000" cy="4685759"/>
           </a:xfrm>
           <a:prstGeom prst="rect">
             <a:avLst/>
@@ -7129,10 +7123,10 @@
       </p:pic>
       <p:sp>
         <p:nvSpPr>
-          <p:cNvPr id="7" name="Rectangle 6">
-            <a:extLst>
-              <a:ext uri="{FF2B5EF4-FFF2-40B4-BE49-F238E27FC236}">
-                <a16:creationId xmlns:a16="http://schemas.microsoft.com/office/drawing/2014/main" id="{BA68E435-80C5-48F5-A394-F0F76F618852}"/>
+          <p:cNvPr id="6" name="Rectangle 5">
+            <a:extLst>
+              <a:ext uri="{FF2B5EF4-FFF2-40B4-BE49-F238E27FC236}">
+                <a16:creationId xmlns:a16="http://schemas.microsoft.com/office/drawing/2014/main" id="{CE4BE313-F46A-45D7-87CB-704F18053504}"/>
               </a:ext>
             </a:extLst>
           </p:cNvPr>
@@ -7170,7 +7164,7 @@
     </p:spTree>
     <p:extLst>
       <p:ext uri="{BB962C8B-B14F-4D97-AF65-F5344CB8AC3E}">
-        <p14:creationId xmlns:p14="http://schemas.microsoft.com/office/powerpoint/2010/main" val="805272373"/>
+        <p14:creationId xmlns:p14="http://schemas.microsoft.com/office/powerpoint/2010/main" val="2315766441"/>
       </p:ext>
     </p:extLst>
   </p:cSld>
@@ -7197,12 +7191,72 @@
           <a:chExt cx="0" cy="0"/>
         </a:xfrm>
       </p:grpSpPr>
+      <p:sp>
+        <p:nvSpPr>
+          <p:cNvPr id="2" name="Title 1">
+            <a:extLst>
+              <a:ext uri="{FF2B5EF4-FFF2-40B4-BE49-F238E27FC236}">
+                <a16:creationId xmlns:a16="http://schemas.microsoft.com/office/drawing/2014/main" id="{68AFFF39-A92B-407A-9F35-469F4E043D52}"/>
+              </a:ext>
+            </a:extLst>
+          </p:cNvPr>
+          <p:cNvSpPr>
+            <a:spLocks noGrp="1"/>
+          </p:cNvSpPr>
+          <p:nvPr>
+            <p:ph type="title"/>
+          </p:nvPr>
+        </p:nvSpPr>
+        <p:spPr/>
+        <p:txBody>
+          <a:bodyPr/>
+          <a:lstStyle/>
+          <a:p>
+            <a:r>
+              <a:rPr lang="en-US" b="1">
+                <a:latin typeface="Arial" panose="020B0604020202020204" pitchFamily="34" charset="0"/>
+                <a:cs typeface="Arial" panose="020B0604020202020204" pitchFamily="34" charset="0"/>
+              </a:rPr>
+              <a:t>Example: Manual Machine Learning</a:t>
+            </a:r>
+          </a:p>
+        </p:txBody>
+      </p:sp>
+      <p:sp>
+        <p:nvSpPr>
+          <p:cNvPr id="4" name="Slide Number Placeholder 3">
+            <a:extLst>
+              <a:ext uri="{FF2B5EF4-FFF2-40B4-BE49-F238E27FC236}">
+                <a16:creationId xmlns:a16="http://schemas.microsoft.com/office/drawing/2014/main" id="{05EFA204-0551-402D-8845-DA951B4C9319}"/>
+              </a:ext>
+            </a:extLst>
+          </p:cNvPr>
+          <p:cNvSpPr>
+            <a:spLocks noGrp="1"/>
+          </p:cNvSpPr>
+          <p:nvPr>
+            <p:ph type="sldNum" sz="quarter" idx="12"/>
+          </p:nvPr>
+        </p:nvSpPr>
+        <p:spPr/>
+        <p:txBody>
+          <a:bodyPr/>
+          <a:lstStyle/>
+          <a:p>
+            <a:fld id="{02BC044B-C17F-492A-8FEE-55E1FB666255}" type="slidenum">
+              <a:rPr lang="en-US" smtClean="0"/>
+              <a:t>12</a:t>
+            </a:fld>
+            <a:endParaRPr lang="en-US"/>
+          </a:p>
+        </p:txBody>
+      </p:sp>
       <p:pic>
         <p:nvPicPr>
           <p:cNvPr id="5" name="Picture 4">
             <a:extLst>
               <a:ext uri="{FF2B5EF4-FFF2-40B4-BE49-F238E27FC236}">
-                <a16:creationId xmlns:a16="http://schemas.microsoft.com/office/drawing/2014/main" id="{41D8BE27-70CB-47BB-A9C2-3574BC1EAECB}"/>
+                <a16:creationId xmlns:a16="http://schemas.microsoft.com/office/drawing/2014/main" id="{773AAC4B-1414-4E62-9D2C-B428765B3722}"/>
               </a:ext>
             </a:extLst>
           </p:cNvPr>
@@ -7219,8 +7273,8 @@
         </p:blipFill>
         <p:spPr>
           <a:xfrm>
-            <a:off x="0" y="1362683"/>
-            <a:ext cx="12192000" cy="5358792"/>
+            <a:off x="0" y="1409700"/>
+            <a:ext cx="12192000" cy="4547571"/>
           </a:xfrm>
           <a:prstGeom prst="rect">
             <a:avLst/>
@@ -7229,70 +7283,10 @@
       </p:pic>
       <p:sp>
         <p:nvSpPr>
-          <p:cNvPr id="2" name="Title 1">
-            <a:extLst>
-              <a:ext uri="{FF2B5EF4-FFF2-40B4-BE49-F238E27FC236}">
-                <a16:creationId xmlns:a16="http://schemas.microsoft.com/office/drawing/2014/main" id="{68AFFF39-A92B-407A-9F35-469F4E043D52}"/>
-              </a:ext>
-            </a:extLst>
-          </p:cNvPr>
-          <p:cNvSpPr>
-            <a:spLocks noGrp="1"/>
-          </p:cNvSpPr>
-          <p:nvPr>
-            <p:ph type="title"/>
-          </p:nvPr>
-        </p:nvSpPr>
-        <p:spPr/>
-        <p:txBody>
-          <a:bodyPr/>
-          <a:lstStyle/>
-          <a:p>
-            <a:r>
-              <a:rPr lang="en-US" b="1">
-                <a:latin typeface="Arial" panose="020B0604020202020204" pitchFamily="34" charset="0"/>
-                <a:cs typeface="Arial" panose="020B0604020202020204" pitchFamily="34" charset="0"/>
-              </a:rPr>
-              <a:t>Example: Hyperparameter Tuning</a:t>
-            </a:r>
-          </a:p>
-        </p:txBody>
-      </p:sp>
-      <p:sp>
-        <p:nvSpPr>
-          <p:cNvPr id="4" name="Slide Number Placeholder 3">
-            <a:extLst>
-              <a:ext uri="{FF2B5EF4-FFF2-40B4-BE49-F238E27FC236}">
-                <a16:creationId xmlns:a16="http://schemas.microsoft.com/office/drawing/2014/main" id="{05EFA204-0551-402D-8845-DA951B4C9319}"/>
-              </a:ext>
-            </a:extLst>
-          </p:cNvPr>
-          <p:cNvSpPr>
-            <a:spLocks noGrp="1"/>
-          </p:cNvSpPr>
-          <p:nvPr>
-            <p:ph type="sldNum" sz="quarter" idx="12"/>
-          </p:nvPr>
-        </p:nvSpPr>
-        <p:spPr/>
-        <p:txBody>
-          <a:bodyPr/>
-          <a:lstStyle/>
-          <a:p>
-            <a:fld id="{02BC044B-C17F-492A-8FEE-55E1FB666255}" type="slidenum">
-              <a:rPr lang="en-US" smtClean="0"/>
-              <a:t>12</a:t>
-            </a:fld>
-            <a:endParaRPr lang="en-US"/>
-          </a:p>
-        </p:txBody>
-      </p:sp>
-      <p:sp>
-        <p:nvSpPr>
           <p:cNvPr id="7" name="Rectangle 6">
             <a:extLst>
               <a:ext uri="{FF2B5EF4-FFF2-40B4-BE49-F238E27FC236}">
-                <a16:creationId xmlns:a16="http://schemas.microsoft.com/office/drawing/2014/main" id="{4B0A7F21-A7E9-4B79-AEFA-71316FFE5445}"/>
+                <a16:creationId xmlns:a16="http://schemas.microsoft.com/office/drawing/2014/main" id="{BA68E435-80C5-48F5-A394-F0F76F618852}"/>
               </a:ext>
             </a:extLst>
           </p:cNvPr>
@@ -7330,7 +7324,7 @@
     </p:spTree>
     <p:extLst>
       <p:ext uri="{BB962C8B-B14F-4D97-AF65-F5344CB8AC3E}">
-        <p14:creationId xmlns:p14="http://schemas.microsoft.com/office/powerpoint/2010/main" val="1280963645"/>
+        <p14:creationId xmlns:p14="http://schemas.microsoft.com/office/powerpoint/2010/main" val="805272373"/>
       </p:ext>
     </p:extLst>
   </p:cSld>
@@ -7357,6 +7351,36 @@
           <a:chExt cx="0" cy="0"/>
         </a:xfrm>
       </p:grpSpPr>
+      <p:pic>
+        <p:nvPicPr>
+          <p:cNvPr id="5" name="Picture 4">
+            <a:extLst>
+              <a:ext uri="{FF2B5EF4-FFF2-40B4-BE49-F238E27FC236}">
+                <a16:creationId xmlns:a16="http://schemas.microsoft.com/office/drawing/2014/main" id="{41D8BE27-70CB-47BB-A9C2-3574BC1EAECB}"/>
+              </a:ext>
+            </a:extLst>
+          </p:cNvPr>
+          <p:cNvPicPr>
+            <a:picLocks noChangeAspect="1"/>
+          </p:cNvPicPr>
+          <p:nvPr/>
+        </p:nvPicPr>
+        <p:blipFill>
+          <a:blip r:embed="rId2"/>
+          <a:stretch>
+            <a:fillRect/>
+          </a:stretch>
+        </p:blipFill>
+        <p:spPr>
+          <a:xfrm>
+            <a:off x="0" y="1362683"/>
+            <a:ext cx="12192000" cy="5358792"/>
+          </a:xfrm>
+          <a:prstGeom prst="rect">
+            <a:avLst/>
+          </a:prstGeom>
+        </p:spPr>
+      </p:pic>
       <p:sp>
         <p:nvSpPr>
           <p:cNvPr id="2" name="Title 1">
@@ -7383,7 +7407,7 @@
                 <a:latin typeface="Arial" panose="020B0604020202020204" pitchFamily="34" charset="0"/>
                 <a:cs typeface="Arial" panose="020B0604020202020204" pitchFamily="34" charset="0"/>
               </a:rPr>
-              <a:t>Types as Search Spaces</a:t>
+              <a:t>Example: Hyperparameter Tuning</a:t>
             </a:r>
           </a:p>
         </p:txBody>
@@ -7412,6 +7436,136 @@
             <a:fld id="{02BC044B-C17F-492A-8FEE-55E1FB666255}" type="slidenum">
               <a:rPr lang="en-US" smtClean="0"/>
               <a:t>13</a:t>
+            </a:fld>
+            <a:endParaRPr lang="en-US"/>
+          </a:p>
+        </p:txBody>
+      </p:sp>
+      <p:sp>
+        <p:nvSpPr>
+          <p:cNvPr id="7" name="Rectangle 6">
+            <a:extLst>
+              <a:ext uri="{FF2B5EF4-FFF2-40B4-BE49-F238E27FC236}">
+                <a16:creationId xmlns:a16="http://schemas.microsoft.com/office/drawing/2014/main" id="{4B0A7F21-A7E9-4B79-AEFA-71316FFE5445}"/>
+              </a:ext>
+            </a:extLst>
+          </p:cNvPr>
+          <p:cNvSpPr/>
+          <p:nvPr/>
+        </p:nvSpPr>
+        <p:spPr>
+          <a:xfrm>
+            <a:off x="5783580" y="88126"/>
+            <a:ext cx="6408420" cy="276999"/>
+          </a:xfrm>
+          <a:prstGeom prst="rect">
+            <a:avLst/>
+          </a:prstGeom>
+        </p:spPr>
+        <p:txBody>
+          <a:bodyPr wrap="square">
+            <a:spAutoFit/>
+          </a:bodyPr>
+          <a:lstStyle/>
+          <a:p>
+            <a:pPr algn="r"/>
+            <a:r>
+              <a:rPr lang="en-US" sz="1200">
+                <a:solidFill>
+                  <a:schemeClr val="accent1"/>
+                </a:solidFill>
+                <a:latin typeface="Arial" panose="020B0604020202020204" pitchFamily="34" charset="0"/>
+              </a:rPr>
+              <a:t>https://nbviewer.jupyter.org/github/IBM/lale/blob/master/examples/talk_2020-0327-lale.ipynb</a:t>
+            </a:r>
+          </a:p>
+        </p:txBody>
+      </p:sp>
+    </p:spTree>
+    <p:extLst>
+      <p:ext uri="{BB962C8B-B14F-4D97-AF65-F5344CB8AC3E}">
+        <p14:creationId xmlns:p14="http://schemas.microsoft.com/office/powerpoint/2010/main" val="1280963645"/>
+      </p:ext>
+    </p:extLst>
+  </p:cSld>
+  <p:clrMapOvr>
+    <a:masterClrMapping/>
+  </p:clrMapOvr>
+</p:sld>
+</file>
+
+<file path=ppt/slides/slide14.xml><?xml version="1.0" encoding="utf-8"?>
+<p:sld xmlns:a="http://schemas.openxmlformats.org/drawingml/2006/main" xmlns:r="http://schemas.openxmlformats.org/officeDocument/2006/relationships" xmlns:p="http://schemas.openxmlformats.org/presentationml/2006/main">
+  <p:cSld>
+    <p:spTree>
+      <p:nvGrpSpPr>
+        <p:cNvPr id="1" name=""/>
+        <p:cNvGrpSpPr/>
+        <p:nvPr/>
+      </p:nvGrpSpPr>
+      <p:grpSpPr>
+        <a:xfrm>
+          <a:off x="0" y="0"/>
+          <a:ext cx="0" cy="0"/>
+          <a:chOff x="0" y="0"/>
+          <a:chExt cx="0" cy="0"/>
+        </a:xfrm>
+      </p:grpSpPr>
+      <p:sp>
+        <p:nvSpPr>
+          <p:cNvPr id="2" name="Title 1">
+            <a:extLst>
+              <a:ext uri="{FF2B5EF4-FFF2-40B4-BE49-F238E27FC236}">
+                <a16:creationId xmlns:a16="http://schemas.microsoft.com/office/drawing/2014/main" id="{68AFFF39-A92B-407A-9F35-469F4E043D52}"/>
+              </a:ext>
+            </a:extLst>
+          </p:cNvPr>
+          <p:cNvSpPr>
+            <a:spLocks noGrp="1"/>
+          </p:cNvSpPr>
+          <p:nvPr>
+            <p:ph type="title"/>
+          </p:nvPr>
+        </p:nvSpPr>
+        <p:spPr/>
+        <p:txBody>
+          <a:bodyPr/>
+          <a:lstStyle/>
+          <a:p>
+            <a:r>
+              <a:rPr lang="en-US" b="1">
+                <a:latin typeface="Arial" panose="020B0604020202020204" pitchFamily="34" charset="0"/>
+                <a:cs typeface="Arial" panose="020B0604020202020204" pitchFamily="34" charset="0"/>
+              </a:rPr>
+              <a:t>Types as Search Spaces</a:t>
+            </a:r>
+          </a:p>
+        </p:txBody>
+      </p:sp>
+      <p:sp>
+        <p:nvSpPr>
+          <p:cNvPr id="4" name="Slide Number Placeholder 3">
+            <a:extLst>
+              <a:ext uri="{FF2B5EF4-FFF2-40B4-BE49-F238E27FC236}">
+                <a16:creationId xmlns:a16="http://schemas.microsoft.com/office/drawing/2014/main" id="{05EFA204-0551-402D-8845-DA951B4C9319}"/>
+              </a:ext>
+            </a:extLst>
+          </p:cNvPr>
+          <p:cNvSpPr>
+            <a:spLocks noGrp="1"/>
+          </p:cNvSpPr>
+          <p:nvPr>
+            <p:ph type="sldNum" sz="quarter" idx="12"/>
+          </p:nvPr>
+        </p:nvSpPr>
+        <p:spPr/>
+        <p:txBody>
+          <a:bodyPr/>
+          <a:lstStyle/>
+          <a:p>
+            <a:fld id="{02BC044B-C17F-492A-8FEE-55E1FB666255}" type="slidenum">
+              <a:rPr lang="en-US" smtClean="0"/>
+              <a:t>14</a:t>
             </a:fld>
             <a:endParaRPr lang="en-US"/>
           </a:p>
@@ -9417,7 +9571,7 @@
 </p:sld>
 </file>
 
-<file path=ppt/slides/slide14.xml><?xml version="1.0" encoding="utf-8"?>
+<file path=ppt/slides/slide15.xml><?xml version="1.0" encoding="utf-8"?>
 <p:sld xmlns:a="http://schemas.openxmlformats.org/drawingml/2006/main" xmlns:r="http://schemas.openxmlformats.org/officeDocument/2006/relationships" xmlns:p="http://schemas.openxmlformats.org/presentationml/2006/main">
   <p:cSld>
     <p:spTree>
@@ -9488,7 +9642,7 @@
           <a:p>
             <a:fld id="{02BC044B-C17F-492A-8FEE-55E1FB666255}" type="slidenum">
               <a:rPr lang="en-US" smtClean="0"/>
-              <a:t>14</a:t>
+              <a:t>15</a:t>
             </a:fld>
             <a:endParaRPr lang="en-US"/>
           </a:p>
@@ -9598,171 +9752,6 @@
     <p:extLst>
       <p:ext uri="{BB962C8B-B14F-4D97-AF65-F5344CB8AC3E}">
         <p14:creationId xmlns:p14="http://schemas.microsoft.com/office/powerpoint/2010/main" val="488797807"/>
-      </p:ext>
-    </p:extLst>
-  </p:cSld>
-  <p:clrMapOvr>
-    <a:masterClrMapping/>
-  </p:clrMapOvr>
-</p:sld>
-</file>
-
-<file path=ppt/slides/slide15.xml><?xml version="1.0" encoding="utf-8"?>
-<p:sld xmlns:a="http://schemas.openxmlformats.org/drawingml/2006/main" xmlns:r="http://schemas.openxmlformats.org/officeDocument/2006/relationships" xmlns:p="http://schemas.openxmlformats.org/presentationml/2006/main">
-  <p:cSld>
-    <p:spTree>
-      <p:nvGrpSpPr>
-        <p:cNvPr id="1" name=""/>
-        <p:cNvGrpSpPr/>
-        <p:nvPr/>
-      </p:nvGrpSpPr>
-      <p:grpSpPr>
-        <a:xfrm>
-          <a:off x="0" y="0"/>
-          <a:ext cx="0" cy="0"/>
-          <a:chOff x="0" y="0"/>
-          <a:chExt cx="0" cy="0"/>
-        </a:xfrm>
-      </p:grpSpPr>
-      <p:sp>
-        <p:nvSpPr>
-          <p:cNvPr id="2" name="Title 1">
-            <a:extLst>
-              <a:ext uri="{FF2B5EF4-FFF2-40B4-BE49-F238E27FC236}">
-                <a16:creationId xmlns:a16="http://schemas.microsoft.com/office/drawing/2014/main" id="{68AFFF39-A92B-407A-9F35-469F4E043D52}"/>
-              </a:ext>
-            </a:extLst>
-          </p:cNvPr>
-          <p:cNvSpPr>
-            <a:spLocks noGrp="1"/>
-          </p:cNvSpPr>
-          <p:nvPr>
-            <p:ph type="title"/>
-          </p:nvPr>
-        </p:nvSpPr>
-        <p:spPr>
-          <a:xfrm>
-            <a:off x="838200" y="365125"/>
-            <a:ext cx="10976572" cy="1325563"/>
-          </a:xfrm>
-        </p:spPr>
-        <p:txBody>
-          <a:bodyPr/>
-          <a:lstStyle/>
-          <a:p>
-            <a:r>
-              <a:rPr lang="en-US" b="1">
-                <a:latin typeface="Arial" panose="020B0604020202020204" pitchFamily="34" charset="0"/>
-                <a:cs typeface="Arial" panose="020B0604020202020204" pitchFamily="34" charset="0"/>
-              </a:rPr>
-              <a:t>Example: Algorithm Selection</a:t>
-            </a:r>
-          </a:p>
-        </p:txBody>
-      </p:sp>
-      <p:sp>
-        <p:nvSpPr>
-          <p:cNvPr id="4" name="Slide Number Placeholder 3">
-            <a:extLst>
-              <a:ext uri="{FF2B5EF4-FFF2-40B4-BE49-F238E27FC236}">
-                <a16:creationId xmlns:a16="http://schemas.microsoft.com/office/drawing/2014/main" id="{05EFA204-0551-402D-8845-DA951B4C9319}"/>
-              </a:ext>
-            </a:extLst>
-          </p:cNvPr>
-          <p:cNvSpPr>
-            <a:spLocks noGrp="1"/>
-          </p:cNvSpPr>
-          <p:nvPr>
-            <p:ph type="sldNum" sz="quarter" idx="12"/>
-          </p:nvPr>
-        </p:nvSpPr>
-        <p:spPr/>
-        <p:txBody>
-          <a:bodyPr/>
-          <a:lstStyle/>
-          <a:p>
-            <a:fld id="{02BC044B-C17F-492A-8FEE-55E1FB666255}" type="slidenum">
-              <a:rPr lang="en-US" smtClean="0"/>
-              <a:t>15</a:t>
-            </a:fld>
-            <a:endParaRPr lang="en-US"/>
-          </a:p>
-        </p:txBody>
-      </p:sp>
-      <p:pic>
-        <p:nvPicPr>
-          <p:cNvPr id="7" name="Picture 6">
-            <a:extLst>
-              <a:ext uri="{FF2B5EF4-FFF2-40B4-BE49-F238E27FC236}">
-                <a16:creationId xmlns:a16="http://schemas.microsoft.com/office/drawing/2014/main" id="{73C67636-AE67-4B83-BCEA-4BDE05CE46F4}"/>
-              </a:ext>
-            </a:extLst>
-          </p:cNvPr>
-          <p:cNvPicPr>
-            <a:picLocks noChangeAspect="1"/>
-          </p:cNvPicPr>
-          <p:nvPr/>
-        </p:nvPicPr>
-        <p:blipFill>
-          <a:blip r:embed="rId2"/>
-          <a:stretch>
-            <a:fillRect/>
-          </a:stretch>
-        </p:blipFill>
-        <p:spPr>
-          <a:xfrm>
-            <a:off x="0" y="1409700"/>
-            <a:ext cx="12192000" cy="4784108"/>
-          </a:xfrm>
-          <a:prstGeom prst="rect">
-            <a:avLst/>
-          </a:prstGeom>
-        </p:spPr>
-      </p:pic>
-      <p:sp>
-        <p:nvSpPr>
-          <p:cNvPr id="9" name="Rectangle 8">
-            <a:extLst>
-              <a:ext uri="{FF2B5EF4-FFF2-40B4-BE49-F238E27FC236}">
-                <a16:creationId xmlns:a16="http://schemas.microsoft.com/office/drawing/2014/main" id="{3A17BCAF-B04F-43EA-A66B-CE94FF911ECD}"/>
-              </a:ext>
-            </a:extLst>
-          </p:cNvPr>
-          <p:cNvSpPr/>
-          <p:nvPr/>
-        </p:nvSpPr>
-        <p:spPr>
-          <a:xfrm>
-            <a:off x="5783580" y="88126"/>
-            <a:ext cx="6408420" cy="276999"/>
-          </a:xfrm>
-          <a:prstGeom prst="rect">
-            <a:avLst/>
-          </a:prstGeom>
-        </p:spPr>
-        <p:txBody>
-          <a:bodyPr wrap="square">
-            <a:spAutoFit/>
-          </a:bodyPr>
-          <a:lstStyle/>
-          <a:p>
-            <a:pPr algn="r"/>
-            <a:r>
-              <a:rPr lang="en-US" sz="1200">
-                <a:solidFill>
-                  <a:schemeClr val="accent1"/>
-                </a:solidFill>
-                <a:latin typeface="Arial" panose="020B0604020202020204" pitchFamily="34" charset="0"/>
-              </a:rPr>
-              <a:t>https://nbviewer.jupyter.org/github/IBM/lale/blob/master/examples/talk_2020-0327-lale.ipynb</a:t>
-            </a:r>
-          </a:p>
-        </p:txBody>
-      </p:sp>
-    </p:spTree>
-    <p:extLst>
-      <p:ext uri="{BB962C8B-B14F-4D97-AF65-F5344CB8AC3E}">
-        <p14:creationId xmlns:p14="http://schemas.microsoft.com/office/powerpoint/2010/main" val="2284681568"/>
       </p:ext>
     </p:extLst>
   </p:cSld>
@@ -9789,12 +9778,77 @@
           <a:chExt cx="0" cy="0"/>
         </a:xfrm>
       </p:grpSpPr>
+      <p:sp>
+        <p:nvSpPr>
+          <p:cNvPr id="2" name="Title 1">
+            <a:extLst>
+              <a:ext uri="{FF2B5EF4-FFF2-40B4-BE49-F238E27FC236}">
+                <a16:creationId xmlns:a16="http://schemas.microsoft.com/office/drawing/2014/main" id="{68AFFF39-A92B-407A-9F35-469F4E043D52}"/>
+              </a:ext>
+            </a:extLst>
+          </p:cNvPr>
+          <p:cNvSpPr>
+            <a:spLocks noGrp="1"/>
+          </p:cNvSpPr>
+          <p:nvPr>
+            <p:ph type="title"/>
+          </p:nvPr>
+        </p:nvSpPr>
+        <p:spPr>
+          <a:xfrm>
+            <a:off x="838200" y="365125"/>
+            <a:ext cx="10976572" cy="1325563"/>
+          </a:xfrm>
+        </p:spPr>
+        <p:txBody>
+          <a:bodyPr/>
+          <a:lstStyle/>
+          <a:p>
+            <a:r>
+              <a:rPr lang="en-US" b="1">
+                <a:latin typeface="Arial" panose="020B0604020202020204" pitchFamily="34" charset="0"/>
+                <a:cs typeface="Arial" panose="020B0604020202020204" pitchFamily="34" charset="0"/>
+              </a:rPr>
+              <a:t>Example: Algorithm Selection</a:t>
+            </a:r>
+          </a:p>
+        </p:txBody>
+      </p:sp>
+      <p:sp>
+        <p:nvSpPr>
+          <p:cNvPr id="4" name="Slide Number Placeholder 3">
+            <a:extLst>
+              <a:ext uri="{FF2B5EF4-FFF2-40B4-BE49-F238E27FC236}">
+                <a16:creationId xmlns:a16="http://schemas.microsoft.com/office/drawing/2014/main" id="{05EFA204-0551-402D-8845-DA951B4C9319}"/>
+              </a:ext>
+            </a:extLst>
+          </p:cNvPr>
+          <p:cNvSpPr>
+            <a:spLocks noGrp="1"/>
+          </p:cNvSpPr>
+          <p:nvPr>
+            <p:ph type="sldNum" sz="quarter" idx="12"/>
+          </p:nvPr>
+        </p:nvSpPr>
+        <p:spPr/>
+        <p:txBody>
+          <a:bodyPr/>
+          <a:lstStyle/>
+          <a:p>
+            <a:fld id="{02BC044B-C17F-492A-8FEE-55E1FB666255}" type="slidenum">
+              <a:rPr lang="en-US" smtClean="0"/>
+              <a:t>16</a:t>
+            </a:fld>
+            <a:endParaRPr lang="en-US"/>
+          </a:p>
+        </p:txBody>
+      </p:sp>
       <p:pic>
         <p:nvPicPr>
-          <p:cNvPr id="6" name="Picture 5">
-            <a:extLst>
-              <a:ext uri="{FF2B5EF4-FFF2-40B4-BE49-F238E27FC236}">
-                <a16:creationId xmlns:a16="http://schemas.microsoft.com/office/drawing/2014/main" id="{2E1E20BD-0D93-4266-9867-1E8E4E774270}"/>
+          <p:cNvPr id="7" name="Picture 6">
+            <a:extLst>
+              <a:ext uri="{FF2B5EF4-FFF2-40B4-BE49-F238E27FC236}">
+                <a16:creationId xmlns:a16="http://schemas.microsoft.com/office/drawing/2014/main" id="{73C67636-AE67-4B83-BCEA-4BDE05CE46F4}"/>
               </a:ext>
             </a:extLst>
           </p:cNvPr>
@@ -9811,8 +9865,8 @@
         </p:blipFill>
         <p:spPr>
           <a:xfrm>
-            <a:off x="0" y="3078517"/>
-            <a:ext cx="12192000" cy="3528280"/>
+            <a:off x="0" y="1409700"/>
+            <a:ext cx="12192000" cy="4784108"/>
           </a:xfrm>
           <a:prstGeom prst="rect">
             <a:avLst/>
@@ -9821,105 +9875,10 @@
       </p:pic>
       <p:sp>
         <p:nvSpPr>
-          <p:cNvPr id="2" name="Title 1">
-            <a:extLst>
-              <a:ext uri="{FF2B5EF4-FFF2-40B4-BE49-F238E27FC236}">
-                <a16:creationId xmlns:a16="http://schemas.microsoft.com/office/drawing/2014/main" id="{68AFFF39-A92B-407A-9F35-469F4E043D52}"/>
-              </a:ext>
-            </a:extLst>
-          </p:cNvPr>
-          <p:cNvSpPr>
-            <a:spLocks noGrp="1"/>
-          </p:cNvSpPr>
-          <p:nvPr>
-            <p:ph type="title"/>
-          </p:nvPr>
-        </p:nvSpPr>
-        <p:spPr>
-          <a:xfrm>
-            <a:off x="838200" y="365125"/>
-            <a:ext cx="10980420" cy="1325563"/>
-          </a:xfrm>
-        </p:spPr>
-        <p:txBody>
-          <a:bodyPr/>
-          <a:lstStyle/>
-          <a:p>
-            <a:r>
-              <a:rPr lang="en-US" b="1">
-                <a:latin typeface="Arial" panose="020B0604020202020204" pitchFamily="34" charset="0"/>
-                <a:cs typeface="Arial" panose="020B0604020202020204" pitchFamily="34" charset="0"/>
-              </a:rPr>
-              <a:t>Example: Combined Algorithm Selection and Hyperparameter Tuning</a:t>
-            </a:r>
-          </a:p>
-        </p:txBody>
-      </p:sp>
-      <p:sp>
-        <p:nvSpPr>
-          <p:cNvPr id="4" name="Slide Number Placeholder 3">
-            <a:extLst>
-              <a:ext uri="{FF2B5EF4-FFF2-40B4-BE49-F238E27FC236}">
-                <a16:creationId xmlns:a16="http://schemas.microsoft.com/office/drawing/2014/main" id="{05EFA204-0551-402D-8845-DA951B4C9319}"/>
-              </a:ext>
-            </a:extLst>
-          </p:cNvPr>
-          <p:cNvSpPr>
-            <a:spLocks noGrp="1"/>
-          </p:cNvSpPr>
-          <p:nvPr>
-            <p:ph type="sldNum" sz="quarter" idx="12"/>
-          </p:nvPr>
-        </p:nvSpPr>
-        <p:spPr/>
-        <p:txBody>
-          <a:bodyPr/>
-          <a:lstStyle/>
-          <a:p>
-            <a:fld id="{02BC044B-C17F-492A-8FEE-55E1FB666255}" type="slidenum">
-              <a:rPr lang="en-US" smtClean="0"/>
-              <a:t>16</a:t>
-            </a:fld>
-            <a:endParaRPr lang="en-US"/>
-          </a:p>
-        </p:txBody>
-      </p:sp>
-      <p:pic>
-        <p:nvPicPr>
-          <p:cNvPr id="5" name="Picture 4">
-            <a:extLst>
-              <a:ext uri="{FF2B5EF4-FFF2-40B4-BE49-F238E27FC236}">
-                <a16:creationId xmlns:a16="http://schemas.microsoft.com/office/drawing/2014/main" id="{BD5D1978-10D8-49A2-8D87-107E214F2B8C}"/>
-              </a:ext>
-            </a:extLst>
-          </p:cNvPr>
-          <p:cNvPicPr>
-            <a:picLocks noChangeAspect="1"/>
-          </p:cNvPicPr>
-          <p:nvPr/>
-        </p:nvPicPr>
-        <p:blipFill>
-          <a:blip r:embed="rId3"/>
-          <a:stretch>
-            <a:fillRect/>
-          </a:stretch>
-        </p:blipFill>
-        <p:spPr>
-          <a:xfrm>
-            <a:off x="0" y="1690688"/>
-            <a:ext cx="12192000" cy="1387829"/>
-          </a:xfrm>
-          <a:prstGeom prst="rect">
-            <a:avLst/>
-          </a:prstGeom>
-        </p:spPr>
-      </p:pic>
-      <p:sp>
-        <p:nvSpPr>
-          <p:cNvPr id="7" name="Rectangle 6">
-            <a:extLst>
-              <a:ext uri="{FF2B5EF4-FFF2-40B4-BE49-F238E27FC236}">
-                <a16:creationId xmlns:a16="http://schemas.microsoft.com/office/drawing/2014/main" id="{68D6E708-047B-4F14-9FBC-AA7F2D90EDF9}"/>
+          <p:cNvPr id="9" name="Rectangle 8">
+            <a:extLst>
+              <a:ext uri="{FF2B5EF4-FFF2-40B4-BE49-F238E27FC236}">
+                <a16:creationId xmlns:a16="http://schemas.microsoft.com/office/drawing/2014/main" id="{3A17BCAF-B04F-43EA-A66B-CE94FF911ECD}"/>
               </a:ext>
             </a:extLst>
           </p:cNvPr>
@@ -9957,7 +9916,7 @@
     </p:spTree>
     <p:extLst>
       <p:ext uri="{BB962C8B-B14F-4D97-AF65-F5344CB8AC3E}">
-        <p14:creationId xmlns:p14="http://schemas.microsoft.com/office/powerpoint/2010/main" val="977906287"/>
+        <p14:creationId xmlns:p14="http://schemas.microsoft.com/office/powerpoint/2010/main" val="2284681568"/>
       </p:ext>
     </p:extLst>
   </p:cSld>
@@ -9984,6 +9943,36 @@
           <a:chExt cx="0" cy="0"/>
         </a:xfrm>
       </p:grpSpPr>
+      <p:pic>
+        <p:nvPicPr>
+          <p:cNvPr id="6" name="Picture 5">
+            <a:extLst>
+              <a:ext uri="{FF2B5EF4-FFF2-40B4-BE49-F238E27FC236}">
+                <a16:creationId xmlns:a16="http://schemas.microsoft.com/office/drawing/2014/main" id="{2E1E20BD-0D93-4266-9867-1E8E4E774270}"/>
+              </a:ext>
+            </a:extLst>
+          </p:cNvPr>
+          <p:cNvPicPr>
+            <a:picLocks noChangeAspect="1"/>
+          </p:cNvPicPr>
+          <p:nvPr/>
+        </p:nvPicPr>
+        <p:blipFill>
+          <a:blip r:embed="rId2"/>
+          <a:stretch>
+            <a:fillRect/>
+          </a:stretch>
+        </p:blipFill>
+        <p:spPr>
+          <a:xfrm>
+            <a:off x="0" y="3078517"/>
+            <a:ext cx="12192000" cy="3528280"/>
+          </a:xfrm>
+          <a:prstGeom prst="rect">
+            <a:avLst/>
+          </a:prstGeom>
+        </p:spPr>
+      </p:pic>
       <p:sp>
         <p:nvSpPr>
           <p:cNvPr id="2" name="Title 1">
@@ -10000,7 +9989,12 @@
             <p:ph type="title"/>
           </p:nvPr>
         </p:nvSpPr>
-        <p:spPr/>
+        <p:spPr>
+          <a:xfrm>
+            <a:off x="838200" y="365125"/>
+            <a:ext cx="10980420" cy="1325563"/>
+          </a:xfrm>
+        </p:spPr>
         <p:txBody>
           <a:bodyPr/>
           <a:lstStyle/>
@@ -10010,61 +10004,7 @@
                 <a:latin typeface="Arial" panose="020B0604020202020204" pitchFamily="34" charset="0"/>
                 <a:cs typeface="Arial" panose="020B0604020202020204" pitchFamily="34" charset="0"/>
               </a:rPr>
-              <a:t>Expert-Level Control</a:t>
-            </a:r>
-          </a:p>
-        </p:txBody>
-      </p:sp>
-      <p:sp>
-        <p:nvSpPr>
-          <p:cNvPr id="3" name="Content Placeholder 2">
-            <a:extLst>
-              <a:ext uri="{FF2B5EF4-FFF2-40B4-BE49-F238E27FC236}">
-                <a16:creationId xmlns:a16="http://schemas.microsoft.com/office/drawing/2014/main" id="{F3F8F110-F6B9-4B25-8AA5-21562BDEFEBC}"/>
-              </a:ext>
-            </a:extLst>
-          </p:cNvPr>
-          <p:cNvSpPr>
-            <a:spLocks noGrp="1"/>
-          </p:cNvSpPr>
-          <p:nvPr>
-            <p:ph idx="1"/>
-          </p:nvPr>
-        </p:nvSpPr>
-        <p:spPr/>
-        <p:txBody>
-          <a:bodyPr/>
-          <a:lstStyle/>
-          <a:p>
-            <a:r>
-              <a:rPr lang="en-US">
-                <a:latin typeface="Arial" panose="020B0604020202020204" pitchFamily="34" charset="0"/>
-              </a:rPr>
-              <a:t>Custom metrics</a:t>
-            </a:r>
-          </a:p>
-          <a:p>
-            <a:r>
-              <a:rPr lang="en-US">
-                <a:latin typeface="Arial" panose="020B0604020202020204" pitchFamily="34" charset="0"/>
-              </a:rPr>
-              <a:t>Non-linear pipelines</a:t>
-            </a:r>
-          </a:p>
-          <a:p>
-            <a:r>
-              <a:rPr lang="en-US">
-                <a:latin typeface="Arial" panose="020B0604020202020204" pitchFamily="34" charset="0"/>
-              </a:rPr>
-              <a:t>Higher-order operators</a:t>
-            </a:r>
-          </a:p>
-          <a:p>
-            <a:r>
-              <a:rPr lang="en-US">
-                <a:latin typeface="Arial" panose="020B0604020202020204" pitchFamily="34" charset="0"/>
-              </a:rPr>
-              <a:t>Adding new operators</a:t>
+              <a:t>Example: Combined Algorithm Selection and Hyperparameter Tuning</a:t>
             </a:r>
           </a:p>
         </p:txBody>
@@ -10098,10 +10038,80 @@
           </a:p>
         </p:txBody>
       </p:sp>
+      <p:pic>
+        <p:nvPicPr>
+          <p:cNvPr id="5" name="Picture 4">
+            <a:extLst>
+              <a:ext uri="{FF2B5EF4-FFF2-40B4-BE49-F238E27FC236}">
+                <a16:creationId xmlns:a16="http://schemas.microsoft.com/office/drawing/2014/main" id="{BD5D1978-10D8-49A2-8D87-107E214F2B8C}"/>
+              </a:ext>
+            </a:extLst>
+          </p:cNvPr>
+          <p:cNvPicPr>
+            <a:picLocks noChangeAspect="1"/>
+          </p:cNvPicPr>
+          <p:nvPr/>
+        </p:nvPicPr>
+        <p:blipFill>
+          <a:blip r:embed="rId3"/>
+          <a:stretch>
+            <a:fillRect/>
+          </a:stretch>
+        </p:blipFill>
+        <p:spPr>
+          <a:xfrm>
+            <a:off x="0" y="1690688"/>
+            <a:ext cx="12192000" cy="1387829"/>
+          </a:xfrm>
+          <a:prstGeom prst="rect">
+            <a:avLst/>
+          </a:prstGeom>
+        </p:spPr>
+      </p:pic>
+      <p:sp>
+        <p:nvSpPr>
+          <p:cNvPr id="7" name="Rectangle 6">
+            <a:extLst>
+              <a:ext uri="{FF2B5EF4-FFF2-40B4-BE49-F238E27FC236}">
+                <a16:creationId xmlns:a16="http://schemas.microsoft.com/office/drawing/2014/main" id="{68D6E708-047B-4F14-9FBC-AA7F2D90EDF9}"/>
+              </a:ext>
+            </a:extLst>
+          </p:cNvPr>
+          <p:cNvSpPr/>
+          <p:nvPr/>
+        </p:nvSpPr>
+        <p:spPr>
+          <a:xfrm>
+            <a:off x="5783580" y="88126"/>
+            <a:ext cx="6408420" cy="276999"/>
+          </a:xfrm>
+          <a:prstGeom prst="rect">
+            <a:avLst/>
+          </a:prstGeom>
+        </p:spPr>
+        <p:txBody>
+          <a:bodyPr wrap="square">
+            <a:spAutoFit/>
+          </a:bodyPr>
+          <a:lstStyle/>
+          <a:p>
+            <a:pPr algn="r"/>
+            <a:r>
+              <a:rPr lang="en-US" sz="1200">
+                <a:solidFill>
+                  <a:schemeClr val="accent1"/>
+                </a:solidFill>
+                <a:latin typeface="Arial" panose="020B0604020202020204" pitchFamily="34" charset="0"/>
+              </a:rPr>
+              <a:t>https://nbviewer.jupyter.org/github/IBM/lale/blob/master/examples/talk_2020-0327-lale.ipynb</a:t>
+            </a:r>
+          </a:p>
+        </p:txBody>
+      </p:sp>
     </p:spTree>
     <p:extLst>
       <p:ext uri="{BB962C8B-B14F-4D97-AF65-F5344CB8AC3E}">
-        <p14:creationId xmlns:p14="http://schemas.microsoft.com/office/powerpoint/2010/main" val="1716139070"/>
+        <p14:creationId xmlns:p14="http://schemas.microsoft.com/office/powerpoint/2010/main" val="977906287"/>
       </p:ext>
     </p:extLst>
   </p:cSld>
@@ -10154,7 +10164,61 @@
                 <a:latin typeface="Arial" panose="020B0604020202020204" pitchFamily="34" charset="0"/>
                 <a:cs typeface="Arial" panose="020B0604020202020204" pitchFamily="34" charset="0"/>
               </a:rPr>
-              <a:t>Custom Metrics</a:t>
+              <a:t>Expert-Level Control</a:t>
+            </a:r>
+          </a:p>
+        </p:txBody>
+      </p:sp>
+      <p:sp>
+        <p:nvSpPr>
+          <p:cNvPr id="3" name="Content Placeholder 2">
+            <a:extLst>
+              <a:ext uri="{FF2B5EF4-FFF2-40B4-BE49-F238E27FC236}">
+                <a16:creationId xmlns:a16="http://schemas.microsoft.com/office/drawing/2014/main" id="{F3F8F110-F6B9-4B25-8AA5-21562BDEFEBC}"/>
+              </a:ext>
+            </a:extLst>
+          </p:cNvPr>
+          <p:cNvSpPr>
+            <a:spLocks noGrp="1"/>
+          </p:cNvSpPr>
+          <p:nvPr>
+            <p:ph idx="1"/>
+          </p:nvPr>
+        </p:nvSpPr>
+        <p:spPr/>
+        <p:txBody>
+          <a:bodyPr/>
+          <a:lstStyle/>
+          <a:p>
+            <a:r>
+              <a:rPr lang="en-US">
+                <a:latin typeface="Arial" panose="020B0604020202020204" pitchFamily="34" charset="0"/>
+              </a:rPr>
+              <a:t>Custom metrics</a:t>
+            </a:r>
+          </a:p>
+          <a:p>
+            <a:r>
+              <a:rPr lang="en-US">
+                <a:latin typeface="Arial" panose="020B0604020202020204" pitchFamily="34" charset="0"/>
+              </a:rPr>
+              <a:t>Non-linear pipelines</a:t>
+            </a:r>
+          </a:p>
+          <a:p>
+            <a:r>
+              <a:rPr lang="en-US">
+                <a:latin typeface="Arial" panose="020B0604020202020204" pitchFamily="34" charset="0"/>
+              </a:rPr>
+              <a:t>Higher-order operators</a:t>
+            </a:r>
+          </a:p>
+          <a:p>
+            <a:r>
+              <a:rPr lang="en-US">
+                <a:latin typeface="Arial" panose="020B0604020202020204" pitchFamily="34" charset="0"/>
+              </a:rPr>
+              <a:t>Adding new operators</a:t>
             </a:r>
           </a:p>
         </p:txBody>
@@ -10188,80 +10252,10 @@
           </a:p>
         </p:txBody>
       </p:sp>
-      <p:sp>
-        <p:nvSpPr>
-          <p:cNvPr id="5" name="Rectangle 4">
-            <a:extLst>
-              <a:ext uri="{FF2B5EF4-FFF2-40B4-BE49-F238E27FC236}">
-                <a16:creationId xmlns:a16="http://schemas.microsoft.com/office/drawing/2014/main" id="{B0D7F321-CEAF-4416-BD55-171D780A2076}"/>
-              </a:ext>
-            </a:extLst>
-          </p:cNvPr>
-          <p:cNvSpPr/>
-          <p:nvPr/>
-        </p:nvSpPr>
-        <p:spPr>
-          <a:xfrm>
-            <a:off x="5783580" y="88126"/>
-            <a:ext cx="6408420" cy="276999"/>
-          </a:xfrm>
-          <a:prstGeom prst="rect">
-            <a:avLst/>
-          </a:prstGeom>
-        </p:spPr>
-        <p:txBody>
-          <a:bodyPr wrap="square">
-            <a:spAutoFit/>
-          </a:bodyPr>
-          <a:lstStyle/>
-          <a:p>
-            <a:pPr algn="r"/>
-            <a:r>
-              <a:rPr lang="en-US" sz="1200">
-                <a:solidFill>
-                  <a:schemeClr val="accent1"/>
-                </a:solidFill>
-                <a:latin typeface="Arial" panose="020B0604020202020204" pitchFamily="34" charset="0"/>
-              </a:rPr>
-              <a:t>https://nbviewer.jupyter.org/github/IBM/lale/blob/master/examples/demo_aif360.ipynb</a:t>
-            </a:r>
-          </a:p>
-        </p:txBody>
-      </p:sp>
-      <p:pic>
-        <p:nvPicPr>
-          <p:cNvPr id="7" name="Picture 6">
-            <a:extLst>
-              <a:ext uri="{FF2B5EF4-FFF2-40B4-BE49-F238E27FC236}">
-                <a16:creationId xmlns:a16="http://schemas.microsoft.com/office/drawing/2014/main" id="{1D374363-A34F-4314-AC1C-531EB6A36A95}"/>
-              </a:ext>
-            </a:extLst>
-          </p:cNvPr>
-          <p:cNvPicPr>
-            <a:picLocks noChangeAspect="1"/>
-          </p:cNvPicPr>
-          <p:nvPr/>
-        </p:nvPicPr>
-        <p:blipFill>
-          <a:blip r:embed="rId2"/>
-          <a:stretch>
-            <a:fillRect/>
-          </a:stretch>
-        </p:blipFill>
-        <p:spPr>
-          <a:xfrm>
-            <a:off x="0" y="1409700"/>
-            <a:ext cx="12192000" cy="4541150"/>
-          </a:xfrm>
-          <a:prstGeom prst="rect">
-            <a:avLst/>
-          </a:prstGeom>
-        </p:spPr>
-      </p:pic>
     </p:spTree>
     <p:extLst>
       <p:ext uri="{BB962C8B-B14F-4D97-AF65-F5344CB8AC3E}">
-        <p14:creationId xmlns:p14="http://schemas.microsoft.com/office/powerpoint/2010/main" val="2853186339"/>
+        <p14:creationId xmlns:p14="http://schemas.microsoft.com/office/powerpoint/2010/main" val="1716139070"/>
       </p:ext>
     </p:extLst>
   </p:cSld>
@@ -10288,12 +10282,112 @@
           <a:chExt cx="0" cy="0"/>
         </a:xfrm>
       </p:grpSpPr>
+      <p:sp>
+        <p:nvSpPr>
+          <p:cNvPr id="2" name="Title 1">
+            <a:extLst>
+              <a:ext uri="{FF2B5EF4-FFF2-40B4-BE49-F238E27FC236}">
+                <a16:creationId xmlns:a16="http://schemas.microsoft.com/office/drawing/2014/main" id="{68AFFF39-A92B-407A-9F35-469F4E043D52}"/>
+              </a:ext>
+            </a:extLst>
+          </p:cNvPr>
+          <p:cNvSpPr>
+            <a:spLocks noGrp="1"/>
+          </p:cNvSpPr>
+          <p:nvPr>
+            <p:ph type="title"/>
+          </p:nvPr>
+        </p:nvSpPr>
+        <p:spPr/>
+        <p:txBody>
+          <a:bodyPr/>
+          <a:lstStyle/>
+          <a:p>
+            <a:r>
+              <a:rPr lang="en-US" b="1">
+                <a:latin typeface="Arial" panose="020B0604020202020204" pitchFamily="34" charset="0"/>
+                <a:cs typeface="Arial" panose="020B0604020202020204" pitchFamily="34" charset="0"/>
+              </a:rPr>
+              <a:t>Custom Metrics</a:t>
+            </a:r>
+          </a:p>
+        </p:txBody>
+      </p:sp>
+      <p:sp>
+        <p:nvSpPr>
+          <p:cNvPr id="4" name="Slide Number Placeholder 3">
+            <a:extLst>
+              <a:ext uri="{FF2B5EF4-FFF2-40B4-BE49-F238E27FC236}">
+                <a16:creationId xmlns:a16="http://schemas.microsoft.com/office/drawing/2014/main" id="{05EFA204-0551-402D-8845-DA951B4C9319}"/>
+              </a:ext>
+            </a:extLst>
+          </p:cNvPr>
+          <p:cNvSpPr>
+            <a:spLocks noGrp="1"/>
+          </p:cNvSpPr>
+          <p:nvPr>
+            <p:ph type="sldNum" sz="quarter" idx="12"/>
+          </p:nvPr>
+        </p:nvSpPr>
+        <p:spPr/>
+        <p:txBody>
+          <a:bodyPr/>
+          <a:lstStyle/>
+          <a:p>
+            <a:fld id="{02BC044B-C17F-492A-8FEE-55E1FB666255}" type="slidenum">
+              <a:rPr lang="en-US" smtClean="0"/>
+              <a:t>19</a:t>
+            </a:fld>
+            <a:endParaRPr lang="en-US"/>
+          </a:p>
+        </p:txBody>
+      </p:sp>
+      <p:sp>
+        <p:nvSpPr>
+          <p:cNvPr id="5" name="Rectangle 4">
+            <a:extLst>
+              <a:ext uri="{FF2B5EF4-FFF2-40B4-BE49-F238E27FC236}">
+                <a16:creationId xmlns:a16="http://schemas.microsoft.com/office/drawing/2014/main" id="{B0D7F321-CEAF-4416-BD55-171D780A2076}"/>
+              </a:ext>
+            </a:extLst>
+          </p:cNvPr>
+          <p:cNvSpPr/>
+          <p:nvPr/>
+        </p:nvSpPr>
+        <p:spPr>
+          <a:xfrm>
+            <a:off x="5783580" y="88126"/>
+            <a:ext cx="6408420" cy="276999"/>
+          </a:xfrm>
+          <a:prstGeom prst="rect">
+            <a:avLst/>
+          </a:prstGeom>
+        </p:spPr>
+        <p:txBody>
+          <a:bodyPr wrap="square">
+            <a:spAutoFit/>
+          </a:bodyPr>
+          <a:lstStyle/>
+          <a:p>
+            <a:pPr algn="r"/>
+            <a:r>
+              <a:rPr lang="en-US" sz="1200">
+                <a:solidFill>
+                  <a:schemeClr val="accent1"/>
+                </a:solidFill>
+                <a:latin typeface="Arial" panose="020B0604020202020204" pitchFamily="34" charset="0"/>
+              </a:rPr>
+              <a:t>https://nbviewer.jupyter.org/github/IBM/lale/blob/master/examples/demo_aif360.ipynb</a:t>
+            </a:r>
+          </a:p>
+        </p:txBody>
+      </p:sp>
       <p:pic>
         <p:nvPicPr>
-          <p:cNvPr id="5" name="Picture 4">
-            <a:extLst>
-              <a:ext uri="{FF2B5EF4-FFF2-40B4-BE49-F238E27FC236}">
-                <a16:creationId xmlns:a16="http://schemas.microsoft.com/office/drawing/2014/main" id="{5DE975C4-A899-4B66-BE26-2BDB8FA0D34F}"/>
+          <p:cNvPr id="7" name="Picture 6">
+            <a:extLst>
+              <a:ext uri="{FF2B5EF4-FFF2-40B4-BE49-F238E27FC236}">
+                <a16:creationId xmlns:a16="http://schemas.microsoft.com/office/drawing/2014/main" id="{1D374363-A34F-4314-AC1C-531EB6A36A95}"/>
               </a:ext>
             </a:extLst>
           </p:cNvPr>
@@ -10310,118 +10404,18 @@
         </p:blipFill>
         <p:spPr>
           <a:xfrm>
-            <a:off x="838200" y="1409700"/>
-            <a:ext cx="11099567" cy="5096969"/>
+            <a:off x="0" y="1409700"/>
+            <a:ext cx="12192000" cy="4541150"/>
           </a:xfrm>
           <a:prstGeom prst="rect">
             <a:avLst/>
           </a:prstGeom>
         </p:spPr>
       </p:pic>
-      <p:sp>
-        <p:nvSpPr>
-          <p:cNvPr id="2" name="Title 1">
-            <a:extLst>
-              <a:ext uri="{FF2B5EF4-FFF2-40B4-BE49-F238E27FC236}">
-                <a16:creationId xmlns:a16="http://schemas.microsoft.com/office/drawing/2014/main" id="{68AFFF39-A92B-407A-9F35-469F4E043D52}"/>
-              </a:ext>
-            </a:extLst>
-          </p:cNvPr>
-          <p:cNvSpPr>
-            <a:spLocks noGrp="1"/>
-          </p:cNvSpPr>
-          <p:nvPr>
-            <p:ph type="title"/>
-          </p:nvPr>
-        </p:nvSpPr>
-        <p:spPr/>
-        <p:txBody>
-          <a:bodyPr/>
-          <a:lstStyle/>
-          <a:p>
-            <a:r>
-              <a:rPr lang="en-US" b="1">
-                <a:latin typeface="Arial" panose="020B0604020202020204" pitchFamily="34" charset="0"/>
-                <a:cs typeface="Arial" panose="020B0604020202020204" pitchFamily="34" charset="0"/>
-              </a:rPr>
-              <a:t>Non-Linear Pipelines</a:t>
-            </a:r>
-          </a:p>
-        </p:txBody>
-      </p:sp>
-      <p:sp>
-        <p:nvSpPr>
-          <p:cNvPr id="4" name="Slide Number Placeholder 3">
-            <a:extLst>
-              <a:ext uri="{FF2B5EF4-FFF2-40B4-BE49-F238E27FC236}">
-                <a16:creationId xmlns:a16="http://schemas.microsoft.com/office/drawing/2014/main" id="{05EFA204-0551-402D-8845-DA951B4C9319}"/>
-              </a:ext>
-            </a:extLst>
-          </p:cNvPr>
-          <p:cNvSpPr>
-            <a:spLocks noGrp="1"/>
-          </p:cNvSpPr>
-          <p:nvPr>
-            <p:ph type="sldNum" sz="quarter" idx="12"/>
-          </p:nvPr>
-        </p:nvSpPr>
-        <p:spPr/>
-        <p:txBody>
-          <a:bodyPr/>
-          <a:lstStyle/>
-          <a:p>
-            <a:fld id="{02BC044B-C17F-492A-8FEE-55E1FB666255}" type="slidenum">
-              <a:rPr lang="en-US" smtClean="0"/>
-              <a:t>19</a:t>
-            </a:fld>
-            <a:endParaRPr lang="en-US"/>
-          </a:p>
-        </p:txBody>
-      </p:sp>
-      <p:sp>
-        <p:nvSpPr>
-          <p:cNvPr id="6" name="Rectangle 5">
-            <a:extLst>
-              <a:ext uri="{FF2B5EF4-FFF2-40B4-BE49-F238E27FC236}">
-                <a16:creationId xmlns:a16="http://schemas.microsoft.com/office/drawing/2014/main" id="{ECDBA827-8DC1-45FB-B097-BD3086B8A0A3}"/>
-              </a:ext>
-            </a:extLst>
-          </p:cNvPr>
-          <p:cNvSpPr/>
-          <p:nvPr/>
-        </p:nvSpPr>
-        <p:spPr>
-          <a:xfrm>
-            <a:off x="5783580" y="88126"/>
-            <a:ext cx="6408420" cy="276999"/>
-          </a:xfrm>
-          <a:prstGeom prst="rect">
-            <a:avLst/>
-          </a:prstGeom>
-        </p:spPr>
-        <p:txBody>
-          <a:bodyPr wrap="square">
-            <a:spAutoFit/>
-          </a:bodyPr>
-          <a:lstStyle/>
-          <a:p>
-            <a:pPr algn="r"/>
-            <a:r>
-              <a:rPr lang="en-US" sz="1200">
-                <a:solidFill>
-                  <a:schemeClr val="accent1"/>
-                </a:solidFill>
-                <a:latin typeface="Arial" panose="020B0604020202020204" pitchFamily="34" charset="0"/>
-              </a:rPr>
-              <a:t>https://nbviewer.jupyter.org/github/IBM/lale/blob/master/examples/talk_2020-0302-lale.ipynb</a:t>
-            </a:r>
-          </a:p>
-        </p:txBody>
-      </p:sp>
     </p:spTree>
     <p:extLst>
       <p:ext uri="{BB962C8B-B14F-4D97-AF65-F5344CB8AC3E}">
-        <p14:creationId xmlns:p14="http://schemas.microsoft.com/office/powerpoint/2010/main" val="2734568814"/>
+        <p14:creationId xmlns:p14="http://schemas.microsoft.com/office/powerpoint/2010/main" val="2853186339"/>
       </p:ext>
     </p:extLst>
   </p:cSld>
@@ -11674,6 +11668,69 @@
           </a:p>
         </p:txBody>
       </p:sp>
+      <p:sp>
+        <p:nvSpPr>
+          <p:cNvPr id="20" name="Thought Bubble: Cloud 19">
+            <a:extLst>
+              <a:ext uri="{FF2B5EF4-FFF2-40B4-BE49-F238E27FC236}">
+                <a16:creationId xmlns:a16="http://schemas.microsoft.com/office/drawing/2014/main" id="{2F3CE9E0-B173-483E-8624-6AAEC803A804}"/>
+              </a:ext>
+            </a:extLst>
+          </p:cNvPr>
+          <p:cNvSpPr/>
+          <p:nvPr/>
+        </p:nvSpPr>
+        <p:spPr>
+          <a:xfrm>
+            <a:off x="297706" y="1711178"/>
+            <a:ext cx="2379711" cy="1010847"/>
+          </a:xfrm>
+          <a:prstGeom prst="cloudCallout">
+            <a:avLst>
+              <a:gd name="adj1" fmla="val 29148"/>
+              <a:gd name="adj2" fmla="val 99227"/>
+            </a:avLst>
+          </a:prstGeom>
+          <a:noFill/>
+          <a:ln>
+            <a:solidFill>
+              <a:schemeClr val="tx1"/>
+            </a:solidFill>
+          </a:ln>
+        </p:spPr>
+        <p:style>
+          <a:lnRef idx="2">
+            <a:schemeClr val="accent1">
+              <a:shade val="50000"/>
+            </a:schemeClr>
+          </a:lnRef>
+          <a:fillRef idx="1">
+            <a:schemeClr val="accent1"/>
+          </a:fillRef>
+          <a:effectRef idx="0">
+            <a:schemeClr val="accent1"/>
+          </a:effectRef>
+          <a:fontRef idx="minor">
+            <a:schemeClr val="lt1"/>
+          </a:fontRef>
+        </p:style>
+        <p:txBody>
+          <a:bodyPr rtlCol="0" anchor="ctr"/>
+          <a:lstStyle/>
+          <a:p>
+            <a:pPr algn="ctr"/>
+            <a:r>
+              <a:rPr lang="en-US">
+                <a:solidFill>
+                  <a:schemeClr val="tx1"/>
+                </a:solidFill>
+                <a:latin typeface="Arial" panose="020B0604020202020204" pitchFamily="34" charset="0"/>
+              </a:rPr>
+              <a:t>Inspiration</a:t>
+            </a:r>
+          </a:p>
+        </p:txBody>
+      </p:sp>
     </p:spTree>
     <p:extLst>
       <p:ext uri="{BB962C8B-B14F-4D97-AF65-F5344CB8AC3E}">
@@ -11704,12 +11761,73 @@
           <a:chExt cx="0" cy="0"/>
         </a:xfrm>
       </p:grpSpPr>
-      <p:sp>
-        <p:nvSpPr>
-          <p:cNvPr id="6" name="Slide Number Placeholder 5">
-            <a:extLst>
-              <a:ext uri="{FF2B5EF4-FFF2-40B4-BE49-F238E27FC236}">
-                <a16:creationId xmlns:a16="http://schemas.microsoft.com/office/drawing/2014/main" id="{720EF69A-03B0-4EA4-96EC-030203335F73}"/>
+      <p:pic>
+        <p:nvPicPr>
+          <p:cNvPr id="5" name="Picture 4">
+            <a:extLst>
+              <a:ext uri="{FF2B5EF4-FFF2-40B4-BE49-F238E27FC236}">
+                <a16:creationId xmlns:a16="http://schemas.microsoft.com/office/drawing/2014/main" id="{5DE975C4-A899-4B66-BE26-2BDB8FA0D34F}"/>
+              </a:ext>
+            </a:extLst>
+          </p:cNvPr>
+          <p:cNvPicPr>
+            <a:picLocks noChangeAspect="1"/>
+          </p:cNvPicPr>
+          <p:nvPr/>
+        </p:nvPicPr>
+        <p:blipFill>
+          <a:blip r:embed="rId2"/>
+          <a:stretch>
+            <a:fillRect/>
+          </a:stretch>
+        </p:blipFill>
+        <p:spPr>
+          <a:xfrm>
+            <a:off x="838200" y="1409700"/>
+            <a:ext cx="11099567" cy="5096969"/>
+          </a:xfrm>
+          <a:prstGeom prst="rect">
+            <a:avLst/>
+          </a:prstGeom>
+        </p:spPr>
+      </p:pic>
+      <p:sp>
+        <p:nvSpPr>
+          <p:cNvPr id="2" name="Title 1">
+            <a:extLst>
+              <a:ext uri="{FF2B5EF4-FFF2-40B4-BE49-F238E27FC236}">
+                <a16:creationId xmlns:a16="http://schemas.microsoft.com/office/drawing/2014/main" id="{68AFFF39-A92B-407A-9F35-469F4E043D52}"/>
+              </a:ext>
+            </a:extLst>
+          </p:cNvPr>
+          <p:cNvSpPr>
+            <a:spLocks noGrp="1"/>
+          </p:cNvSpPr>
+          <p:nvPr>
+            <p:ph type="title"/>
+          </p:nvPr>
+        </p:nvSpPr>
+        <p:spPr/>
+        <p:txBody>
+          <a:bodyPr/>
+          <a:lstStyle/>
+          <a:p>
+            <a:r>
+              <a:rPr lang="en-US" b="1">
+                <a:latin typeface="Arial" panose="020B0604020202020204" pitchFamily="34" charset="0"/>
+                <a:cs typeface="Arial" panose="020B0604020202020204" pitchFamily="34" charset="0"/>
+              </a:rPr>
+              <a:t>Non-Linear Pipelines</a:t>
+            </a:r>
+          </a:p>
+        </p:txBody>
+      </p:sp>
+      <p:sp>
+        <p:nvSpPr>
+          <p:cNvPr id="4" name="Slide Number Placeholder 3">
+            <a:extLst>
+              <a:ext uri="{FF2B5EF4-FFF2-40B4-BE49-F238E27FC236}">
+                <a16:creationId xmlns:a16="http://schemas.microsoft.com/office/drawing/2014/main" id="{05EFA204-0551-402D-8845-DA951B4C9319}"/>
               </a:ext>
             </a:extLst>
           </p:cNvPr>
@@ -11725,9 +11843,108 @@
           <a:bodyPr/>
           <a:lstStyle/>
           <a:p>
+            <a:fld id="{02BC044B-C17F-492A-8FEE-55E1FB666255}" type="slidenum">
+              <a:rPr lang="en-US" smtClean="0"/>
+              <a:t>20</a:t>
+            </a:fld>
+            <a:endParaRPr lang="en-US"/>
+          </a:p>
+        </p:txBody>
+      </p:sp>
+      <p:sp>
+        <p:nvSpPr>
+          <p:cNvPr id="6" name="Rectangle 5">
+            <a:extLst>
+              <a:ext uri="{FF2B5EF4-FFF2-40B4-BE49-F238E27FC236}">
+                <a16:creationId xmlns:a16="http://schemas.microsoft.com/office/drawing/2014/main" id="{ECDBA827-8DC1-45FB-B097-BD3086B8A0A3}"/>
+              </a:ext>
+            </a:extLst>
+          </p:cNvPr>
+          <p:cNvSpPr/>
+          <p:nvPr/>
+        </p:nvSpPr>
+        <p:spPr>
+          <a:xfrm>
+            <a:off x="5783580" y="88126"/>
+            <a:ext cx="6408420" cy="276999"/>
+          </a:xfrm>
+          <a:prstGeom prst="rect">
+            <a:avLst/>
+          </a:prstGeom>
+        </p:spPr>
+        <p:txBody>
+          <a:bodyPr wrap="square">
+            <a:spAutoFit/>
+          </a:bodyPr>
+          <a:lstStyle/>
+          <a:p>
+            <a:pPr algn="r"/>
+            <a:r>
+              <a:rPr lang="en-US" sz="1200">
+                <a:solidFill>
+                  <a:schemeClr val="accent1"/>
+                </a:solidFill>
+                <a:latin typeface="Arial" panose="020B0604020202020204" pitchFamily="34" charset="0"/>
+              </a:rPr>
+              <a:t>https://nbviewer.jupyter.org/github/IBM/lale/blob/master/examples/talk_2020-0302-lale.ipynb</a:t>
+            </a:r>
+          </a:p>
+        </p:txBody>
+      </p:sp>
+    </p:spTree>
+    <p:extLst>
+      <p:ext uri="{BB962C8B-B14F-4D97-AF65-F5344CB8AC3E}">
+        <p14:creationId xmlns:p14="http://schemas.microsoft.com/office/powerpoint/2010/main" val="2734568814"/>
+      </p:ext>
+    </p:extLst>
+  </p:cSld>
+  <p:clrMapOvr>
+    <a:masterClrMapping/>
+  </p:clrMapOvr>
+</p:sld>
+</file>
+
+<file path=ppt/slides/slide21.xml><?xml version="1.0" encoding="utf-8"?>
+<p:sld xmlns:a="http://schemas.openxmlformats.org/drawingml/2006/main" xmlns:r="http://schemas.openxmlformats.org/officeDocument/2006/relationships" xmlns:p="http://schemas.openxmlformats.org/presentationml/2006/main">
+  <p:cSld>
+    <p:spTree>
+      <p:nvGrpSpPr>
+        <p:cNvPr id="1" name=""/>
+        <p:cNvGrpSpPr/>
+        <p:nvPr/>
+      </p:nvGrpSpPr>
+      <p:grpSpPr>
+        <a:xfrm>
+          <a:off x="0" y="0"/>
+          <a:ext cx="0" cy="0"/>
+          <a:chOff x="0" y="0"/>
+          <a:chExt cx="0" cy="0"/>
+        </a:xfrm>
+      </p:grpSpPr>
+      <p:sp>
+        <p:nvSpPr>
+          <p:cNvPr id="6" name="Slide Number Placeholder 5">
+            <a:extLst>
+              <a:ext uri="{FF2B5EF4-FFF2-40B4-BE49-F238E27FC236}">
+                <a16:creationId xmlns:a16="http://schemas.microsoft.com/office/drawing/2014/main" id="{720EF69A-03B0-4EA4-96EC-030203335F73}"/>
+              </a:ext>
+            </a:extLst>
+          </p:cNvPr>
+          <p:cNvSpPr>
+            <a:spLocks noGrp="1"/>
+          </p:cNvSpPr>
+          <p:nvPr>
+            <p:ph type="sldNum" sz="quarter" idx="12"/>
+          </p:nvPr>
+        </p:nvSpPr>
+        <p:spPr/>
+        <p:txBody>
+          <a:bodyPr/>
+          <a:lstStyle/>
+          <a:p>
             <a:fld id="{8661E4C1-2DDD-4868-BF45-6F174326DF77}" type="slidenum">
               <a:rPr lang="en-US" smtClean="0"/>
-              <a:t>20</a:t>
+              <a:t>21</a:t>
             </a:fld>
             <a:endParaRPr lang="en-US"/>
           </a:p>
@@ -14036,7 +14253,7 @@
 </p:sld>
 </file>
 
-<file path=ppt/slides/slide21.xml><?xml version="1.0" encoding="utf-8"?>
+<file path=ppt/slides/slide22.xml><?xml version="1.0" encoding="utf-8"?>
 <p:sld xmlns:a="http://schemas.openxmlformats.org/drawingml/2006/main" xmlns:r="http://schemas.openxmlformats.org/officeDocument/2006/relationships" xmlns:p="http://schemas.openxmlformats.org/presentationml/2006/main">
   <p:cSld>
     <p:spTree>
@@ -14107,7 +14324,7 @@
           <a:p>
             <a:fld id="{02BC044B-C17F-492A-8FEE-55E1FB666255}" type="slidenum">
               <a:rPr lang="en-US" smtClean="0"/>
-              <a:t>21</a:t>
+              <a:t>22</a:t>
             </a:fld>
             <a:endParaRPr lang="en-US"/>
           </a:p>
@@ -14187,166 +14404,6 @@
     <p:extLst>
       <p:ext uri="{BB962C8B-B14F-4D97-AF65-F5344CB8AC3E}">
         <p14:creationId xmlns:p14="http://schemas.microsoft.com/office/powerpoint/2010/main" val="634641694"/>
-      </p:ext>
-    </p:extLst>
-  </p:cSld>
-  <p:clrMapOvr>
-    <a:masterClrMapping/>
-  </p:clrMapOvr>
-</p:sld>
-</file>
-
-<file path=ppt/slides/slide22.xml><?xml version="1.0" encoding="utf-8"?>
-<p:sld xmlns:a="http://schemas.openxmlformats.org/drawingml/2006/main" xmlns:r="http://schemas.openxmlformats.org/officeDocument/2006/relationships" xmlns:p="http://schemas.openxmlformats.org/presentationml/2006/main">
-  <p:cSld>
-    <p:spTree>
-      <p:nvGrpSpPr>
-        <p:cNvPr id="1" name=""/>
-        <p:cNvGrpSpPr/>
-        <p:nvPr/>
-      </p:nvGrpSpPr>
-      <p:grpSpPr>
-        <a:xfrm>
-          <a:off x="0" y="0"/>
-          <a:ext cx="0" cy="0"/>
-          <a:chOff x="0" y="0"/>
-          <a:chExt cx="0" cy="0"/>
-        </a:xfrm>
-      </p:grpSpPr>
-      <p:sp>
-        <p:nvSpPr>
-          <p:cNvPr id="2" name="Title 1">
-            <a:extLst>
-              <a:ext uri="{FF2B5EF4-FFF2-40B4-BE49-F238E27FC236}">
-                <a16:creationId xmlns:a16="http://schemas.microsoft.com/office/drawing/2014/main" id="{68AFFF39-A92B-407A-9F35-469F4E043D52}"/>
-              </a:ext>
-            </a:extLst>
-          </p:cNvPr>
-          <p:cNvSpPr>
-            <a:spLocks noGrp="1"/>
-          </p:cNvSpPr>
-          <p:nvPr>
-            <p:ph type="title"/>
-          </p:nvPr>
-        </p:nvSpPr>
-        <p:spPr/>
-        <p:txBody>
-          <a:bodyPr/>
-          <a:lstStyle/>
-          <a:p>
-            <a:r>
-              <a:rPr lang="en-US" b="1">
-                <a:latin typeface="Arial" panose="020B0604020202020204" pitchFamily="34" charset="0"/>
-                <a:cs typeface="Arial" panose="020B0604020202020204" pitchFamily="34" charset="0"/>
-              </a:rPr>
-              <a:t>Higher-Order Operators (2/2)</a:t>
-            </a:r>
-          </a:p>
-        </p:txBody>
-      </p:sp>
-      <p:sp>
-        <p:nvSpPr>
-          <p:cNvPr id="4" name="Slide Number Placeholder 3">
-            <a:extLst>
-              <a:ext uri="{FF2B5EF4-FFF2-40B4-BE49-F238E27FC236}">
-                <a16:creationId xmlns:a16="http://schemas.microsoft.com/office/drawing/2014/main" id="{05EFA204-0551-402D-8845-DA951B4C9319}"/>
-              </a:ext>
-            </a:extLst>
-          </p:cNvPr>
-          <p:cNvSpPr>
-            <a:spLocks noGrp="1"/>
-          </p:cNvSpPr>
-          <p:nvPr>
-            <p:ph type="sldNum" sz="quarter" idx="12"/>
-          </p:nvPr>
-        </p:nvSpPr>
-        <p:spPr/>
-        <p:txBody>
-          <a:bodyPr/>
-          <a:lstStyle/>
-          <a:p>
-            <a:fld id="{02BC044B-C17F-492A-8FEE-55E1FB666255}" type="slidenum">
-              <a:rPr lang="en-US" smtClean="0"/>
-              <a:t>22</a:t>
-            </a:fld>
-            <a:endParaRPr lang="en-US"/>
-          </a:p>
-        </p:txBody>
-      </p:sp>
-      <p:pic>
-        <p:nvPicPr>
-          <p:cNvPr id="3" name="Picture 2">
-            <a:extLst>
-              <a:ext uri="{FF2B5EF4-FFF2-40B4-BE49-F238E27FC236}">
-                <a16:creationId xmlns:a16="http://schemas.microsoft.com/office/drawing/2014/main" id="{0F9EEB8C-895B-46B3-861A-873CA1D03138}"/>
-              </a:ext>
-            </a:extLst>
-          </p:cNvPr>
-          <p:cNvPicPr>
-            <a:picLocks noChangeAspect="1"/>
-          </p:cNvPicPr>
-          <p:nvPr/>
-        </p:nvPicPr>
-        <p:blipFill>
-          <a:blip r:embed="rId2"/>
-          <a:stretch>
-            <a:fillRect/>
-          </a:stretch>
-        </p:blipFill>
-        <p:spPr>
-          <a:xfrm>
-            <a:off x="838200" y="1409700"/>
-            <a:ext cx="9548634" cy="4076700"/>
-          </a:xfrm>
-          <a:prstGeom prst="rect">
-            <a:avLst/>
-          </a:prstGeom>
-        </p:spPr>
-      </p:pic>
-      <p:sp>
-        <p:nvSpPr>
-          <p:cNvPr id="6" name="Rectangle 5">
-            <a:extLst>
-              <a:ext uri="{FF2B5EF4-FFF2-40B4-BE49-F238E27FC236}">
-                <a16:creationId xmlns:a16="http://schemas.microsoft.com/office/drawing/2014/main" id="{B512247F-D7CA-4941-B16B-1A5C0F070F85}"/>
-              </a:ext>
-            </a:extLst>
-          </p:cNvPr>
-          <p:cNvSpPr/>
-          <p:nvPr/>
-        </p:nvSpPr>
-        <p:spPr>
-          <a:xfrm>
-            <a:off x="4870764" y="88126"/>
-            <a:ext cx="7321236" cy="276999"/>
-          </a:xfrm>
-          <a:prstGeom prst="rect">
-            <a:avLst/>
-          </a:prstGeom>
-        </p:spPr>
-        <p:txBody>
-          <a:bodyPr wrap="square">
-            <a:spAutoFit/>
-          </a:bodyPr>
-          <a:lstStyle/>
-          <a:p>
-            <a:pPr algn="r"/>
-            <a:r>
-              <a:rPr lang="en-US" sz="1200">
-                <a:solidFill>
-                  <a:schemeClr val="accent1"/>
-                </a:solidFill>
-                <a:latin typeface="Arial" panose="020B0604020202020204" pitchFamily="34" charset="0"/>
-              </a:rPr>
-              <a:t>https://nbviewer.jupyter.org/github/IBM/lale/blob/master/examples/demo_top_k_voting_classifier.ipynb</a:t>
-            </a:r>
-          </a:p>
-        </p:txBody>
-      </p:sp>
-    </p:spTree>
-    <p:extLst>
-      <p:ext uri="{BB962C8B-B14F-4D97-AF65-F5344CB8AC3E}">
-        <p14:creationId xmlns:p14="http://schemas.microsoft.com/office/powerpoint/2010/main" val="1956818347"/>
       </p:ext>
     </p:extLst>
   </p:cSld>
@@ -14399,106 +14456,7 @@
                 <a:latin typeface="Arial" panose="020B0604020202020204" pitchFamily="34" charset="0"/>
                 <a:cs typeface="Arial" panose="020B0604020202020204" pitchFamily="34" charset="0"/>
               </a:rPr>
-              <a:t>Type-Driven Automated Learning</a:t>
-            </a:r>
-          </a:p>
-        </p:txBody>
-      </p:sp>
-      <p:sp>
-        <p:nvSpPr>
-          <p:cNvPr id="3" name="Content Placeholder 2">
-            <a:extLst>
-              <a:ext uri="{FF2B5EF4-FFF2-40B4-BE49-F238E27FC236}">
-                <a16:creationId xmlns:a16="http://schemas.microsoft.com/office/drawing/2014/main" id="{F3F8F110-F6B9-4B25-8AA5-21562BDEFEBC}"/>
-              </a:ext>
-            </a:extLst>
-          </p:cNvPr>
-          <p:cNvSpPr>
-            <a:spLocks noGrp="1"/>
-          </p:cNvSpPr>
-          <p:nvPr>
-            <p:ph idx="1"/>
-          </p:nvPr>
-        </p:nvSpPr>
-        <p:spPr/>
-        <p:txBody>
-          <a:bodyPr/>
-          <a:lstStyle/>
-          <a:p>
-            <a:r>
-              <a:rPr lang="en-US">
-                <a:latin typeface="Arial" panose="020B0604020202020204" pitchFamily="34" charset="0"/>
-              </a:rPr>
-              <a:t>Types as search spaces</a:t>
-            </a:r>
-          </a:p>
-          <a:p>
-            <a:pPr lvl="1"/>
-            <a:r>
-              <a:rPr lang="en-US">
-                <a:latin typeface="Arial" panose="020B0604020202020204" pitchFamily="34" charset="0"/>
-              </a:rPr>
-              <a:t>E.g., continuous hyperparameter range</a:t>
-            </a:r>
-          </a:p>
-          <a:p>
-            <a:pPr lvl="1"/>
-            <a:r>
-              <a:rPr lang="en-US">
-                <a:latin typeface="Arial" panose="020B0604020202020204" pitchFamily="34" charset="0"/>
-              </a:rPr>
-              <a:t>E.g., categorical hyperparameter enum</a:t>
-            </a:r>
-          </a:p>
-          <a:p>
-            <a:r>
-              <a:rPr lang="en-US">
-                <a:latin typeface="Arial" panose="020B0604020202020204" pitchFamily="34" charset="0"/>
-              </a:rPr>
-              <a:t>Types as documentation</a:t>
-            </a:r>
-          </a:p>
-          <a:p>
-            <a:pPr lvl="1"/>
-            <a:r>
-              <a:rPr lang="en-US">
-                <a:latin typeface="Arial" panose="020B0604020202020204" pitchFamily="34" charset="0"/>
-              </a:rPr>
-              <a:t>E.g., lale.readthedocs.io/en/latest/modules/lale.lib.sklearn.pca.html</a:t>
-            </a:r>
-          </a:p>
-          <a:p>
-            <a:r>
-              <a:rPr lang="en-US">
-                <a:latin typeface="Arial" panose="020B0604020202020204" pitchFamily="34" charset="0"/>
-              </a:rPr>
-              <a:t>Types for feature engineering</a:t>
-            </a:r>
-          </a:p>
-          <a:p>
-            <a:pPr lvl="1"/>
-            <a:r>
-              <a:rPr lang="en-US">
-                <a:latin typeface="Arial" panose="020B0604020202020204" pitchFamily="34" charset="0"/>
-              </a:rPr>
-              <a:t>E.g., Project(columns={'type': 'string’})</a:t>
-            </a:r>
-          </a:p>
-          <a:p>
-            <a:r>
-              <a:rPr lang="en-US">
-                <a:latin typeface="Arial" panose="020B0604020202020204" pitchFamily="34" charset="0"/>
-              </a:rPr>
-              <a:t>Types for error checking</a:t>
-            </a:r>
-          </a:p>
-          <a:p>
-            <a:pPr lvl="1"/>
-            <a:r>
-              <a:rPr lang="en-US">
-                <a:latin typeface="Arial" panose="020B0604020202020204" pitchFamily="34" charset="0"/>
-              </a:rPr>
-              <a:t>E.g., datasets, hyperparameters, constraints</a:t>
+              <a:t>Higher-Order Operators (2/2)</a:t>
             </a:r>
           </a:p>
         </p:txBody>
@@ -14532,10 +14490,80 @@
           </a:p>
         </p:txBody>
       </p:sp>
+      <p:pic>
+        <p:nvPicPr>
+          <p:cNvPr id="3" name="Picture 2">
+            <a:extLst>
+              <a:ext uri="{FF2B5EF4-FFF2-40B4-BE49-F238E27FC236}">
+                <a16:creationId xmlns:a16="http://schemas.microsoft.com/office/drawing/2014/main" id="{0F9EEB8C-895B-46B3-861A-873CA1D03138}"/>
+              </a:ext>
+            </a:extLst>
+          </p:cNvPr>
+          <p:cNvPicPr>
+            <a:picLocks noChangeAspect="1"/>
+          </p:cNvPicPr>
+          <p:nvPr/>
+        </p:nvPicPr>
+        <p:blipFill>
+          <a:blip r:embed="rId2"/>
+          <a:stretch>
+            <a:fillRect/>
+          </a:stretch>
+        </p:blipFill>
+        <p:spPr>
+          <a:xfrm>
+            <a:off x="838200" y="1409700"/>
+            <a:ext cx="9548634" cy="4076700"/>
+          </a:xfrm>
+          <a:prstGeom prst="rect">
+            <a:avLst/>
+          </a:prstGeom>
+        </p:spPr>
+      </p:pic>
+      <p:sp>
+        <p:nvSpPr>
+          <p:cNvPr id="6" name="Rectangle 5">
+            <a:extLst>
+              <a:ext uri="{FF2B5EF4-FFF2-40B4-BE49-F238E27FC236}">
+                <a16:creationId xmlns:a16="http://schemas.microsoft.com/office/drawing/2014/main" id="{B512247F-D7CA-4941-B16B-1A5C0F070F85}"/>
+              </a:ext>
+            </a:extLst>
+          </p:cNvPr>
+          <p:cNvSpPr/>
+          <p:nvPr/>
+        </p:nvSpPr>
+        <p:spPr>
+          <a:xfrm>
+            <a:off x="4870764" y="88126"/>
+            <a:ext cx="7321236" cy="276999"/>
+          </a:xfrm>
+          <a:prstGeom prst="rect">
+            <a:avLst/>
+          </a:prstGeom>
+        </p:spPr>
+        <p:txBody>
+          <a:bodyPr wrap="square">
+            <a:spAutoFit/>
+          </a:bodyPr>
+          <a:lstStyle/>
+          <a:p>
+            <a:pPr algn="r"/>
+            <a:r>
+              <a:rPr lang="en-US" sz="1200">
+                <a:solidFill>
+                  <a:schemeClr val="accent1"/>
+                </a:solidFill>
+                <a:latin typeface="Arial" panose="020B0604020202020204" pitchFamily="34" charset="0"/>
+              </a:rPr>
+              <a:t>https://nbviewer.jupyter.org/github/IBM/lale/blob/master/examples/demo_top_k_voting_classifier.ipynb</a:t>
+            </a:r>
+          </a:p>
+        </p:txBody>
+      </p:sp>
     </p:spTree>
     <p:extLst>
       <p:ext uri="{BB962C8B-B14F-4D97-AF65-F5344CB8AC3E}">
-        <p14:creationId xmlns:p14="http://schemas.microsoft.com/office/powerpoint/2010/main" val="3573476566"/>
+        <p14:creationId xmlns:p14="http://schemas.microsoft.com/office/powerpoint/2010/main" val="1956818347"/>
       </p:ext>
     </p:extLst>
   </p:cSld>
@@ -14567,7 +14595,7 @@
           <p:cNvPr id="2" name="Title 1">
             <a:extLst>
               <a:ext uri="{FF2B5EF4-FFF2-40B4-BE49-F238E27FC236}">
-                <a16:creationId xmlns:a16="http://schemas.microsoft.com/office/drawing/2014/main" id="{68AFFF39-A92B-407A-9F35-469F4E043D52}"/>
+                <a16:creationId xmlns:a16="http://schemas.microsoft.com/office/drawing/2014/main" id="{BFFB920C-E20D-4C0B-9446-810DF2744E30}"/>
               </a:ext>
             </a:extLst>
           </p:cNvPr>
@@ -14586,9 +14614,8 @@
             <a:r>
               <a:rPr lang="en-US" b="1">
                 <a:latin typeface="Arial" panose="020B0604020202020204" pitchFamily="34" charset="0"/>
-                <a:cs typeface="Arial" panose="020B0604020202020204" pitchFamily="34" charset="0"/>
               </a:rPr>
-              <a:t>Conclusion</a:t>
+              <a:t>Adding New Operators</a:t>
             </a:r>
           </a:p>
         </p:txBody>
@@ -14598,7 +14625,7 @@
           <p:cNvPr id="3" name="Content Placeholder 2">
             <a:extLst>
               <a:ext uri="{FF2B5EF4-FFF2-40B4-BE49-F238E27FC236}">
-                <a16:creationId xmlns:a16="http://schemas.microsoft.com/office/drawing/2014/main" id="{F3F8F110-F6B9-4B25-8AA5-21562BDEFEBC}"/>
+                <a16:creationId xmlns:a16="http://schemas.microsoft.com/office/drawing/2014/main" id="{6ACD0758-A970-49BA-9390-2CAD48DA5604}"/>
               </a:ext>
             </a:extLst>
           </p:cNvPr>
@@ -14609,71 +14636,135 @@
             <p:ph idx="1"/>
           </p:nvPr>
         </p:nvSpPr>
-        <p:spPr/>
-        <p:txBody>
-          <a:bodyPr/>
+        <p:spPr>
+          <a:xfrm>
+            <a:off x="838199" y="1825624"/>
+            <a:ext cx="10854791" cy="2301313"/>
+          </a:xfrm>
+        </p:spPr>
+        <p:txBody>
+          <a:bodyPr>
+            <a:normAutofit lnSpcReduction="10000"/>
+          </a:bodyPr>
           <a:lstStyle/>
           <a:p>
+            <a:r>
+              <a:rPr lang="en-US" sz="2000">
+                <a:solidFill>
+                  <a:schemeClr val="accent1"/>
+                </a:solidFill>
+                <a:latin typeface="Arial" panose="020B0604020202020204" pitchFamily="34" charset="0"/>
+              </a:rPr>
+              <a:t>https://nbviewer.jupyter.org/github/IBM/lale/blob/master/examples/docs_new_operators.ipynb</a:t>
+            </a:r>
+          </a:p>
+          <a:p>
+            <a:pPr marL="914400" lvl="1" indent="-457200">
+              <a:buFont typeface="+mj-lt"/>
+              <a:buAutoNum type="arabicPeriod"/>
+            </a:pPr>
             <a:r>
               <a:rPr lang="en-US">
                 <a:latin typeface="Arial" panose="020B0604020202020204" pitchFamily="34" charset="0"/>
               </a:rPr>
-              <a:t>Library for semi-automated data science</a:t>
-            </a:r>
-          </a:p>
-          <a:p>
-            <a:pPr lvl="1"/>
+              <a:t>Write class with </a:t>
+            </a:r>
+            <a:r>
+              <a:rPr lang="en-US">
+                <a:latin typeface="Courier New" panose="02070309020205020404" pitchFamily="49" charset="0"/>
+                <a:cs typeface="Courier New" panose="02070309020205020404" pitchFamily="49" charset="0"/>
+              </a:rPr>
+              <a:t>__init__</a:t>
+            </a:r>
             <a:r>
               <a:rPr lang="en-US">
                 <a:latin typeface="Arial" panose="020B0604020202020204" pitchFamily="34" charset="0"/>
               </a:rPr>
-              <a:t>https://github.com/ibm/lale</a:t>
-            </a:r>
-          </a:p>
-          <a:p>
+              <a:t>, </a:t>
+            </a:r>
+            <a:r>
+              <a:rPr lang="en-US">
+                <a:latin typeface="Courier New" panose="02070309020205020404" pitchFamily="49" charset="0"/>
+                <a:cs typeface="Courier New" panose="02070309020205020404" pitchFamily="49" charset="0"/>
+              </a:rPr>
+              <a:t>fit</a:t>
+            </a:r>
             <a:r>
               <a:rPr lang="en-US">
                 <a:latin typeface="Arial" panose="020B0604020202020204" pitchFamily="34" charset="0"/>
               </a:rPr>
-              <a:t>Suggested actions:</a:t>
-            </a:r>
-          </a:p>
-          <a:p>
-            <a:pPr lvl="1"/>
+              <a:t>, and </a:t>
+            </a:r>
+            <a:r>
+              <a:rPr lang="en-US">
+                <a:latin typeface="Courier New" panose="02070309020205020404" pitchFamily="49" charset="0"/>
+                <a:cs typeface="Courier New" panose="02070309020205020404" pitchFamily="49" charset="0"/>
+              </a:rPr>
+              <a:t>predict</a:t>
+            </a:r>
             <a:r>
               <a:rPr lang="en-US">
                 <a:latin typeface="Arial" panose="020B0604020202020204" pitchFamily="34" charset="0"/>
               </a:rPr>
-              <a:t>Try it out and send us feedback</a:t>
-            </a:r>
-          </a:p>
-          <a:p>
-            <a:pPr lvl="1"/>
+              <a:t> or </a:t>
+            </a:r>
+            <a:r>
+              <a:rPr lang="en-US">
+                <a:latin typeface="Courier New" panose="02070309020205020404" pitchFamily="49" charset="0"/>
+                <a:cs typeface="Courier New" panose="02070309020205020404" pitchFamily="49" charset="0"/>
+              </a:rPr>
+              <a:t>transform</a:t>
+            </a:r>
+          </a:p>
+          <a:p>
+            <a:pPr marL="914400" lvl="1" indent="-457200">
+              <a:buFont typeface="+mj-lt"/>
+              <a:buAutoNum type="arabicPeriod"/>
+            </a:pPr>
             <a:r>
               <a:rPr lang="en-US">
                 <a:latin typeface="Arial" panose="020B0604020202020204" pitchFamily="34" charset="0"/>
               </a:rPr>
-              <a:t>Contribute new individual operators:</a:t>
-            </a:r>
-            <a:br>
+              <a:t>Write JSON schemas for hyperparameters and datasets</a:t>
+            </a:r>
+          </a:p>
+          <a:p>
+            <a:pPr marL="914400" lvl="1" indent="-457200">
+              <a:buFont typeface="+mj-lt"/>
+              <a:buAutoNum type="arabicPeriod"/>
+            </a:pPr>
+            <a:r>
               <a:rPr lang="en-US">
                 <a:latin typeface="Arial" panose="020B0604020202020204" pitchFamily="34" charset="0"/>
               </a:rPr>
-            </a:br>
-            <a:r>
-              <a:rPr lang="en-US" sz="1800">
-                <a:latin typeface="Arial" panose="020B0604020202020204" pitchFamily="34" charset="0"/>
+              <a:t>Call </a:t>
+            </a:r>
+            <a:r>
+              <a:rPr lang="en-US">
+                <a:latin typeface="Courier New" panose="02070309020205020404" pitchFamily="49" charset="0"/>
+                <a:cs typeface="Courier New" panose="02070309020205020404" pitchFamily="49" charset="0"/>
               </a:rPr>
-              <a:t>https://nbviewer.jupyter.org/github/IBM/lale/blob/master/examples/docs_new_operators.ipynb</a:t>
-            </a:r>
-          </a:p>
-          <a:p>
-            <a:pPr lvl="1"/>
+              <a:t>lale.operators.make_operator</a:t>
+            </a:r>
+          </a:p>
+          <a:p>
+            <a:pPr marL="914400" lvl="1" indent="-457200">
+              <a:buFont typeface="+mj-lt"/>
+              <a:buAutoNum type="arabicPeriod"/>
+            </a:pPr>
             <a:r>
               <a:rPr lang="en-US">
                 <a:latin typeface="Arial" panose="020B0604020202020204" pitchFamily="34" charset="0"/>
               </a:rPr>
-              <a:t>Do original research (AutoML optimizers, AI fairness, fast AutoML, …)</a:t>
+              <a:t>Write tests for your new operator</a:t>
+            </a:r>
+          </a:p>
+          <a:p>
+            <a:r>
+              <a:rPr lang="en-US">
+                <a:latin typeface="Arial" panose="020B0604020202020204" pitchFamily="34" charset="0"/>
+              </a:rPr>
+              <a:t>Currently supported operators</a:t>
             </a:r>
           </a:p>
         </p:txBody>
@@ -14683,7 +14774,7 @@
           <p:cNvPr id="4" name="Slide Number Placeholder 3">
             <a:extLst>
               <a:ext uri="{FF2B5EF4-FFF2-40B4-BE49-F238E27FC236}">
-                <a16:creationId xmlns:a16="http://schemas.microsoft.com/office/drawing/2014/main" id="{05EFA204-0551-402D-8845-DA951B4C9319}"/>
+                <a16:creationId xmlns:a16="http://schemas.microsoft.com/office/drawing/2014/main" id="{A4EDD15E-9462-4847-AE67-6AA3B2A2EEA5}"/>
               </a:ext>
             </a:extLst>
           </p:cNvPr>
@@ -14700,8 +14791,743 @@
           <a:lstStyle/>
           <a:p>
             <a:fld id="{02BC044B-C17F-492A-8FEE-55E1FB666255}" type="slidenum">
+              <a:rPr lang="en-US" smtClean="0">
+                <a:latin typeface="Arial" panose="020B0604020202020204" pitchFamily="34" charset="0"/>
+              </a:rPr>
+              <a:t>24</a:t>
+            </a:fld>
+            <a:endParaRPr lang="en-US">
+              <a:latin typeface="Arial" panose="020B0604020202020204" pitchFamily="34" charset="0"/>
+            </a:endParaRPr>
+          </a:p>
+        </p:txBody>
+      </p:sp>
+      <p:graphicFrame>
+        <p:nvGraphicFramePr>
+          <p:cNvPr id="5" name="Table 5">
+            <a:extLst>
+              <a:ext uri="{FF2B5EF4-FFF2-40B4-BE49-F238E27FC236}">
+                <a16:creationId xmlns:a16="http://schemas.microsoft.com/office/drawing/2014/main" id="{69BF5E7D-0D25-4C99-8A9E-FDDB890FA812}"/>
+              </a:ext>
+            </a:extLst>
+          </p:cNvPr>
+          <p:cNvGraphicFramePr>
+            <a:graphicFrameLocks noGrp="1"/>
+          </p:cNvGraphicFramePr>
+          <p:nvPr>
+            <p:extLst>
+              <p:ext uri="{D42A27DB-BD31-4B8C-83A1-F6EECF244321}">
+                <p14:modId xmlns:p14="http://schemas.microsoft.com/office/powerpoint/2010/main" val="410699355"/>
+              </p:ext>
+            </p:extLst>
+          </p:nvPr>
+        </p:nvGraphicFramePr>
+        <p:xfrm>
+          <a:off x="1158060" y="4126937"/>
+          <a:ext cx="8127999" cy="2225040"/>
+        </p:xfrm>
+        <a:graphic>
+          <a:graphicData uri="http://schemas.openxmlformats.org/drawingml/2006/table">
+            <a:tbl>
+              <a:tblPr firstRow="1" bandRow="1">
+                <a:tableStyleId>{5C22544A-7EE6-4342-B048-85BDC9FD1C3A}</a:tableStyleId>
+              </a:tblPr>
+              <a:tblGrid>
+                <a:gridCol w="1771257">
+                  <a:extLst>
+                    <a:ext uri="{9D8B030D-6E8A-4147-A177-3AD203B41FA5}">
+                      <a16:colId xmlns:a16="http://schemas.microsoft.com/office/drawing/2014/main" val="874796525"/>
+                    </a:ext>
+                  </a:extLst>
+                </a:gridCol>
+                <a:gridCol w="873940">
+                  <a:extLst>
+                    <a:ext uri="{9D8B030D-6E8A-4147-A177-3AD203B41FA5}">
+                      <a16:colId xmlns:a16="http://schemas.microsoft.com/office/drawing/2014/main" val="793391415"/>
+                    </a:ext>
+                  </a:extLst>
+                </a:gridCol>
+                <a:gridCol w="5482802">
+                  <a:extLst>
+                    <a:ext uri="{9D8B030D-6E8A-4147-A177-3AD203B41FA5}">
+                      <a16:colId xmlns:a16="http://schemas.microsoft.com/office/drawing/2014/main" val="4134958235"/>
+                    </a:ext>
+                  </a:extLst>
+                </a:gridCol>
+              </a:tblGrid>
+              <a:tr h="370840">
+                <a:tc>
+                  <a:txBody>
+                    <a:bodyPr/>
+                    <a:lstStyle/>
+                    <a:p>
+                      <a:r>
+                        <a:rPr lang="en-US" baseline="0">
+                          <a:latin typeface="Arial" panose="020B0604020202020204" pitchFamily="34" charset="0"/>
+                        </a:rPr>
+                        <a:t>Package</a:t>
+                      </a:r>
+                    </a:p>
+                  </a:txBody>
+                  <a:tcPr/>
+                </a:tc>
+                <a:tc>
+                  <a:txBody>
+                    <a:bodyPr/>
+                    <a:lstStyle/>
+                    <a:p>
+                      <a:pPr algn="r"/>
+                      <a:r>
+                        <a:rPr lang="en-US" baseline="0">
+                          <a:latin typeface="Arial" panose="020B0604020202020204" pitchFamily="34" charset="0"/>
+                        </a:rPr>
+                        <a:t>Count</a:t>
+                      </a:r>
+                    </a:p>
+                  </a:txBody>
+                  <a:tcPr/>
+                </a:tc>
+                <a:tc>
+                  <a:txBody>
+                    <a:bodyPr/>
+                    <a:lstStyle/>
+                    <a:p>
+                      <a:r>
+                        <a:rPr lang="en-US" baseline="0">
+                          <a:latin typeface="Arial" panose="020B0604020202020204" pitchFamily="34" charset="0"/>
+                        </a:rPr>
+                        <a:t>Description</a:t>
+                      </a:r>
+                    </a:p>
+                  </a:txBody>
+                  <a:tcPr/>
+                </a:tc>
+                <a:extLst>
+                  <a:ext uri="{0D108BD9-81ED-4DB2-BD59-A6C34878D82A}">
+                    <a16:rowId xmlns:a16="http://schemas.microsoft.com/office/drawing/2014/main" val="1900925877"/>
+                  </a:ext>
+                </a:extLst>
+              </a:tr>
+              <a:tr h="370840">
+                <a:tc>
+                  <a:txBody>
+                    <a:bodyPr/>
+                    <a:lstStyle/>
+                    <a:p>
+                      <a:r>
+                        <a:rPr lang="en-US" baseline="0">
+                          <a:latin typeface="Arial" panose="020B0604020202020204" pitchFamily="34" charset="0"/>
+                        </a:rPr>
+                        <a:t>lale.lib.sklearn</a:t>
+                      </a:r>
+                    </a:p>
+                  </a:txBody>
+                  <a:tcPr/>
+                </a:tc>
+                <a:tc>
+                  <a:txBody>
+                    <a:bodyPr/>
+                    <a:lstStyle/>
+                    <a:p>
+                      <a:pPr algn="r"/>
+                      <a:r>
+                        <a:rPr lang="en-US" baseline="0">
+                          <a:latin typeface="Arial" panose="020B0604020202020204" pitchFamily="34" charset="0"/>
+                        </a:rPr>
+                        <a:t>45</a:t>
+                      </a:r>
+                    </a:p>
+                  </a:txBody>
+                  <a:tcPr/>
+                </a:tc>
+                <a:tc>
+                  <a:txBody>
+                    <a:bodyPr/>
+                    <a:lstStyle/>
+                    <a:p>
+                      <a:r>
+                        <a:rPr lang="en-US" baseline="0">
+                          <a:latin typeface="Arial" panose="020B0604020202020204" pitchFamily="34" charset="0"/>
+                        </a:rPr>
+                        <a:t>Hand-curated scikit-learn operators</a:t>
+                      </a:r>
+                    </a:p>
+                  </a:txBody>
+                  <a:tcPr/>
+                </a:tc>
+                <a:extLst>
+                  <a:ext uri="{0D108BD9-81ED-4DB2-BD59-A6C34878D82A}">
+                    <a16:rowId xmlns:a16="http://schemas.microsoft.com/office/drawing/2014/main" val="1176617617"/>
+                  </a:ext>
+                </a:extLst>
+              </a:tr>
+              <a:tr h="370840">
+                <a:tc>
+                  <a:txBody>
+                    <a:bodyPr/>
+                    <a:lstStyle/>
+                    <a:p>
+                      <a:r>
+                        <a:rPr lang="en-US" baseline="0">
+                          <a:latin typeface="Arial" panose="020B0604020202020204" pitchFamily="34" charset="0"/>
+                        </a:rPr>
+                        <a:t>lale.lib.autogen</a:t>
+                      </a:r>
+                    </a:p>
+                  </a:txBody>
+                  <a:tcPr/>
+                </a:tc>
+                <a:tc>
+                  <a:txBody>
+                    <a:bodyPr/>
+                    <a:lstStyle/>
+                    <a:p>
+                      <a:pPr algn="r"/>
+                      <a:r>
+                        <a:rPr lang="en-US" baseline="0">
+                          <a:latin typeface="Arial" panose="020B0604020202020204" pitchFamily="34" charset="0"/>
+                        </a:rPr>
+                        <a:t>115</a:t>
+                      </a:r>
+                    </a:p>
+                  </a:txBody>
+                  <a:tcPr/>
+                </a:tc>
+                <a:tc>
+                  <a:txBody>
+                    <a:bodyPr/>
+                    <a:lstStyle/>
+                    <a:p>
+                      <a:r>
+                        <a:rPr lang="en-US" baseline="0">
+                          <a:latin typeface="Arial" panose="020B0604020202020204" pitchFamily="34" charset="0"/>
+                        </a:rPr>
+                        <a:t>Auto-extracted scikit-learn operators</a:t>
+                      </a:r>
+                    </a:p>
+                  </a:txBody>
+                  <a:tcPr/>
+                </a:tc>
+                <a:extLst>
+                  <a:ext uri="{0D108BD9-81ED-4DB2-BD59-A6C34878D82A}">
+                    <a16:rowId xmlns:a16="http://schemas.microsoft.com/office/drawing/2014/main" val="747759558"/>
+                  </a:ext>
+                </a:extLst>
+              </a:tr>
+              <a:tr h="370840">
+                <a:tc>
+                  <a:txBody>
+                    <a:bodyPr/>
+                    <a:lstStyle/>
+                    <a:p>
+                      <a:r>
+                        <a:rPr lang="en-US" baseline="0">
+                          <a:latin typeface="Arial" panose="020B0604020202020204" pitchFamily="34" charset="0"/>
+                        </a:rPr>
+                        <a:t>lale.lib.xgboost</a:t>
+                      </a:r>
+                    </a:p>
+                  </a:txBody>
+                  <a:tcPr/>
+                </a:tc>
+                <a:tc>
+                  <a:txBody>
+                    <a:bodyPr/>
+                    <a:lstStyle/>
+                    <a:p>
+                      <a:pPr algn="r"/>
+                      <a:r>
+                        <a:rPr lang="en-US" baseline="0">
+                          <a:latin typeface="Arial" panose="020B0604020202020204" pitchFamily="34" charset="0"/>
+                        </a:rPr>
+                        <a:t>2</a:t>
+                      </a:r>
+                    </a:p>
+                  </a:txBody>
+                  <a:tcPr/>
+                </a:tc>
+                <a:tc>
+                  <a:txBody>
+                    <a:bodyPr/>
+                    <a:lstStyle/>
+                    <a:p>
+                      <a:r>
+                        <a:rPr lang="en-US" baseline="0">
+                          <a:latin typeface="Arial" panose="020B0604020202020204" pitchFamily="34" charset="0"/>
+                        </a:rPr>
+                        <a:t>Gradient-boosted random forests</a:t>
+                      </a:r>
+                    </a:p>
+                  </a:txBody>
+                  <a:tcPr/>
+                </a:tc>
+                <a:extLst>
+                  <a:ext uri="{0D108BD9-81ED-4DB2-BD59-A6C34878D82A}">
+                    <a16:rowId xmlns:a16="http://schemas.microsoft.com/office/drawing/2014/main" val="3792409976"/>
+                  </a:ext>
+                </a:extLst>
+              </a:tr>
+              <a:tr h="370840">
+                <a:tc>
+                  <a:txBody>
+                    <a:bodyPr/>
+                    <a:lstStyle/>
+                    <a:p>
+                      <a:r>
+                        <a:rPr lang="en-US" baseline="0">
+                          <a:latin typeface="Arial" panose="020B0604020202020204" pitchFamily="34" charset="0"/>
+                        </a:rPr>
+                        <a:t>lale.lib.aif360</a:t>
+                      </a:r>
+                    </a:p>
+                  </a:txBody>
+                  <a:tcPr/>
+                </a:tc>
+                <a:tc>
+                  <a:txBody>
+                    <a:bodyPr/>
+                    <a:lstStyle/>
+                    <a:p>
+                      <a:pPr algn="r"/>
+                      <a:r>
+                        <a:rPr lang="en-US" baseline="0">
+                          <a:latin typeface="Arial" panose="020B0604020202020204" pitchFamily="34" charset="0"/>
+                        </a:rPr>
+                        <a:t>1</a:t>
+                      </a:r>
+                    </a:p>
+                  </a:txBody>
+                  <a:tcPr/>
+                </a:tc>
+                <a:tc>
+                  <a:txBody>
+                    <a:bodyPr/>
+                    <a:lstStyle/>
+                    <a:p>
+                      <a:r>
+                        <a:rPr lang="en-US" baseline="0">
+                          <a:latin typeface="Arial" panose="020B0604020202020204" pitchFamily="34" charset="0"/>
+                        </a:rPr>
+                        <a:t>Fairness mitigator (incomplete)</a:t>
+                      </a:r>
+                    </a:p>
+                  </a:txBody>
+                  <a:tcPr/>
+                </a:tc>
+                <a:extLst>
+                  <a:ext uri="{0D108BD9-81ED-4DB2-BD59-A6C34878D82A}">
+                    <a16:rowId xmlns:a16="http://schemas.microsoft.com/office/drawing/2014/main" val="515275581"/>
+                  </a:ext>
+                </a:extLst>
+              </a:tr>
+              <a:tr h="370840">
+                <a:tc>
+                  <a:txBody>
+                    <a:bodyPr/>
+                    <a:lstStyle/>
+                    <a:p>
+                      <a:r>
+                        <a:rPr lang="en-US" baseline="0">
+                          <a:latin typeface="Arial" panose="020B0604020202020204" pitchFamily="34" charset="0"/>
+                        </a:rPr>
+                        <a:t>… other lale.lib</a:t>
+                      </a:r>
+                    </a:p>
+                  </a:txBody>
+                  <a:tcPr/>
+                </a:tc>
+                <a:tc>
+                  <a:txBody>
+                    <a:bodyPr/>
+                    <a:lstStyle/>
+                    <a:p>
+                      <a:pPr algn="r"/>
+                      <a:r>
+                        <a:rPr lang="en-US" baseline="0">
+                          <a:latin typeface="Arial" panose="020B0604020202020204" pitchFamily="34" charset="0"/>
+                        </a:rPr>
+                        <a:t>25</a:t>
+                      </a:r>
+                    </a:p>
+                  </a:txBody>
+                  <a:tcPr/>
+                </a:tc>
+                <a:tc>
+                  <a:txBody>
+                    <a:bodyPr/>
+                    <a:lstStyle/>
+                    <a:p>
+                      <a:r>
+                        <a:rPr lang="en-US" baseline="0">
+                          <a:latin typeface="Arial" panose="020B0604020202020204" pitchFamily="34" charset="0"/>
+                        </a:rPr>
+                        <a:t>… other packages</a:t>
+                      </a:r>
+                    </a:p>
+                  </a:txBody>
+                  <a:tcPr/>
+                </a:tc>
+                <a:extLst>
+                  <a:ext uri="{0D108BD9-81ED-4DB2-BD59-A6C34878D82A}">
+                    <a16:rowId xmlns:a16="http://schemas.microsoft.com/office/drawing/2014/main" val="1982253834"/>
+                  </a:ext>
+                </a:extLst>
+              </a:tr>
+            </a:tbl>
+          </a:graphicData>
+        </a:graphic>
+      </p:graphicFrame>
+    </p:spTree>
+    <p:extLst>
+      <p:ext uri="{BB962C8B-B14F-4D97-AF65-F5344CB8AC3E}">
+        <p14:creationId xmlns:p14="http://schemas.microsoft.com/office/powerpoint/2010/main" val="1932908259"/>
+      </p:ext>
+    </p:extLst>
+  </p:cSld>
+  <p:clrMapOvr>
+    <a:masterClrMapping/>
+  </p:clrMapOvr>
+</p:sld>
+</file>
+
+<file path=ppt/slides/slide25.xml><?xml version="1.0" encoding="utf-8"?>
+<p:sld xmlns:a="http://schemas.openxmlformats.org/drawingml/2006/main" xmlns:r="http://schemas.openxmlformats.org/officeDocument/2006/relationships" xmlns:p="http://schemas.openxmlformats.org/presentationml/2006/main">
+  <p:cSld>
+    <p:spTree>
+      <p:nvGrpSpPr>
+        <p:cNvPr id="1" name=""/>
+        <p:cNvGrpSpPr/>
+        <p:nvPr/>
+      </p:nvGrpSpPr>
+      <p:grpSpPr>
+        <a:xfrm>
+          <a:off x="0" y="0"/>
+          <a:ext cx="0" cy="0"/>
+          <a:chOff x="0" y="0"/>
+          <a:chExt cx="0" cy="0"/>
+        </a:xfrm>
+      </p:grpSpPr>
+      <p:sp>
+        <p:nvSpPr>
+          <p:cNvPr id="2" name="Title 1">
+            <a:extLst>
+              <a:ext uri="{FF2B5EF4-FFF2-40B4-BE49-F238E27FC236}">
+                <a16:creationId xmlns:a16="http://schemas.microsoft.com/office/drawing/2014/main" id="{68AFFF39-A92B-407A-9F35-469F4E043D52}"/>
+              </a:ext>
+            </a:extLst>
+          </p:cNvPr>
+          <p:cNvSpPr>
+            <a:spLocks noGrp="1"/>
+          </p:cNvSpPr>
+          <p:nvPr>
+            <p:ph type="title"/>
+          </p:nvPr>
+        </p:nvSpPr>
+        <p:spPr/>
+        <p:txBody>
+          <a:bodyPr/>
+          <a:lstStyle/>
+          <a:p>
+            <a:r>
+              <a:rPr lang="en-US" b="1">
+                <a:latin typeface="Arial" panose="020B0604020202020204" pitchFamily="34" charset="0"/>
+                <a:cs typeface="Arial" panose="020B0604020202020204" pitchFamily="34" charset="0"/>
+              </a:rPr>
+              <a:t>Type-Driven Automated Learning</a:t>
+            </a:r>
+          </a:p>
+        </p:txBody>
+      </p:sp>
+      <p:sp>
+        <p:nvSpPr>
+          <p:cNvPr id="3" name="Content Placeholder 2">
+            <a:extLst>
+              <a:ext uri="{FF2B5EF4-FFF2-40B4-BE49-F238E27FC236}">
+                <a16:creationId xmlns:a16="http://schemas.microsoft.com/office/drawing/2014/main" id="{F3F8F110-F6B9-4B25-8AA5-21562BDEFEBC}"/>
+              </a:ext>
+            </a:extLst>
+          </p:cNvPr>
+          <p:cNvSpPr>
+            <a:spLocks noGrp="1"/>
+          </p:cNvSpPr>
+          <p:nvPr>
+            <p:ph idx="1"/>
+          </p:nvPr>
+        </p:nvSpPr>
+        <p:spPr/>
+        <p:txBody>
+          <a:bodyPr/>
+          <a:lstStyle/>
+          <a:p>
+            <a:r>
+              <a:rPr lang="en-US">
+                <a:latin typeface="Arial" panose="020B0604020202020204" pitchFamily="34" charset="0"/>
+              </a:rPr>
+              <a:t>Types as search spaces</a:t>
+            </a:r>
+          </a:p>
+          <a:p>
+            <a:pPr lvl="1"/>
+            <a:r>
+              <a:rPr lang="en-US">
+                <a:latin typeface="Arial" panose="020B0604020202020204" pitchFamily="34" charset="0"/>
+              </a:rPr>
+              <a:t>E.g., continuous hyperparameter range</a:t>
+            </a:r>
+          </a:p>
+          <a:p>
+            <a:pPr lvl="1"/>
+            <a:r>
+              <a:rPr lang="en-US">
+                <a:latin typeface="Arial" panose="020B0604020202020204" pitchFamily="34" charset="0"/>
+              </a:rPr>
+              <a:t>E.g., categorical hyperparameter enum</a:t>
+            </a:r>
+          </a:p>
+          <a:p>
+            <a:r>
+              <a:rPr lang="en-US">
+                <a:latin typeface="Arial" panose="020B0604020202020204" pitchFamily="34" charset="0"/>
+              </a:rPr>
+              <a:t>Types as documentation</a:t>
+            </a:r>
+          </a:p>
+          <a:p>
+            <a:pPr lvl="1"/>
+            <a:r>
+              <a:rPr lang="en-US">
+                <a:latin typeface="Arial" panose="020B0604020202020204" pitchFamily="34" charset="0"/>
+              </a:rPr>
+              <a:t>E.g., lale.readthedocs.io/en/latest/modules/lale.lib.sklearn.pca.html</a:t>
+            </a:r>
+          </a:p>
+          <a:p>
+            <a:r>
+              <a:rPr lang="en-US">
+                <a:latin typeface="Arial" panose="020B0604020202020204" pitchFamily="34" charset="0"/>
+              </a:rPr>
+              <a:t>Types for feature engineering</a:t>
+            </a:r>
+          </a:p>
+          <a:p>
+            <a:pPr lvl="1"/>
+            <a:r>
+              <a:rPr lang="en-US">
+                <a:latin typeface="Arial" panose="020B0604020202020204" pitchFamily="34" charset="0"/>
+              </a:rPr>
+              <a:t>E.g., Project(columns={'type': 'string’})</a:t>
+            </a:r>
+          </a:p>
+          <a:p>
+            <a:r>
+              <a:rPr lang="en-US">
+                <a:latin typeface="Arial" panose="020B0604020202020204" pitchFamily="34" charset="0"/>
+              </a:rPr>
+              <a:t>Types for error checking</a:t>
+            </a:r>
+          </a:p>
+          <a:p>
+            <a:pPr lvl="1"/>
+            <a:r>
+              <a:rPr lang="en-US">
+                <a:latin typeface="Arial" panose="020B0604020202020204" pitchFamily="34" charset="0"/>
+              </a:rPr>
+              <a:t>E.g., datasets, hyperparameters, constraints</a:t>
+            </a:r>
+          </a:p>
+        </p:txBody>
+      </p:sp>
+      <p:sp>
+        <p:nvSpPr>
+          <p:cNvPr id="4" name="Slide Number Placeholder 3">
+            <a:extLst>
+              <a:ext uri="{FF2B5EF4-FFF2-40B4-BE49-F238E27FC236}">
+                <a16:creationId xmlns:a16="http://schemas.microsoft.com/office/drawing/2014/main" id="{05EFA204-0551-402D-8845-DA951B4C9319}"/>
+              </a:ext>
+            </a:extLst>
+          </p:cNvPr>
+          <p:cNvSpPr>
+            <a:spLocks noGrp="1"/>
+          </p:cNvSpPr>
+          <p:nvPr>
+            <p:ph type="sldNum" sz="quarter" idx="12"/>
+          </p:nvPr>
+        </p:nvSpPr>
+        <p:spPr/>
+        <p:txBody>
+          <a:bodyPr/>
+          <a:lstStyle/>
+          <a:p>
+            <a:fld id="{02BC044B-C17F-492A-8FEE-55E1FB666255}" type="slidenum">
               <a:rPr lang="en-US" smtClean="0"/>
-              <a:t>24</a:t>
+              <a:t>25</a:t>
+            </a:fld>
+            <a:endParaRPr lang="en-US"/>
+          </a:p>
+        </p:txBody>
+      </p:sp>
+    </p:spTree>
+    <p:extLst>
+      <p:ext uri="{BB962C8B-B14F-4D97-AF65-F5344CB8AC3E}">
+        <p14:creationId xmlns:p14="http://schemas.microsoft.com/office/powerpoint/2010/main" val="3573476566"/>
+      </p:ext>
+    </p:extLst>
+  </p:cSld>
+  <p:clrMapOvr>
+    <a:masterClrMapping/>
+  </p:clrMapOvr>
+</p:sld>
+</file>
+
+<file path=ppt/slides/slide26.xml><?xml version="1.0" encoding="utf-8"?>
+<p:sld xmlns:a="http://schemas.openxmlformats.org/drawingml/2006/main" xmlns:r="http://schemas.openxmlformats.org/officeDocument/2006/relationships" xmlns:p="http://schemas.openxmlformats.org/presentationml/2006/main">
+  <p:cSld>
+    <p:spTree>
+      <p:nvGrpSpPr>
+        <p:cNvPr id="1" name=""/>
+        <p:cNvGrpSpPr/>
+        <p:nvPr/>
+      </p:nvGrpSpPr>
+      <p:grpSpPr>
+        <a:xfrm>
+          <a:off x="0" y="0"/>
+          <a:ext cx="0" cy="0"/>
+          <a:chOff x="0" y="0"/>
+          <a:chExt cx="0" cy="0"/>
+        </a:xfrm>
+      </p:grpSpPr>
+      <p:sp>
+        <p:nvSpPr>
+          <p:cNvPr id="2" name="Title 1">
+            <a:extLst>
+              <a:ext uri="{FF2B5EF4-FFF2-40B4-BE49-F238E27FC236}">
+                <a16:creationId xmlns:a16="http://schemas.microsoft.com/office/drawing/2014/main" id="{68AFFF39-A92B-407A-9F35-469F4E043D52}"/>
+              </a:ext>
+            </a:extLst>
+          </p:cNvPr>
+          <p:cNvSpPr>
+            <a:spLocks noGrp="1"/>
+          </p:cNvSpPr>
+          <p:nvPr>
+            <p:ph type="title"/>
+          </p:nvPr>
+        </p:nvSpPr>
+        <p:spPr/>
+        <p:txBody>
+          <a:bodyPr/>
+          <a:lstStyle/>
+          <a:p>
+            <a:r>
+              <a:rPr lang="en-US" b="1">
+                <a:latin typeface="Arial" panose="020B0604020202020204" pitchFamily="34" charset="0"/>
+                <a:cs typeface="Arial" panose="020B0604020202020204" pitchFamily="34" charset="0"/>
+              </a:rPr>
+              <a:t>Conclusion</a:t>
+            </a:r>
+          </a:p>
+        </p:txBody>
+      </p:sp>
+      <p:sp>
+        <p:nvSpPr>
+          <p:cNvPr id="3" name="Content Placeholder 2">
+            <a:extLst>
+              <a:ext uri="{FF2B5EF4-FFF2-40B4-BE49-F238E27FC236}">
+                <a16:creationId xmlns:a16="http://schemas.microsoft.com/office/drawing/2014/main" id="{F3F8F110-F6B9-4B25-8AA5-21562BDEFEBC}"/>
+              </a:ext>
+            </a:extLst>
+          </p:cNvPr>
+          <p:cNvSpPr>
+            <a:spLocks noGrp="1"/>
+          </p:cNvSpPr>
+          <p:nvPr>
+            <p:ph idx="1"/>
+          </p:nvPr>
+        </p:nvSpPr>
+        <p:spPr/>
+        <p:txBody>
+          <a:bodyPr/>
+          <a:lstStyle/>
+          <a:p>
+            <a:r>
+              <a:rPr lang="en-US">
+                <a:latin typeface="Arial" panose="020B0604020202020204" pitchFamily="34" charset="0"/>
+              </a:rPr>
+              <a:t>Library for semi-automated data science</a:t>
+            </a:r>
+          </a:p>
+          <a:p>
+            <a:pPr lvl="1"/>
+            <a:r>
+              <a:rPr lang="en-US">
+                <a:latin typeface="Arial" panose="020B0604020202020204" pitchFamily="34" charset="0"/>
+              </a:rPr>
+              <a:t>https://github.com/ibm/lale</a:t>
+            </a:r>
+          </a:p>
+          <a:p>
+            <a:r>
+              <a:rPr lang="en-US">
+                <a:latin typeface="Arial" panose="020B0604020202020204" pitchFamily="34" charset="0"/>
+              </a:rPr>
+              <a:t>Suggested actions:</a:t>
+            </a:r>
+          </a:p>
+          <a:p>
+            <a:pPr lvl="1"/>
+            <a:r>
+              <a:rPr lang="en-US">
+                <a:latin typeface="Arial" panose="020B0604020202020204" pitchFamily="34" charset="0"/>
+              </a:rPr>
+              <a:t>Try it out and send us feedback</a:t>
+            </a:r>
+          </a:p>
+          <a:p>
+            <a:pPr lvl="1"/>
+            <a:r>
+              <a:rPr lang="en-US">
+                <a:latin typeface="Arial" panose="020B0604020202020204" pitchFamily="34" charset="0"/>
+              </a:rPr>
+              <a:t>Contribute new operators</a:t>
+            </a:r>
+            <a:endParaRPr lang="en-US" sz="1800">
+              <a:latin typeface="Arial" panose="020B0604020202020204" pitchFamily="34" charset="0"/>
+            </a:endParaRPr>
+          </a:p>
+          <a:p>
+            <a:pPr lvl="1"/>
+            <a:r>
+              <a:rPr lang="en-US">
+                <a:latin typeface="Arial" panose="020B0604020202020204" pitchFamily="34" charset="0"/>
+              </a:rPr>
+              <a:t>Do original research (AutoML optimizers, AI fairness, fast AutoML, …)</a:t>
+            </a:r>
+          </a:p>
+        </p:txBody>
+      </p:sp>
+      <p:sp>
+        <p:nvSpPr>
+          <p:cNvPr id="4" name="Slide Number Placeholder 3">
+            <a:extLst>
+              <a:ext uri="{FF2B5EF4-FFF2-40B4-BE49-F238E27FC236}">
+                <a16:creationId xmlns:a16="http://schemas.microsoft.com/office/drawing/2014/main" id="{05EFA204-0551-402D-8845-DA951B4C9319}"/>
+              </a:ext>
+            </a:extLst>
+          </p:cNvPr>
+          <p:cNvSpPr>
+            <a:spLocks noGrp="1"/>
+          </p:cNvSpPr>
+          <p:nvPr>
+            <p:ph type="sldNum" sz="quarter" idx="12"/>
+          </p:nvPr>
+        </p:nvSpPr>
+        <p:spPr/>
+        <p:txBody>
+          <a:bodyPr/>
+          <a:lstStyle/>
+          <a:p>
+            <a:fld id="{02BC044B-C17F-492A-8FEE-55E1FB666255}" type="slidenum">
+              <a:rPr lang="en-US" smtClean="0"/>
+              <a:t>26</a:t>
             </a:fld>
             <a:endParaRPr lang="en-US"/>
           </a:p>
@@ -16228,6 +17054,102 @@
           </a:fontRef>
         </p:style>
       </p:cxnSp>
+      <p:sp>
+        <p:nvSpPr>
+          <p:cNvPr id="23" name="Thought Bubble: Cloud 22">
+            <a:extLst>
+              <a:ext uri="{FF2B5EF4-FFF2-40B4-BE49-F238E27FC236}">
+                <a16:creationId xmlns:a16="http://schemas.microsoft.com/office/drawing/2014/main" id="{D148FC74-DE5D-44F1-9C47-781C2850F04F}"/>
+              </a:ext>
+            </a:extLst>
+          </p:cNvPr>
+          <p:cNvSpPr/>
+          <p:nvPr/>
+        </p:nvSpPr>
+        <p:spPr>
+          <a:xfrm>
+            <a:off x="297706" y="1711178"/>
+            <a:ext cx="2379711" cy="1010847"/>
+          </a:xfrm>
+          <a:prstGeom prst="cloudCallout">
+            <a:avLst>
+              <a:gd name="adj1" fmla="val 29148"/>
+              <a:gd name="adj2" fmla="val 99227"/>
+            </a:avLst>
+          </a:prstGeom>
+          <a:noFill/>
+          <a:ln>
+            <a:solidFill>
+              <a:schemeClr val="tx1"/>
+            </a:solidFill>
+          </a:ln>
+        </p:spPr>
+        <p:style>
+          <a:lnRef idx="2">
+            <a:schemeClr val="accent1">
+              <a:shade val="50000"/>
+            </a:schemeClr>
+          </a:lnRef>
+          <a:fillRef idx="1">
+            <a:schemeClr val="accent1"/>
+          </a:fillRef>
+          <a:effectRef idx="0">
+            <a:schemeClr val="accent1"/>
+          </a:effectRef>
+          <a:fontRef idx="minor">
+            <a:schemeClr val="lt1"/>
+          </a:fontRef>
+        </p:style>
+        <p:txBody>
+          <a:bodyPr rtlCol="0" anchor="ctr"/>
+          <a:lstStyle/>
+          <a:p>
+            <a:pPr marL="227013" indent="-227013">
+              <a:buFont typeface="Arial" panose="020B0604020202020204" pitchFamily="34" charset="0"/>
+              <a:buChar char="•"/>
+            </a:pPr>
+            <a:r>
+              <a:rPr lang="en-US">
+                <a:solidFill>
+                  <a:schemeClr val="tx1"/>
+                </a:solidFill>
+                <a:latin typeface="Arial" panose="020B0604020202020204" pitchFamily="34" charset="0"/>
+              </a:rPr>
+              <a:t>Inspiration</a:t>
+            </a:r>
+          </a:p>
+          <a:p>
+            <a:pPr marL="227013" indent="-227013">
+              <a:buFont typeface="Arial" panose="020B0604020202020204" pitchFamily="34" charset="0"/>
+              <a:buChar char="•"/>
+            </a:pPr>
+            <a:r>
+              <a:rPr lang="en-US">
+                <a:solidFill>
+                  <a:schemeClr val="tx1"/>
+                </a:solidFill>
+                <a:latin typeface="Arial" panose="020B0604020202020204" pitchFamily="34" charset="0"/>
+              </a:rPr>
+              <a:t>Patience</a:t>
+            </a:r>
+          </a:p>
+          <a:p>
+            <a:pPr marL="227013" indent="-227013">
+              <a:buFont typeface="Arial" panose="020B0604020202020204" pitchFamily="34" charset="0"/>
+              <a:buChar char="•"/>
+            </a:pPr>
+            <a:r>
+              <a:rPr lang="en-US">
+                <a:solidFill>
+                  <a:schemeClr val="tx1"/>
+                </a:solidFill>
+                <a:latin typeface="Arial" panose="020B0604020202020204" pitchFamily="34" charset="0"/>
+              </a:rPr>
+              <a:t>Rigor</a:t>
+            </a:r>
+          </a:p>
+        </p:txBody>
+      </p:sp>
     </p:spTree>
     <p:extLst>
       <p:ext uri="{BB962C8B-B14F-4D97-AF65-F5344CB8AC3E}">
@@ -18270,6 +19192,69 @@
           </a:p>
         </p:txBody>
       </p:sp>
+      <p:sp>
+        <p:nvSpPr>
+          <p:cNvPr id="31" name="Thought Bubble: Cloud 30">
+            <a:extLst>
+              <a:ext uri="{FF2B5EF4-FFF2-40B4-BE49-F238E27FC236}">
+                <a16:creationId xmlns:a16="http://schemas.microsoft.com/office/drawing/2014/main" id="{3BE08E26-3508-47FE-B9F5-8BA9BEC2442D}"/>
+              </a:ext>
+            </a:extLst>
+          </p:cNvPr>
+          <p:cNvSpPr/>
+          <p:nvPr/>
+        </p:nvSpPr>
+        <p:spPr>
+          <a:xfrm>
+            <a:off x="297706" y="1711178"/>
+            <a:ext cx="2379711" cy="1010847"/>
+          </a:xfrm>
+          <a:prstGeom prst="cloudCallout">
+            <a:avLst>
+              <a:gd name="adj1" fmla="val 29148"/>
+              <a:gd name="adj2" fmla="val 99227"/>
+            </a:avLst>
+          </a:prstGeom>
+          <a:noFill/>
+          <a:ln>
+            <a:solidFill>
+              <a:schemeClr val="tx1"/>
+            </a:solidFill>
+          </a:ln>
+        </p:spPr>
+        <p:style>
+          <a:lnRef idx="2">
+            <a:schemeClr val="accent1">
+              <a:shade val="50000"/>
+            </a:schemeClr>
+          </a:lnRef>
+          <a:fillRef idx="1">
+            <a:schemeClr val="accent1"/>
+          </a:fillRef>
+          <a:effectRef idx="0">
+            <a:schemeClr val="accent1"/>
+          </a:effectRef>
+          <a:fontRef idx="minor">
+            <a:schemeClr val="lt1"/>
+          </a:fontRef>
+        </p:style>
+        <p:txBody>
+          <a:bodyPr rtlCol="0" anchor="ctr"/>
+          <a:lstStyle/>
+          <a:p>
+            <a:pPr algn="ctr"/>
+            <a:r>
+              <a:rPr lang="en-US">
+                <a:solidFill>
+                  <a:schemeClr val="tx1"/>
+                </a:solidFill>
+                <a:latin typeface="Arial" panose="020B0604020202020204" pitchFamily="34" charset="0"/>
+              </a:rPr>
+              <a:t>Patience</a:t>
+            </a:r>
+          </a:p>
+        </p:txBody>
+      </p:sp>
     </p:spTree>
     <p:extLst>
       <p:ext uri="{BB962C8B-B14F-4D97-AF65-F5344CB8AC3E}">
@@ -20502,6 +21487,87 @@
           </a:p>
         </p:txBody>
       </p:sp>
+      <p:sp>
+        <p:nvSpPr>
+          <p:cNvPr id="33" name="Thought Bubble: Cloud 32">
+            <a:extLst>
+              <a:ext uri="{FF2B5EF4-FFF2-40B4-BE49-F238E27FC236}">
+                <a16:creationId xmlns:a16="http://schemas.microsoft.com/office/drawing/2014/main" id="{B8C20252-DA40-4124-9304-74204586B565}"/>
+              </a:ext>
+            </a:extLst>
+          </p:cNvPr>
+          <p:cNvSpPr/>
+          <p:nvPr/>
+        </p:nvSpPr>
+        <p:spPr>
+          <a:xfrm>
+            <a:off x="297706" y="1711178"/>
+            <a:ext cx="2379711" cy="1010847"/>
+          </a:xfrm>
+          <a:prstGeom prst="cloudCallout">
+            <a:avLst>
+              <a:gd name="adj1" fmla="val 29148"/>
+              <a:gd name="adj2" fmla="val 99227"/>
+            </a:avLst>
+          </a:prstGeom>
+          <a:noFill/>
+          <a:ln>
+            <a:solidFill>
+              <a:schemeClr val="tx1"/>
+            </a:solidFill>
+          </a:ln>
+        </p:spPr>
+        <p:style>
+          <a:lnRef idx="2">
+            <a:schemeClr val="accent1">
+              <a:shade val="50000"/>
+            </a:schemeClr>
+          </a:lnRef>
+          <a:fillRef idx="1">
+            <a:schemeClr val="accent1"/>
+          </a:fillRef>
+          <a:effectRef idx="0">
+            <a:schemeClr val="accent1"/>
+          </a:effectRef>
+          <a:fontRef idx="minor">
+            <a:schemeClr val="lt1"/>
+          </a:fontRef>
+        </p:style>
+        <p:txBody>
+          <a:bodyPr rtlCol="0" anchor="ctr"/>
+          <a:lstStyle/>
+          <a:p>
+            <a:pPr marL="227013" indent="-227013">
+              <a:buFont typeface="Arial" panose="020B0604020202020204" pitchFamily="34" charset="0"/>
+              <a:buChar char="•"/>
+            </a:pPr>
+            <a:r>
+              <a:rPr lang="en-US">
+                <a:solidFill>
+                  <a:schemeClr val="tx1"/>
+                </a:solidFill>
+                <a:latin typeface="Arial" panose="020B0604020202020204" pitchFamily="34" charset="0"/>
+              </a:rPr>
+              <a:t>Inspiration</a:t>
+            </a:r>
+          </a:p>
+          <a:p>
+            <a:pPr marL="227013" indent="-227013">
+              <a:buFont typeface="Arial" panose="020B0604020202020204" pitchFamily="34" charset="0"/>
+              <a:buChar char="•"/>
+            </a:pPr>
+            <a:r>
+              <a:rPr lang="en-US">
+                <a:solidFill>
+                  <a:schemeClr val="tx1"/>
+                </a:solidFill>
+                <a:latin typeface="Arial" panose="020B0604020202020204" pitchFamily="34" charset="0"/>
+              </a:rPr>
+              <a:t>Patience</a:t>
+            </a:r>
+          </a:p>
+        </p:txBody>
+      </p:sp>
     </p:spTree>
     <p:extLst>
       <p:ext uri="{BB962C8B-B14F-4D97-AF65-F5344CB8AC3E}">
@@ -20628,7 +21694,7 @@
               <a:rPr lang="en-US">
                 <a:latin typeface="Arial" panose="020B0604020202020204" pitchFamily="34" charset="0"/>
               </a:rPr>
-              <a:t>Expert-level control</a:t>
+              <a:t>Expert-level control for human inspiration</a:t>
             </a:r>
           </a:p>
         </p:txBody>
@@ -20766,7 +21832,7 @@
         </p:nvSpPr>
         <p:spPr>
           <a:xfrm>
-            <a:off x="2417272" y="1757750"/>
+            <a:off x="2417272" y="2313790"/>
             <a:ext cx="7270687" cy="365125"/>
           </a:xfrm>
           <a:prstGeom prst="roundRect">
@@ -20923,7 +21989,7 @@
         <p:spPr>
           <a:xfrm>
             <a:off x="2417274" y="4894284"/>
-            <a:ext cx="5125398" cy="460333"/>
+            <a:ext cx="4396037" cy="460333"/>
           </a:xfrm>
           <a:prstGeom prst="roundRect">
             <a:avLst>
@@ -21000,7 +22066,7 @@
         </p:nvSpPr>
         <p:spPr>
           <a:xfrm>
-            <a:off x="4507846" y="4928768"/>
+            <a:off x="4047209" y="4928768"/>
             <a:ext cx="1195058" cy="381417"/>
           </a:xfrm>
           <a:prstGeom prst="roundRect">
@@ -21076,7 +22142,7 @@
         </p:nvSpPr>
         <p:spPr>
           <a:xfrm>
-            <a:off x="5770823" y="4928768"/>
+            <a:off x="5310186" y="4928768"/>
             <a:ext cx="1195058" cy="381417"/>
           </a:xfrm>
           <a:prstGeom prst="roundRect">
@@ -21680,214 +22746,6 @@
       </p:sp>
       <p:sp>
         <p:nvSpPr>
-          <p:cNvPr id="22" name="Rectangle: Rounded Corners 21">
-            <a:extLst>
-              <a:ext uri="{FF2B5EF4-FFF2-40B4-BE49-F238E27FC236}">
-                <a16:creationId xmlns:a16="http://schemas.microsoft.com/office/drawing/2014/main" id="{27BC26BD-DF90-4BEE-AB34-DB1721F300AF}"/>
-              </a:ext>
-            </a:extLst>
-          </p:cNvPr>
-          <p:cNvSpPr/>
-          <p:nvPr/>
-        </p:nvSpPr>
-        <p:spPr>
-          <a:xfrm>
-            <a:off x="2417272" y="2226738"/>
-            <a:ext cx="7270686" cy="460333"/>
-          </a:xfrm>
-          <a:prstGeom prst="roundRect">
-            <a:avLst>
-              <a:gd name="adj" fmla="val 50000"/>
-            </a:avLst>
-          </a:prstGeom>
-          <a:solidFill>
-            <a:schemeClr val="accent5">
-              <a:lumMod val="40000"/>
-              <a:lumOff val="60000"/>
-            </a:schemeClr>
-          </a:solidFill>
-          <a:ln w="12700" cap="flat" cmpd="sng" algn="ctr">
-            <a:solidFill>
-              <a:sysClr val="windowText" lastClr="000000"/>
-            </a:solidFill>
-            <a:prstDash val="solid"/>
-            <a:miter lim="800000"/>
-          </a:ln>
-          <a:effectLst/>
-        </p:spPr>
-        <p:txBody>
-          <a:bodyPr wrap="none" rtlCol="0" anchor="ctr"/>
-          <a:lstStyle/>
-          <a:p>
-            <a:pPr defTabSz="457200">
-              <a:defRPr/>
-            </a:pPr>
-            <a:r>
-              <a:rPr lang="en-US" sz="2000" kern="0" cap="small">
-                <a:solidFill>
-                  <a:prstClr val="black"/>
-                </a:solidFill>
-                <a:latin typeface="Arial" panose="020B0604020202020204" pitchFamily="34" charset="0"/>
-              </a:rPr>
-              <a:t>Lale</a:t>
-            </a:r>
-          </a:p>
-        </p:txBody>
-      </p:sp>
-      <p:sp>
-        <p:nvSpPr>
-          <p:cNvPr id="23" name="Rectangle: Rounded Corners 22">
-            <a:extLst>
-              <a:ext uri="{FF2B5EF4-FFF2-40B4-BE49-F238E27FC236}">
-                <a16:creationId xmlns:a16="http://schemas.microsoft.com/office/drawing/2014/main" id="{8377A616-822D-4734-88F5-43C8984105D0}"/>
-              </a:ext>
-            </a:extLst>
-          </p:cNvPr>
-          <p:cNvSpPr/>
-          <p:nvPr/>
-        </p:nvSpPr>
-        <p:spPr>
-          <a:xfrm>
-            <a:off x="4353938" y="2267168"/>
-            <a:ext cx="2194560" cy="381417"/>
-          </a:xfrm>
-          <a:prstGeom prst="roundRect">
-            <a:avLst/>
-          </a:prstGeom>
-          <a:solidFill>
-            <a:schemeClr val="accent5">
-              <a:lumMod val="20000"/>
-              <a:lumOff val="80000"/>
-            </a:schemeClr>
-          </a:solidFill>
-          <a:ln w="12700" cap="flat" cmpd="sng" algn="ctr">
-            <a:solidFill>
-              <a:sysClr val="windowText" lastClr="000000"/>
-            </a:solidFill>
-            <a:prstDash val="solid"/>
-            <a:miter lim="800000"/>
-          </a:ln>
-          <a:effectLst/>
-        </p:spPr>
-        <p:txBody>
-          <a:bodyPr wrap="none" rtlCol="0" anchor="ctr"/>
-          <a:lstStyle/>
-          <a:p>
-            <a:pPr marL="0" marR="0" lvl="0" indent="0" algn="ctr" defTabSz="457200" rtl="0" eaLnBrk="1" fontAlgn="auto" latinLnBrk="0" hangingPunct="1">
-              <a:lnSpc>
-                <a:spcPct val="100000"/>
-              </a:lnSpc>
-              <a:spcBef>
-                <a:spcPts val="0"/>
-              </a:spcBef>
-              <a:spcAft>
-                <a:spcPts val="0"/>
-              </a:spcAft>
-              <a:buClrTx/>
-              <a:buSzTx/>
-              <a:buFontTx/>
-              <a:buNone/>
-              <a:tabLst/>
-              <a:defRPr/>
-            </a:pPr>
-            <a:r>
-              <a:rPr kumimoji="0" lang="en-US" sz="2000" b="0" i="0" u="none" strike="noStrike" kern="0" cap="none" spc="0" normalizeH="0" baseline="0" noProof="0">
-                <a:ln>
-                  <a:noFill/>
-                </a:ln>
-                <a:solidFill>
-                  <a:prstClr val="black"/>
-                </a:solidFill>
-                <a:effectLst/>
-                <a:uLnTx/>
-                <a:uFillTx/>
-                <a:latin typeface="Arial" panose="020B0604020202020204" pitchFamily="34" charset="0"/>
-                <a:ea typeface="+mn-ea"/>
-                <a:cs typeface="+mn-cs"/>
-              </a:rPr>
-              <a:t>operator schemas</a:t>
-            </a:r>
-          </a:p>
-        </p:txBody>
-      </p:sp>
-      <p:sp>
-        <p:nvSpPr>
-          <p:cNvPr id="24" name="Rectangle: Rounded Corners 23">
-            <a:extLst>
-              <a:ext uri="{FF2B5EF4-FFF2-40B4-BE49-F238E27FC236}">
-                <a16:creationId xmlns:a16="http://schemas.microsoft.com/office/drawing/2014/main" id="{69E7B52B-9A22-4A19-9934-F63E49B3406C}"/>
-              </a:ext>
-            </a:extLst>
-          </p:cNvPr>
-          <p:cNvSpPr/>
-          <p:nvPr/>
-        </p:nvSpPr>
-        <p:spPr>
-          <a:xfrm>
-            <a:off x="6618083" y="2267168"/>
-            <a:ext cx="2926080" cy="381417"/>
-          </a:xfrm>
-          <a:prstGeom prst="roundRect">
-            <a:avLst/>
-          </a:prstGeom>
-          <a:solidFill>
-            <a:schemeClr val="accent5">
-              <a:lumMod val="20000"/>
-              <a:lumOff val="80000"/>
-            </a:schemeClr>
-          </a:solidFill>
-          <a:ln w="12700" cap="flat" cmpd="sng" algn="ctr">
-            <a:solidFill>
-              <a:sysClr val="windowText" lastClr="000000"/>
-            </a:solidFill>
-            <a:prstDash val="solid"/>
-            <a:miter lim="800000"/>
-          </a:ln>
-          <a:effectLst/>
-        </p:spPr>
-        <p:txBody>
-          <a:bodyPr wrap="none" rtlCol="0" anchor="ctr"/>
-          <a:lstStyle/>
-          <a:p>
-            <a:pPr marL="0" marR="0" lvl="0" indent="0" algn="ctr" defTabSz="457200" rtl="0" eaLnBrk="1" fontAlgn="auto" latinLnBrk="0" hangingPunct="1">
-              <a:lnSpc>
-                <a:spcPct val="100000"/>
-              </a:lnSpc>
-              <a:spcBef>
-                <a:spcPts val="0"/>
-              </a:spcBef>
-              <a:spcAft>
-                <a:spcPts val="0"/>
-              </a:spcAft>
-              <a:buClrTx/>
-              <a:buSzTx/>
-              <a:buFontTx/>
-              <a:buNone/>
-              <a:tabLst/>
-              <a:defRPr/>
-            </a:pPr>
-            <a:r>
-              <a:rPr kumimoji="0" lang="en-US" sz="2000" b="0" i="0" u="none" strike="noStrike" kern="0" cap="none" spc="0" normalizeH="0" baseline="0" noProof="0">
-                <a:ln>
-                  <a:noFill/>
-                </a:ln>
-                <a:solidFill>
-                  <a:prstClr val="black"/>
-                </a:solidFill>
-                <a:effectLst/>
-                <a:uLnTx/>
-                <a:uFillTx/>
-                <a:latin typeface="Arial" panose="020B0604020202020204" pitchFamily="34" charset="0"/>
-                <a:ea typeface="+mn-ea"/>
-                <a:cs typeface="+mn-cs"/>
-              </a:rPr>
-              <a:t>search space generators</a:t>
-            </a:r>
-          </a:p>
-        </p:txBody>
-      </p:sp>
-      <p:sp>
-        <p:nvSpPr>
           <p:cNvPr id="26" name="Rectangle: Rounded Corners 25">
             <a:extLst>
               <a:ext uri="{FF2B5EF4-FFF2-40B4-BE49-F238E27FC236}">
@@ -22198,7 +23056,7 @@
                 <a:ea typeface="+mn-ea"/>
                 <a:cs typeface="+mn-cs"/>
               </a:rPr>
-              <a:t>hyperopt,</a:t>
+              <a:t>Hyperopt,</a:t>
             </a:r>
             <a:br>
               <a:rPr kumimoji="0" lang="en-US" sz="2000" b="0" i="0" u="none" strike="noStrike" kern="0" cap="none" spc="0" normalizeH="0" baseline="0" noProof="0">
@@ -22288,11 +23146,18 @@
           <a:lstStyle/>
           <a:p>
             <a:r>
+              <a:rPr lang="en-US" b="1" cap="small">
+                <a:latin typeface="Arial" panose="020B0604020202020204" pitchFamily="34" charset="0"/>
+                <a:cs typeface="Arial" panose="020B0604020202020204" pitchFamily="34" charset="0"/>
+              </a:rPr>
+              <a:t>Lale</a:t>
+            </a:r>
+            <a:r>
               <a:rPr lang="en-US" b="1">
                 <a:latin typeface="Arial" panose="020B0604020202020204" pitchFamily="34" charset="0"/>
                 <a:cs typeface="Arial" panose="020B0604020202020204" pitchFamily="34" charset="0"/>
               </a:rPr>
-              <a:t>Operators, Pipelines, and Lifecycle</a:t>
+              <a:t>’s Place in the Open-Source Stack</a:t>
             </a:r>
           </a:p>
         </p:txBody>
@@ -22321,6 +23186,1580 @@
             <a:fld id="{02BC044B-C17F-492A-8FEE-55E1FB666255}" type="slidenum">
               <a:rPr lang="en-US" smtClean="0"/>
               <a:t>8</a:t>
+            </a:fld>
+            <a:endParaRPr lang="en-US"/>
+          </a:p>
+        </p:txBody>
+      </p:sp>
+      <p:sp>
+        <p:nvSpPr>
+          <p:cNvPr id="5" name="Rectangle: Rounded Corners 4">
+            <a:extLst>
+              <a:ext uri="{FF2B5EF4-FFF2-40B4-BE49-F238E27FC236}">
+                <a16:creationId xmlns:a16="http://schemas.microsoft.com/office/drawing/2014/main" id="{A4CFC326-ECCA-4938-A8E1-A0A866D38BC5}"/>
+              </a:ext>
+            </a:extLst>
+          </p:cNvPr>
+          <p:cNvSpPr/>
+          <p:nvPr/>
+        </p:nvSpPr>
+        <p:spPr>
+          <a:xfrm>
+            <a:off x="2417272" y="1757750"/>
+            <a:ext cx="7270687" cy="365125"/>
+          </a:xfrm>
+          <a:prstGeom prst="roundRect">
+            <a:avLst>
+              <a:gd name="adj" fmla="val 50000"/>
+            </a:avLst>
+          </a:prstGeom>
+          <a:solidFill>
+            <a:schemeClr val="accent6">
+              <a:lumMod val="40000"/>
+              <a:lumOff val="60000"/>
+            </a:schemeClr>
+          </a:solidFill>
+          <a:ln w="12700" cap="flat" cmpd="sng" algn="ctr">
+            <a:solidFill>
+              <a:sysClr val="windowText" lastClr="000000"/>
+            </a:solidFill>
+            <a:prstDash val="solid"/>
+            <a:miter lim="800000"/>
+          </a:ln>
+          <a:effectLst/>
+        </p:spPr>
+        <p:txBody>
+          <a:bodyPr rtlCol="0" anchor="ctr"/>
+          <a:lstStyle/>
+          <a:p>
+            <a:pPr marL="0" marR="0" lvl="0" indent="0" algn="ctr" defTabSz="457200" rtl="0" eaLnBrk="1" fontAlgn="auto" latinLnBrk="0" hangingPunct="1">
+              <a:lnSpc>
+                <a:spcPct val="100000"/>
+              </a:lnSpc>
+              <a:spcBef>
+                <a:spcPts val="0"/>
+              </a:spcBef>
+              <a:spcAft>
+                <a:spcPts val="0"/>
+              </a:spcAft>
+              <a:buClrTx/>
+              <a:buSzTx/>
+              <a:buFontTx/>
+              <a:buNone/>
+              <a:tabLst/>
+              <a:defRPr/>
+            </a:pPr>
+            <a:r>
+              <a:rPr kumimoji="0" lang="en-US" sz="2000" b="0" i="0" u="none" strike="noStrike" kern="0" cap="none" spc="0" normalizeH="0" baseline="0" noProof="0">
+                <a:ln>
+                  <a:noFill/>
+                </a:ln>
+                <a:solidFill>
+                  <a:prstClr val="black"/>
+                </a:solidFill>
+                <a:effectLst/>
+                <a:uLnTx/>
+                <a:uFillTx/>
+                <a:latin typeface="Arial" panose="020B0604020202020204" pitchFamily="34" charset="0"/>
+                <a:ea typeface="+mn-ea"/>
+                <a:cs typeface="+mn-cs"/>
+              </a:rPr>
+              <a:t>Jupyter notebooks</a:t>
+            </a:r>
+          </a:p>
+        </p:txBody>
+      </p:sp>
+      <p:sp>
+        <p:nvSpPr>
+          <p:cNvPr id="8" name="Rectangle: Rounded Corners 7">
+            <a:extLst>
+              <a:ext uri="{FF2B5EF4-FFF2-40B4-BE49-F238E27FC236}">
+                <a16:creationId xmlns:a16="http://schemas.microsoft.com/office/drawing/2014/main" id="{D5C7FCB8-7573-447B-9D7D-1849B331DB21}"/>
+              </a:ext>
+            </a:extLst>
+          </p:cNvPr>
+          <p:cNvSpPr/>
+          <p:nvPr/>
+        </p:nvSpPr>
+        <p:spPr>
+          <a:xfrm>
+            <a:off x="2417273" y="5443483"/>
+            <a:ext cx="7270686" cy="371778"/>
+          </a:xfrm>
+          <a:prstGeom prst="roundRect">
+            <a:avLst>
+              <a:gd name="adj" fmla="val 50000"/>
+            </a:avLst>
+          </a:prstGeom>
+          <a:solidFill>
+            <a:schemeClr val="accent6">
+              <a:lumMod val="40000"/>
+              <a:lumOff val="60000"/>
+            </a:schemeClr>
+          </a:solidFill>
+          <a:ln w="12700" cap="flat" cmpd="sng" algn="ctr">
+            <a:solidFill>
+              <a:sysClr val="windowText" lastClr="000000"/>
+            </a:solidFill>
+            <a:prstDash val="solid"/>
+            <a:miter lim="800000"/>
+          </a:ln>
+          <a:effectLst/>
+        </p:spPr>
+        <p:txBody>
+          <a:bodyPr wrap="none" rtlCol="0" anchor="ctr"/>
+          <a:lstStyle/>
+          <a:p>
+            <a:pPr marL="0" marR="0" lvl="0" indent="0" algn="ctr" defTabSz="457200" rtl="0" eaLnBrk="1" fontAlgn="auto" latinLnBrk="0" hangingPunct="1">
+              <a:lnSpc>
+                <a:spcPct val="100000"/>
+              </a:lnSpc>
+              <a:spcBef>
+                <a:spcPts val="0"/>
+              </a:spcBef>
+              <a:spcAft>
+                <a:spcPts val="0"/>
+              </a:spcAft>
+              <a:buClrTx/>
+              <a:buSzTx/>
+              <a:buFontTx/>
+              <a:buNone/>
+              <a:tabLst/>
+              <a:defRPr/>
+            </a:pPr>
+            <a:r>
+              <a:rPr kumimoji="0" lang="en-US" sz="2000" b="0" i="0" u="none" strike="noStrike" kern="0" cap="none" spc="0" normalizeH="0" baseline="0" noProof="0">
+                <a:ln>
+                  <a:noFill/>
+                </a:ln>
+                <a:solidFill>
+                  <a:prstClr val="black"/>
+                </a:solidFill>
+                <a:effectLst/>
+                <a:uLnTx/>
+                <a:uFillTx/>
+                <a:latin typeface="Arial" panose="020B0604020202020204" pitchFamily="34" charset="0"/>
+                <a:ea typeface="+mn-ea"/>
+                <a:cs typeface="+mn-cs"/>
+              </a:rPr>
+              <a:t>OpenML datasets</a:t>
+            </a:r>
+          </a:p>
+        </p:txBody>
+      </p:sp>
+      <p:sp>
+        <p:nvSpPr>
+          <p:cNvPr id="12" name="Rectangle: Rounded Corners 11">
+            <a:extLst>
+              <a:ext uri="{FF2B5EF4-FFF2-40B4-BE49-F238E27FC236}">
+                <a16:creationId xmlns:a16="http://schemas.microsoft.com/office/drawing/2014/main" id="{DCDD9689-9699-48FB-8372-8DC498154083}"/>
+              </a:ext>
+            </a:extLst>
+          </p:cNvPr>
+          <p:cNvSpPr/>
+          <p:nvPr/>
+        </p:nvSpPr>
+        <p:spPr>
+          <a:xfrm>
+            <a:off x="4653478" y="4336929"/>
+            <a:ext cx="2598347" cy="460333"/>
+          </a:xfrm>
+          <a:prstGeom prst="roundRect">
+            <a:avLst>
+              <a:gd name="adj" fmla="val 50000"/>
+            </a:avLst>
+          </a:prstGeom>
+          <a:solidFill>
+            <a:schemeClr val="accent6">
+              <a:lumMod val="40000"/>
+              <a:lumOff val="60000"/>
+            </a:schemeClr>
+          </a:solidFill>
+          <a:ln w="12700" cap="flat" cmpd="sng" algn="ctr">
+            <a:solidFill>
+              <a:sysClr val="windowText" lastClr="000000"/>
+            </a:solidFill>
+            <a:prstDash val="solid"/>
+            <a:miter lim="800000"/>
+          </a:ln>
+          <a:effectLst/>
+        </p:spPr>
+        <p:txBody>
+          <a:bodyPr wrap="none" rtlCol="0" anchor="ctr"/>
+          <a:lstStyle/>
+          <a:p>
+            <a:pPr marL="0" marR="0" lvl="0" indent="0" defTabSz="457200" rtl="0" eaLnBrk="1" fontAlgn="auto" latinLnBrk="0" hangingPunct="1">
+              <a:lnSpc>
+                <a:spcPct val="100000"/>
+              </a:lnSpc>
+              <a:spcBef>
+                <a:spcPts val="0"/>
+              </a:spcBef>
+              <a:spcAft>
+                <a:spcPts val="0"/>
+              </a:spcAft>
+              <a:buClrTx/>
+              <a:buSzTx/>
+              <a:buFontTx/>
+              <a:buNone/>
+              <a:tabLst/>
+              <a:defRPr/>
+            </a:pPr>
+            <a:r>
+              <a:rPr kumimoji="0" lang="en-US" sz="2000" b="0" i="0" u="none" strike="noStrike" kern="0" cap="none" spc="0" normalizeH="0" baseline="0" noProof="0">
+                <a:ln>
+                  <a:noFill/>
+                </a:ln>
+                <a:solidFill>
+                  <a:prstClr val="black"/>
+                </a:solidFill>
+                <a:effectLst/>
+                <a:uLnTx/>
+                <a:uFillTx/>
+                <a:latin typeface="Arial" panose="020B0604020202020204" pitchFamily="34" charset="0"/>
+                <a:ea typeface="+mn-ea"/>
+                <a:cs typeface="+mn-cs"/>
+              </a:rPr>
+              <a:t>pandas</a:t>
+            </a:r>
+          </a:p>
+        </p:txBody>
+      </p:sp>
+      <p:sp>
+        <p:nvSpPr>
+          <p:cNvPr id="13" name="Rectangle: Rounded Corners 12">
+            <a:extLst>
+              <a:ext uri="{FF2B5EF4-FFF2-40B4-BE49-F238E27FC236}">
+                <a16:creationId xmlns:a16="http://schemas.microsoft.com/office/drawing/2014/main" id="{A43CFD9D-6485-410A-87C6-6E8491A74666}"/>
+              </a:ext>
+            </a:extLst>
+          </p:cNvPr>
+          <p:cNvSpPr/>
+          <p:nvPr/>
+        </p:nvSpPr>
+        <p:spPr>
+          <a:xfrm>
+            <a:off x="5768550" y="4382063"/>
+            <a:ext cx="1312014" cy="381417"/>
+          </a:xfrm>
+          <a:prstGeom prst="roundRect">
+            <a:avLst/>
+          </a:prstGeom>
+          <a:solidFill>
+            <a:schemeClr val="accent6">
+              <a:lumMod val="20000"/>
+              <a:lumOff val="80000"/>
+            </a:schemeClr>
+          </a:solidFill>
+          <a:ln w="12700" cap="flat" cmpd="sng" algn="ctr">
+            <a:solidFill>
+              <a:sysClr val="windowText" lastClr="000000"/>
+            </a:solidFill>
+            <a:prstDash val="solid"/>
+            <a:miter lim="800000"/>
+          </a:ln>
+          <a:effectLst/>
+        </p:spPr>
+        <p:txBody>
+          <a:bodyPr wrap="none" rtlCol="0" anchor="ctr"/>
+          <a:lstStyle/>
+          <a:p>
+            <a:pPr marL="0" marR="0" lvl="0" indent="0" algn="ctr" defTabSz="457200" rtl="0" eaLnBrk="1" fontAlgn="auto" latinLnBrk="0" hangingPunct="1">
+              <a:lnSpc>
+                <a:spcPct val="100000"/>
+              </a:lnSpc>
+              <a:spcBef>
+                <a:spcPts val="0"/>
+              </a:spcBef>
+              <a:spcAft>
+                <a:spcPts val="0"/>
+              </a:spcAft>
+              <a:buClrTx/>
+              <a:buSzTx/>
+              <a:buFontTx/>
+              <a:buNone/>
+              <a:tabLst/>
+              <a:defRPr/>
+            </a:pPr>
+            <a:r>
+              <a:rPr lang="en-US" sz="2000" kern="0">
+                <a:solidFill>
+                  <a:prstClr val="black"/>
+                </a:solidFill>
+                <a:latin typeface="Arial" panose="020B0604020202020204" pitchFamily="34" charset="0"/>
+              </a:rPr>
+              <a:t>Dataframe</a:t>
+            </a:r>
+            <a:endParaRPr kumimoji="0" lang="en-US" sz="2000" b="0" i="0" u="none" strike="noStrike" kern="0" cap="none" spc="0" normalizeH="0" baseline="0" noProof="0">
+              <a:ln>
+                <a:noFill/>
+              </a:ln>
+              <a:solidFill>
+                <a:prstClr val="black"/>
+              </a:solidFill>
+              <a:effectLst/>
+              <a:uLnTx/>
+              <a:uFillTx/>
+              <a:latin typeface="Arial" panose="020B0604020202020204" pitchFamily="34" charset="0"/>
+              <a:ea typeface="+mn-ea"/>
+              <a:cs typeface="+mn-cs"/>
+            </a:endParaRPr>
+          </a:p>
+        </p:txBody>
+      </p:sp>
+      <p:sp>
+        <p:nvSpPr>
+          <p:cNvPr id="14" name="Rectangle: Rounded Corners 13">
+            <a:extLst>
+              <a:ext uri="{FF2B5EF4-FFF2-40B4-BE49-F238E27FC236}">
+                <a16:creationId xmlns:a16="http://schemas.microsoft.com/office/drawing/2014/main" id="{3082E451-0676-415F-BDAC-4AAF28E6FF44}"/>
+              </a:ext>
+            </a:extLst>
+          </p:cNvPr>
+          <p:cNvSpPr/>
+          <p:nvPr/>
+        </p:nvSpPr>
+        <p:spPr>
+          <a:xfrm>
+            <a:off x="2417273" y="2775937"/>
+            <a:ext cx="3527116" cy="1460326"/>
+          </a:xfrm>
+          <a:prstGeom prst="roundRect">
+            <a:avLst/>
+          </a:prstGeom>
+          <a:solidFill>
+            <a:schemeClr val="accent6">
+              <a:lumMod val="40000"/>
+              <a:lumOff val="60000"/>
+            </a:schemeClr>
+          </a:solidFill>
+          <a:ln w="12700" cap="flat" cmpd="sng" algn="ctr">
+            <a:solidFill>
+              <a:sysClr val="windowText" lastClr="000000"/>
+            </a:solidFill>
+            <a:prstDash val="solid"/>
+            <a:miter lim="800000"/>
+          </a:ln>
+          <a:effectLst/>
+        </p:spPr>
+        <p:txBody>
+          <a:bodyPr wrap="none" rtlCol="0" anchor="ctr"/>
+          <a:lstStyle/>
+          <a:p>
+            <a:pPr marL="0" marR="0" lvl="0" indent="0" defTabSz="457200" rtl="0" eaLnBrk="1" fontAlgn="auto" latinLnBrk="0" hangingPunct="1">
+              <a:lnSpc>
+                <a:spcPct val="100000"/>
+              </a:lnSpc>
+              <a:spcBef>
+                <a:spcPts val="0"/>
+              </a:spcBef>
+              <a:spcAft>
+                <a:spcPts val="0"/>
+              </a:spcAft>
+              <a:buClrTx/>
+              <a:buSzTx/>
+              <a:buFontTx/>
+              <a:buNone/>
+              <a:tabLst/>
+              <a:defRPr/>
+            </a:pPr>
+            <a:r>
+              <a:rPr kumimoji="0" lang="en-US" sz="2000" b="0" i="0" u="none" strike="noStrike" kern="0" cap="none" spc="0" normalizeH="0" baseline="0" noProof="0">
+                <a:ln>
+                  <a:noFill/>
+                </a:ln>
+                <a:solidFill>
+                  <a:prstClr val="black"/>
+                </a:solidFill>
+                <a:effectLst/>
+                <a:uLnTx/>
+                <a:uFillTx/>
+                <a:latin typeface="Arial" panose="020B0604020202020204" pitchFamily="34" charset="0"/>
+                <a:ea typeface="+mn-ea"/>
+                <a:cs typeface="+mn-cs"/>
+              </a:rPr>
+              <a:t>scikit-learn</a:t>
+            </a:r>
+          </a:p>
+        </p:txBody>
+      </p:sp>
+      <p:sp>
+        <p:nvSpPr>
+          <p:cNvPr id="16" name="Rectangle: Rounded Corners 15">
+            <a:extLst>
+              <a:ext uri="{FF2B5EF4-FFF2-40B4-BE49-F238E27FC236}">
+                <a16:creationId xmlns:a16="http://schemas.microsoft.com/office/drawing/2014/main" id="{7371B0A9-F4CC-4482-8FB3-4BDB21D0E537}"/>
+              </a:ext>
+            </a:extLst>
+          </p:cNvPr>
+          <p:cNvSpPr/>
+          <p:nvPr/>
+        </p:nvSpPr>
+        <p:spPr>
+          <a:xfrm>
+            <a:off x="4023882" y="2889684"/>
+            <a:ext cx="1710728" cy="381417"/>
+          </a:xfrm>
+          <a:prstGeom prst="roundRect">
+            <a:avLst/>
+          </a:prstGeom>
+          <a:solidFill>
+            <a:schemeClr val="accent6">
+              <a:lumMod val="20000"/>
+              <a:lumOff val="80000"/>
+            </a:schemeClr>
+          </a:solidFill>
+          <a:ln w="12700" cap="flat" cmpd="sng" algn="ctr">
+            <a:solidFill>
+              <a:sysClr val="windowText" lastClr="000000"/>
+            </a:solidFill>
+            <a:prstDash val="solid"/>
+            <a:miter lim="800000"/>
+          </a:ln>
+          <a:effectLst/>
+        </p:spPr>
+        <p:txBody>
+          <a:bodyPr wrap="none" rtlCol="0" anchor="ctr"/>
+          <a:lstStyle/>
+          <a:p>
+            <a:pPr marL="0" marR="0" lvl="0" indent="0" algn="ctr" defTabSz="457200" rtl="0" eaLnBrk="1" fontAlgn="auto" latinLnBrk="0" hangingPunct="1">
+              <a:lnSpc>
+                <a:spcPct val="100000"/>
+              </a:lnSpc>
+              <a:spcBef>
+                <a:spcPts val="0"/>
+              </a:spcBef>
+              <a:spcAft>
+                <a:spcPts val="0"/>
+              </a:spcAft>
+              <a:buClrTx/>
+              <a:buSzTx/>
+              <a:buFontTx/>
+              <a:buNone/>
+              <a:tabLst/>
+              <a:defRPr/>
+            </a:pPr>
+            <a:r>
+              <a:rPr kumimoji="0" lang="en-US" sz="2000" b="0" i="0" u="none" strike="noStrike" kern="0" cap="none" spc="0" normalizeH="0" baseline="0" noProof="0">
+                <a:ln>
+                  <a:noFill/>
+                </a:ln>
+                <a:solidFill>
+                  <a:prstClr val="black"/>
+                </a:solidFill>
+                <a:effectLst/>
+                <a:uLnTx/>
+                <a:uFillTx/>
+                <a:latin typeface="Arial" panose="020B0604020202020204" pitchFamily="34" charset="0"/>
+                <a:ea typeface="+mn-ea"/>
+                <a:cs typeface="+mn-cs"/>
+              </a:rPr>
+              <a:t>GridSearchCV</a:t>
+            </a:r>
+          </a:p>
+        </p:txBody>
+      </p:sp>
+      <p:sp>
+        <p:nvSpPr>
+          <p:cNvPr id="17" name="Rectangle: Rounded Corners 16">
+            <a:extLst>
+              <a:ext uri="{FF2B5EF4-FFF2-40B4-BE49-F238E27FC236}">
+                <a16:creationId xmlns:a16="http://schemas.microsoft.com/office/drawing/2014/main" id="{683204C6-D6C4-4726-86D9-3E1AF4B4F476}"/>
+              </a:ext>
+            </a:extLst>
+          </p:cNvPr>
+          <p:cNvSpPr/>
+          <p:nvPr/>
+        </p:nvSpPr>
+        <p:spPr>
+          <a:xfrm>
+            <a:off x="4537278" y="3313694"/>
+            <a:ext cx="1197331" cy="381417"/>
+          </a:xfrm>
+          <a:prstGeom prst="roundRect">
+            <a:avLst/>
+          </a:prstGeom>
+          <a:solidFill>
+            <a:schemeClr val="accent6">
+              <a:lumMod val="20000"/>
+              <a:lumOff val="80000"/>
+            </a:schemeClr>
+          </a:solidFill>
+          <a:ln w="12700" cap="flat" cmpd="sng" algn="ctr">
+            <a:solidFill>
+              <a:sysClr val="windowText" lastClr="000000"/>
+            </a:solidFill>
+            <a:prstDash val="solid"/>
+            <a:miter lim="800000"/>
+          </a:ln>
+          <a:effectLst/>
+        </p:spPr>
+        <p:txBody>
+          <a:bodyPr wrap="none" rtlCol="0" anchor="ctr"/>
+          <a:lstStyle/>
+          <a:p>
+            <a:pPr marL="0" marR="0" lvl="0" indent="0" algn="ctr" defTabSz="457200" rtl="0" eaLnBrk="1" fontAlgn="auto" latinLnBrk="0" hangingPunct="1">
+              <a:lnSpc>
+                <a:spcPct val="100000"/>
+              </a:lnSpc>
+              <a:spcBef>
+                <a:spcPts val="0"/>
+              </a:spcBef>
+              <a:spcAft>
+                <a:spcPts val="0"/>
+              </a:spcAft>
+              <a:buClrTx/>
+              <a:buSzTx/>
+              <a:buFontTx/>
+              <a:buNone/>
+              <a:tabLst/>
+              <a:defRPr/>
+            </a:pPr>
+            <a:r>
+              <a:rPr kumimoji="0" lang="en-US" sz="2000" b="0" i="0" u="none" strike="noStrike" kern="0" cap="none" spc="0" normalizeH="0" baseline="0" noProof="0">
+                <a:ln>
+                  <a:noFill/>
+                </a:ln>
+                <a:solidFill>
+                  <a:prstClr val="black"/>
+                </a:solidFill>
+                <a:effectLst/>
+                <a:uLnTx/>
+                <a:uFillTx/>
+                <a:latin typeface="Arial" panose="020B0604020202020204" pitchFamily="34" charset="0"/>
+                <a:ea typeface="+mn-ea"/>
+                <a:cs typeface="+mn-cs"/>
+              </a:rPr>
+              <a:t>metrics</a:t>
+            </a:r>
+          </a:p>
+        </p:txBody>
+      </p:sp>
+      <p:sp>
+        <p:nvSpPr>
+          <p:cNvPr id="18" name="Rectangle: Rounded Corners 17">
+            <a:extLst>
+              <a:ext uri="{FF2B5EF4-FFF2-40B4-BE49-F238E27FC236}">
+                <a16:creationId xmlns:a16="http://schemas.microsoft.com/office/drawing/2014/main" id="{B195165D-867C-4F9D-99A5-BA4C6C81CE09}"/>
+              </a:ext>
+            </a:extLst>
+          </p:cNvPr>
+          <p:cNvSpPr/>
+          <p:nvPr/>
+        </p:nvSpPr>
+        <p:spPr>
+          <a:xfrm>
+            <a:off x="3276575" y="3756835"/>
+            <a:ext cx="1195058" cy="381417"/>
+          </a:xfrm>
+          <a:prstGeom prst="roundRect">
+            <a:avLst/>
+          </a:prstGeom>
+          <a:solidFill>
+            <a:schemeClr val="accent6">
+              <a:lumMod val="20000"/>
+              <a:lumOff val="80000"/>
+            </a:schemeClr>
+          </a:solidFill>
+          <a:ln w="12700" cap="flat" cmpd="sng" algn="ctr">
+            <a:solidFill>
+              <a:sysClr val="windowText" lastClr="000000"/>
+            </a:solidFill>
+            <a:prstDash val="solid"/>
+            <a:miter lim="800000"/>
+          </a:ln>
+          <a:effectLst/>
+        </p:spPr>
+        <p:txBody>
+          <a:bodyPr wrap="none" rtlCol="0" anchor="ctr"/>
+          <a:lstStyle/>
+          <a:p>
+            <a:pPr marL="0" marR="0" lvl="0" indent="0" algn="ctr" defTabSz="457200" rtl="0" eaLnBrk="1" fontAlgn="auto" latinLnBrk="0" hangingPunct="1">
+              <a:lnSpc>
+                <a:spcPct val="100000"/>
+              </a:lnSpc>
+              <a:spcBef>
+                <a:spcPts val="0"/>
+              </a:spcBef>
+              <a:spcAft>
+                <a:spcPts val="0"/>
+              </a:spcAft>
+              <a:buClrTx/>
+              <a:buSzTx/>
+              <a:buFontTx/>
+              <a:buNone/>
+              <a:tabLst/>
+              <a:defRPr/>
+            </a:pPr>
+            <a:r>
+              <a:rPr kumimoji="0" lang="en-US" sz="2000" b="0" i="0" u="none" strike="noStrike" kern="0" cap="none" spc="0" normalizeH="0" baseline="0" noProof="0">
+                <a:ln>
+                  <a:noFill/>
+                </a:ln>
+                <a:solidFill>
+                  <a:prstClr val="black"/>
+                </a:solidFill>
+                <a:effectLst/>
+                <a:uLnTx/>
+                <a:uFillTx/>
+                <a:latin typeface="Arial" panose="020B0604020202020204" pitchFamily="34" charset="0"/>
+                <a:ea typeface="+mn-ea"/>
+                <a:cs typeface="+mn-cs"/>
+              </a:rPr>
+              <a:t>operators</a:t>
+            </a:r>
+          </a:p>
+        </p:txBody>
+      </p:sp>
+      <p:sp>
+        <p:nvSpPr>
+          <p:cNvPr id="19" name="Rectangle: Rounded Corners 18">
+            <a:extLst>
+              <a:ext uri="{FF2B5EF4-FFF2-40B4-BE49-F238E27FC236}">
+                <a16:creationId xmlns:a16="http://schemas.microsoft.com/office/drawing/2014/main" id="{AFA6EF95-EC62-4B19-B647-72A0BABD15F3}"/>
+              </a:ext>
+            </a:extLst>
+          </p:cNvPr>
+          <p:cNvSpPr/>
+          <p:nvPr/>
+        </p:nvSpPr>
+        <p:spPr>
+          <a:xfrm>
+            <a:off x="4537279" y="3755145"/>
+            <a:ext cx="1195058" cy="381417"/>
+          </a:xfrm>
+          <a:prstGeom prst="roundRect">
+            <a:avLst/>
+          </a:prstGeom>
+          <a:solidFill>
+            <a:schemeClr val="accent6">
+              <a:lumMod val="20000"/>
+              <a:lumOff val="80000"/>
+            </a:schemeClr>
+          </a:solidFill>
+          <a:ln w="12700" cap="flat" cmpd="sng" algn="ctr">
+            <a:solidFill>
+              <a:sysClr val="windowText" lastClr="000000"/>
+            </a:solidFill>
+            <a:prstDash val="solid"/>
+            <a:miter lim="800000"/>
+          </a:ln>
+          <a:effectLst/>
+        </p:spPr>
+        <p:txBody>
+          <a:bodyPr wrap="none" rtlCol="0" anchor="ctr"/>
+          <a:lstStyle/>
+          <a:p>
+            <a:pPr marL="0" marR="0" lvl="0" indent="0" algn="ctr" defTabSz="457200" rtl="0" eaLnBrk="1" fontAlgn="auto" latinLnBrk="0" hangingPunct="1">
+              <a:lnSpc>
+                <a:spcPct val="100000"/>
+              </a:lnSpc>
+              <a:spcBef>
+                <a:spcPts val="0"/>
+              </a:spcBef>
+              <a:spcAft>
+                <a:spcPts val="0"/>
+              </a:spcAft>
+              <a:buClrTx/>
+              <a:buSzTx/>
+              <a:buFontTx/>
+              <a:buNone/>
+              <a:tabLst/>
+              <a:defRPr/>
+            </a:pPr>
+            <a:r>
+              <a:rPr kumimoji="0" lang="en-US" sz="2000" b="0" i="0" u="none" strike="noStrike" kern="0" cap="none" spc="0" normalizeH="0" baseline="0" noProof="0">
+                <a:ln>
+                  <a:noFill/>
+                </a:ln>
+                <a:solidFill>
+                  <a:prstClr val="black"/>
+                </a:solidFill>
+                <a:effectLst/>
+                <a:uLnTx/>
+                <a:uFillTx/>
+                <a:latin typeface="Arial" panose="020B0604020202020204" pitchFamily="34" charset="0"/>
+                <a:ea typeface="+mn-ea"/>
+                <a:cs typeface="+mn-cs"/>
+              </a:rPr>
+              <a:t>pipelines</a:t>
+            </a:r>
+          </a:p>
+        </p:txBody>
+      </p:sp>
+      <p:sp>
+        <p:nvSpPr>
+          <p:cNvPr id="22" name="Rectangle: Rounded Corners 21">
+            <a:extLst>
+              <a:ext uri="{FF2B5EF4-FFF2-40B4-BE49-F238E27FC236}">
+                <a16:creationId xmlns:a16="http://schemas.microsoft.com/office/drawing/2014/main" id="{27BC26BD-DF90-4BEE-AB34-DB1721F300AF}"/>
+              </a:ext>
+            </a:extLst>
+          </p:cNvPr>
+          <p:cNvSpPr/>
+          <p:nvPr/>
+        </p:nvSpPr>
+        <p:spPr>
+          <a:xfrm>
+            <a:off x="2417272" y="2226738"/>
+            <a:ext cx="7270686" cy="460333"/>
+          </a:xfrm>
+          <a:prstGeom prst="roundRect">
+            <a:avLst>
+              <a:gd name="adj" fmla="val 50000"/>
+            </a:avLst>
+          </a:prstGeom>
+          <a:solidFill>
+            <a:schemeClr val="accent5">
+              <a:lumMod val="40000"/>
+              <a:lumOff val="60000"/>
+            </a:schemeClr>
+          </a:solidFill>
+          <a:ln w="12700" cap="flat" cmpd="sng" algn="ctr">
+            <a:solidFill>
+              <a:sysClr val="windowText" lastClr="000000"/>
+            </a:solidFill>
+            <a:prstDash val="solid"/>
+            <a:miter lim="800000"/>
+          </a:ln>
+          <a:effectLst/>
+        </p:spPr>
+        <p:txBody>
+          <a:bodyPr wrap="none" rtlCol="0" anchor="ctr"/>
+          <a:lstStyle/>
+          <a:p>
+            <a:pPr defTabSz="457200">
+              <a:defRPr/>
+            </a:pPr>
+            <a:r>
+              <a:rPr lang="en-US" sz="2000" kern="0" cap="small">
+                <a:solidFill>
+                  <a:prstClr val="black"/>
+                </a:solidFill>
+                <a:latin typeface="Arial" panose="020B0604020202020204" pitchFamily="34" charset="0"/>
+              </a:rPr>
+              <a:t>Lale</a:t>
+            </a:r>
+          </a:p>
+        </p:txBody>
+      </p:sp>
+      <p:sp>
+        <p:nvSpPr>
+          <p:cNvPr id="23" name="Rectangle: Rounded Corners 22">
+            <a:extLst>
+              <a:ext uri="{FF2B5EF4-FFF2-40B4-BE49-F238E27FC236}">
+                <a16:creationId xmlns:a16="http://schemas.microsoft.com/office/drawing/2014/main" id="{8377A616-822D-4734-88F5-43C8984105D0}"/>
+              </a:ext>
+            </a:extLst>
+          </p:cNvPr>
+          <p:cNvSpPr/>
+          <p:nvPr/>
+        </p:nvSpPr>
+        <p:spPr>
+          <a:xfrm>
+            <a:off x="4353938" y="2267168"/>
+            <a:ext cx="2194560" cy="381417"/>
+          </a:xfrm>
+          <a:prstGeom prst="roundRect">
+            <a:avLst/>
+          </a:prstGeom>
+          <a:solidFill>
+            <a:schemeClr val="accent5">
+              <a:lumMod val="20000"/>
+              <a:lumOff val="80000"/>
+            </a:schemeClr>
+          </a:solidFill>
+          <a:ln w="12700" cap="flat" cmpd="sng" algn="ctr">
+            <a:solidFill>
+              <a:sysClr val="windowText" lastClr="000000"/>
+            </a:solidFill>
+            <a:prstDash val="solid"/>
+            <a:miter lim="800000"/>
+          </a:ln>
+          <a:effectLst/>
+        </p:spPr>
+        <p:txBody>
+          <a:bodyPr wrap="none" rtlCol="0" anchor="ctr"/>
+          <a:lstStyle/>
+          <a:p>
+            <a:pPr marL="0" marR="0" lvl="0" indent="0" algn="ctr" defTabSz="457200" rtl="0" eaLnBrk="1" fontAlgn="auto" latinLnBrk="0" hangingPunct="1">
+              <a:lnSpc>
+                <a:spcPct val="100000"/>
+              </a:lnSpc>
+              <a:spcBef>
+                <a:spcPts val="0"/>
+              </a:spcBef>
+              <a:spcAft>
+                <a:spcPts val="0"/>
+              </a:spcAft>
+              <a:buClrTx/>
+              <a:buSzTx/>
+              <a:buFontTx/>
+              <a:buNone/>
+              <a:tabLst/>
+              <a:defRPr/>
+            </a:pPr>
+            <a:r>
+              <a:rPr kumimoji="0" lang="en-US" sz="2000" b="0" i="0" u="none" strike="noStrike" kern="0" cap="none" spc="0" normalizeH="0" baseline="0" noProof="0">
+                <a:ln>
+                  <a:noFill/>
+                </a:ln>
+                <a:solidFill>
+                  <a:prstClr val="black"/>
+                </a:solidFill>
+                <a:effectLst/>
+                <a:uLnTx/>
+                <a:uFillTx/>
+                <a:latin typeface="Arial" panose="020B0604020202020204" pitchFamily="34" charset="0"/>
+                <a:ea typeface="+mn-ea"/>
+                <a:cs typeface="+mn-cs"/>
+              </a:rPr>
+              <a:t>operator schemas</a:t>
+            </a:r>
+          </a:p>
+        </p:txBody>
+      </p:sp>
+      <p:sp>
+        <p:nvSpPr>
+          <p:cNvPr id="24" name="Rectangle: Rounded Corners 23">
+            <a:extLst>
+              <a:ext uri="{FF2B5EF4-FFF2-40B4-BE49-F238E27FC236}">
+                <a16:creationId xmlns:a16="http://schemas.microsoft.com/office/drawing/2014/main" id="{69E7B52B-9A22-4A19-9934-F63E49B3406C}"/>
+              </a:ext>
+            </a:extLst>
+          </p:cNvPr>
+          <p:cNvSpPr/>
+          <p:nvPr/>
+        </p:nvSpPr>
+        <p:spPr>
+          <a:xfrm>
+            <a:off x="6618083" y="2267168"/>
+            <a:ext cx="2926080" cy="381417"/>
+          </a:xfrm>
+          <a:prstGeom prst="roundRect">
+            <a:avLst/>
+          </a:prstGeom>
+          <a:solidFill>
+            <a:schemeClr val="accent5">
+              <a:lumMod val="20000"/>
+              <a:lumOff val="80000"/>
+            </a:schemeClr>
+          </a:solidFill>
+          <a:ln w="12700" cap="flat" cmpd="sng" algn="ctr">
+            <a:solidFill>
+              <a:sysClr val="windowText" lastClr="000000"/>
+            </a:solidFill>
+            <a:prstDash val="solid"/>
+            <a:miter lim="800000"/>
+          </a:ln>
+          <a:effectLst/>
+        </p:spPr>
+        <p:txBody>
+          <a:bodyPr wrap="none" rtlCol="0" anchor="ctr"/>
+          <a:lstStyle/>
+          <a:p>
+            <a:pPr marL="0" marR="0" lvl="0" indent="0" algn="ctr" defTabSz="457200" rtl="0" eaLnBrk="1" fontAlgn="auto" latinLnBrk="0" hangingPunct="1">
+              <a:lnSpc>
+                <a:spcPct val="100000"/>
+              </a:lnSpc>
+              <a:spcBef>
+                <a:spcPts val="0"/>
+              </a:spcBef>
+              <a:spcAft>
+                <a:spcPts val="0"/>
+              </a:spcAft>
+              <a:buClrTx/>
+              <a:buSzTx/>
+              <a:buFontTx/>
+              <a:buNone/>
+              <a:tabLst/>
+              <a:defRPr/>
+            </a:pPr>
+            <a:r>
+              <a:rPr kumimoji="0" lang="en-US" sz="2000" b="0" i="0" u="none" strike="noStrike" kern="0" cap="none" spc="0" normalizeH="0" baseline="0" noProof="0">
+                <a:ln>
+                  <a:noFill/>
+                </a:ln>
+                <a:solidFill>
+                  <a:prstClr val="black"/>
+                </a:solidFill>
+                <a:effectLst/>
+                <a:uLnTx/>
+                <a:uFillTx/>
+                <a:latin typeface="Arial" panose="020B0604020202020204" pitchFamily="34" charset="0"/>
+                <a:ea typeface="+mn-ea"/>
+                <a:cs typeface="+mn-cs"/>
+              </a:rPr>
+              <a:t>search space generators</a:t>
+            </a:r>
+          </a:p>
+        </p:txBody>
+      </p:sp>
+      <p:sp>
+        <p:nvSpPr>
+          <p:cNvPr id="26" name="Rectangle: Rounded Corners 25">
+            <a:extLst>
+              <a:ext uri="{FF2B5EF4-FFF2-40B4-BE49-F238E27FC236}">
+                <a16:creationId xmlns:a16="http://schemas.microsoft.com/office/drawing/2014/main" id="{9B731938-0BA5-4D5B-8FE4-977D795039A3}"/>
+              </a:ext>
+            </a:extLst>
+          </p:cNvPr>
+          <p:cNvSpPr/>
+          <p:nvPr/>
+        </p:nvSpPr>
+        <p:spPr>
+          <a:xfrm>
+            <a:off x="6052615" y="2784093"/>
+            <a:ext cx="1490057" cy="1460326"/>
+          </a:xfrm>
+          <a:prstGeom prst="roundRect">
+            <a:avLst/>
+          </a:prstGeom>
+          <a:solidFill>
+            <a:schemeClr val="accent6">
+              <a:lumMod val="40000"/>
+              <a:lumOff val="60000"/>
+            </a:schemeClr>
+          </a:solidFill>
+          <a:ln w="12700" cap="flat" cmpd="sng" algn="ctr">
+            <a:solidFill>
+              <a:sysClr val="windowText" lastClr="000000"/>
+            </a:solidFill>
+            <a:prstDash val="solid"/>
+            <a:miter lim="800000"/>
+          </a:ln>
+          <a:effectLst/>
+        </p:spPr>
+        <p:txBody>
+          <a:bodyPr wrap="none" rtlCol="0" anchor="ctr"/>
+          <a:lstStyle/>
+          <a:p>
+            <a:pPr marL="0" marR="0" lvl="0" indent="0" algn="ctr" defTabSz="457200" rtl="0" eaLnBrk="1" fontAlgn="auto" latinLnBrk="0" hangingPunct="1">
+              <a:lnSpc>
+                <a:spcPct val="100000"/>
+              </a:lnSpc>
+              <a:spcBef>
+                <a:spcPts val="0"/>
+              </a:spcBef>
+              <a:spcAft>
+                <a:spcPts val="0"/>
+              </a:spcAft>
+              <a:buClrTx/>
+              <a:buSzTx/>
+              <a:buFontTx/>
+              <a:buNone/>
+              <a:tabLst/>
+              <a:defRPr/>
+            </a:pPr>
+            <a:r>
+              <a:rPr kumimoji="0" lang="en-US" sz="2000" b="0" i="0" u="none" strike="noStrike" kern="0" cap="none" spc="0" normalizeH="0" baseline="0" noProof="0">
+                <a:ln>
+                  <a:noFill/>
+                </a:ln>
+                <a:solidFill>
+                  <a:prstClr val="black"/>
+                </a:solidFill>
+                <a:effectLst/>
+                <a:uLnTx/>
+                <a:uFillTx/>
+                <a:latin typeface="Arial" panose="020B0604020202020204" pitchFamily="34" charset="0"/>
+                <a:ea typeface="+mn-ea"/>
+                <a:cs typeface="+mn-cs"/>
+              </a:rPr>
+              <a:t>other</a:t>
+            </a:r>
+            <a:br>
+              <a:rPr kumimoji="0" lang="en-US" sz="2000" b="0" i="0" u="none" strike="noStrike" kern="0" cap="none" spc="0" normalizeH="0" baseline="0" noProof="0">
+                <a:ln>
+                  <a:noFill/>
+                </a:ln>
+                <a:solidFill>
+                  <a:prstClr val="black"/>
+                </a:solidFill>
+                <a:effectLst/>
+                <a:uLnTx/>
+                <a:uFillTx/>
+                <a:latin typeface="Arial" panose="020B0604020202020204" pitchFamily="34" charset="0"/>
+                <a:ea typeface="+mn-ea"/>
+                <a:cs typeface="+mn-cs"/>
+              </a:rPr>
+            </a:br>
+            <a:r>
+              <a:rPr kumimoji="0" lang="en-US" sz="2000" b="0" i="0" u="none" strike="noStrike" kern="0" cap="none" spc="0" normalizeH="0" baseline="0" noProof="0">
+                <a:ln>
+                  <a:noFill/>
+                </a:ln>
+                <a:solidFill>
+                  <a:prstClr val="black"/>
+                </a:solidFill>
+                <a:effectLst/>
+                <a:uLnTx/>
+                <a:uFillTx/>
+                <a:latin typeface="Arial" panose="020B0604020202020204" pitchFamily="34" charset="0"/>
+                <a:ea typeface="+mn-ea"/>
+                <a:cs typeface="+mn-cs"/>
+              </a:rPr>
+              <a:t>operators:</a:t>
+            </a:r>
+            <a:br>
+              <a:rPr kumimoji="0" lang="en-US" sz="2000" b="0" i="0" u="none" strike="noStrike" kern="0" cap="none" spc="0" normalizeH="0" baseline="0" noProof="0">
+                <a:ln>
+                  <a:noFill/>
+                </a:ln>
+                <a:solidFill>
+                  <a:prstClr val="black"/>
+                </a:solidFill>
+                <a:effectLst/>
+                <a:uLnTx/>
+                <a:uFillTx/>
+                <a:latin typeface="Arial" panose="020B0604020202020204" pitchFamily="34" charset="0"/>
+                <a:ea typeface="+mn-ea"/>
+                <a:cs typeface="+mn-cs"/>
+              </a:rPr>
+            </a:br>
+            <a:r>
+              <a:rPr kumimoji="0" lang="en-US" sz="2000" b="0" i="0" u="none" strike="noStrike" kern="0" cap="none" spc="0" normalizeH="0" baseline="0" noProof="0">
+                <a:ln>
+                  <a:noFill/>
+                </a:ln>
+                <a:solidFill>
+                  <a:prstClr val="black"/>
+                </a:solidFill>
+                <a:effectLst/>
+                <a:uLnTx/>
+                <a:uFillTx/>
+                <a:latin typeface="Arial" panose="020B0604020202020204" pitchFamily="34" charset="0"/>
+                <a:ea typeface="+mn-ea"/>
+                <a:cs typeface="+mn-cs"/>
+              </a:rPr>
+              <a:t>XGBoost,</a:t>
+            </a:r>
+            <a:br>
+              <a:rPr kumimoji="0" lang="en-US" sz="2000" b="0" i="0" u="none" strike="noStrike" kern="0" cap="none" spc="0" normalizeH="0" baseline="0" noProof="0">
+                <a:ln>
+                  <a:noFill/>
+                </a:ln>
+                <a:solidFill>
+                  <a:prstClr val="black"/>
+                </a:solidFill>
+                <a:effectLst/>
+                <a:uLnTx/>
+                <a:uFillTx/>
+                <a:latin typeface="Arial" panose="020B0604020202020204" pitchFamily="34" charset="0"/>
+                <a:ea typeface="+mn-ea"/>
+                <a:cs typeface="+mn-cs"/>
+              </a:rPr>
+            </a:br>
+            <a:r>
+              <a:rPr kumimoji="0" lang="en-US" sz="2000" b="0" i="0" u="none" strike="noStrike" kern="0" cap="none" spc="0" normalizeH="0" baseline="0" noProof="0">
+                <a:ln>
+                  <a:noFill/>
+                </a:ln>
+                <a:solidFill>
+                  <a:prstClr val="black"/>
+                </a:solidFill>
+                <a:effectLst/>
+                <a:uLnTx/>
+                <a:uFillTx/>
+                <a:latin typeface="Arial" panose="020B0604020202020204" pitchFamily="34" charset="0"/>
+                <a:ea typeface="+mn-ea"/>
+                <a:cs typeface="+mn-cs"/>
+              </a:rPr>
+              <a:t>AIF360, …</a:t>
+            </a:r>
+          </a:p>
+        </p:txBody>
+      </p:sp>
+      <p:sp>
+        <p:nvSpPr>
+          <p:cNvPr id="27" name="Rectangle: Rounded Corners 26">
+            <a:extLst>
+              <a:ext uri="{FF2B5EF4-FFF2-40B4-BE49-F238E27FC236}">
+                <a16:creationId xmlns:a16="http://schemas.microsoft.com/office/drawing/2014/main" id="{8D362589-6494-4756-A3CB-5D8BB93AF245}"/>
+              </a:ext>
+            </a:extLst>
+          </p:cNvPr>
+          <p:cNvSpPr/>
+          <p:nvPr/>
+        </p:nvSpPr>
+        <p:spPr>
+          <a:xfrm>
+            <a:off x="7650898" y="2790933"/>
+            <a:ext cx="2037061" cy="2563683"/>
+          </a:xfrm>
+          <a:prstGeom prst="roundRect">
+            <a:avLst/>
+          </a:prstGeom>
+          <a:solidFill>
+            <a:schemeClr val="accent6">
+              <a:lumMod val="40000"/>
+              <a:lumOff val="60000"/>
+            </a:schemeClr>
+          </a:solidFill>
+          <a:ln w="12700" cap="flat" cmpd="sng" algn="ctr">
+            <a:solidFill>
+              <a:sysClr val="windowText" lastClr="000000"/>
+            </a:solidFill>
+            <a:prstDash val="solid"/>
+            <a:miter lim="800000"/>
+          </a:ln>
+          <a:effectLst/>
+        </p:spPr>
+        <p:txBody>
+          <a:bodyPr wrap="none" rtlCol="0" anchor="ctr"/>
+          <a:lstStyle/>
+          <a:p>
+            <a:pPr marL="0" marR="0" lvl="0" indent="0" algn="ctr" defTabSz="457200" rtl="0" eaLnBrk="1" fontAlgn="auto" latinLnBrk="0" hangingPunct="1">
+              <a:lnSpc>
+                <a:spcPct val="100000"/>
+              </a:lnSpc>
+              <a:spcBef>
+                <a:spcPts val="0"/>
+              </a:spcBef>
+              <a:spcAft>
+                <a:spcPts val="0"/>
+              </a:spcAft>
+              <a:buClrTx/>
+              <a:buSzTx/>
+              <a:buFontTx/>
+              <a:buNone/>
+              <a:tabLst/>
+              <a:defRPr/>
+            </a:pPr>
+            <a:r>
+              <a:rPr kumimoji="0" lang="en-US" sz="2000" b="0" i="0" u="none" strike="noStrike" kern="0" cap="none" spc="0" normalizeH="0" baseline="0" noProof="0">
+                <a:ln>
+                  <a:noFill/>
+                </a:ln>
+                <a:solidFill>
+                  <a:prstClr val="black"/>
+                </a:solidFill>
+                <a:effectLst/>
+                <a:uLnTx/>
+                <a:uFillTx/>
+                <a:latin typeface="Arial" panose="020B0604020202020204" pitchFamily="34" charset="0"/>
+                <a:ea typeface="+mn-ea"/>
+                <a:cs typeface="+mn-cs"/>
+              </a:rPr>
+              <a:t>other</a:t>
+            </a:r>
+            <a:br>
+              <a:rPr kumimoji="0" lang="en-US" sz="2000" b="0" i="0" u="none" strike="noStrike" kern="0" cap="none" spc="0" normalizeH="0" baseline="0" noProof="0">
+                <a:ln>
+                  <a:noFill/>
+                </a:ln>
+                <a:solidFill>
+                  <a:prstClr val="black"/>
+                </a:solidFill>
+                <a:effectLst/>
+                <a:uLnTx/>
+                <a:uFillTx/>
+                <a:latin typeface="Arial" panose="020B0604020202020204" pitchFamily="34" charset="0"/>
+                <a:ea typeface="+mn-ea"/>
+                <a:cs typeface="+mn-cs"/>
+              </a:rPr>
+            </a:br>
+            <a:r>
+              <a:rPr kumimoji="0" lang="en-US" sz="2000" b="0" i="0" u="none" strike="noStrike" kern="0" cap="none" spc="0" normalizeH="0" baseline="0" noProof="0">
+                <a:ln>
+                  <a:noFill/>
+                </a:ln>
+                <a:solidFill>
+                  <a:prstClr val="black"/>
+                </a:solidFill>
+                <a:effectLst/>
+                <a:uLnTx/>
+                <a:uFillTx/>
+                <a:latin typeface="Arial" panose="020B0604020202020204" pitchFamily="34" charset="0"/>
+                <a:ea typeface="+mn-ea"/>
+                <a:cs typeface="+mn-cs"/>
+              </a:rPr>
+              <a:t>optimizers:</a:t>
+            </a:r>
+            <a:br>
+              <a:rPr kumimoji="0" lang="en-US" sz="2000" b="0" i="0" u="none" strike="noStrike" kern="0" cap="none" spc="0" normalizeH="0" baseline="0" noProof="0">
+                <a:ln>
+                  <a:noFill/>
+                </a:ln>
+                <a:solidFill>
+                  <a:prstClr val="black"/>
+                </a:solidFill>
+                <a:effectLst/>
+                <a:uLnTx/>
+                <a:uFillTx/>
+                <a:latin typeface="Arial" panose="020B0604020202020204" pitchFamily="34" charset="0"/>
+                <a:ea typeface="+mn-ea"/>
+                <a:cs typeface="+mn-cs"/>
+              </a:rPr>
+            </a:br>
+            <a:r>
+              <a:rPr kumimoji="0" lang="en-US" sz="2000" b="0" i="0" u="none" strike="noStrike" kern="0" cap="none" spc="0" normalizeH="0" baseline="0" noProof="0">
+                <a:ln>
+                  <a:noFill/>
+                </a:ln>
+                <a:solidFill>
+                  <a:prstClr val="black"/>
+                </a:solidFill>
+                <a:effectLst/>
+                <a:uLnTx/>
+                <a:uFillTx/>
+                <a:latin typeface="Arial" panose="020B0604020202020204" pitchFamily="34" charset="0"/>
+                <a:ea typeface="+mn-ea"/>
+                <a:cs typeface="+mn-cs"/>
+              </a:rPr>
+              <a:t>Hyperopt,</a:t>
+            </a:r>
+            <a:br>
+              <a:rPr kumimoji="0" lang="en-US" sz="2000" b="0" i="0" u="none" strike="noStrike" kern="0" cap="none" spc="0" normalizeH="0" baseline="0" noProof="0">
+                <a:ln>
+                  <a:noFill/>
+                </a:ln>
+                <a:solidFill>
+                  <a:prstClr val="black"/>
+                </a:solidFill>
+                <a:effectLst/>
+                <a:uLnTx/>
+                <a:uFillTx/>
+                <a:latin typeface="Arial" panose="020B0604020202020204" pitchFamily="34" charset="0"/>
+                <a:ea typeface="+mn-ea"/>
+                <a:cs typeface="+mn-cs"/>
+              </a:rPr>
+            </a:br>
+            <a:r>
+              <a:rPr kumimoji="0" lang="en-US" sz="2000" b="0" i="0" u="none" strike="noStrike" kern="0" cap="none" spc="0" normalizeH="0" baseline="0" noProof="0">
+                <a:ln>
+                  <a:noFill/>
+                </a:ln>
+                <a:solidFill>
+                  <a:prstClr val="black"/>
+                </a:solidFill>
+                <a:effectLst/>
+                <a:uLnTx/>
+                <a:uFillTx/>
+                <a:latin typeface="Arial" panose="020B0604020202020204" pitchFamily="34" charset="0"/>
+                <a:ea typeface="+mn-ea"/>
+                <a:cs typeface="+mn-cs"/>
+              </a:rPr>
+              <a:t>SMAC, …</a:t>
+            </a:r>
+          </a:p>
+        </p:txBody>
+      </p:sp>
+      <p:sp>
+        <p:nvSpPr>
+          <p:cNvPr id="21" name="Rectangle: Rounded Corners 20">
+            <a:extLst>
+              <a:ext uri="{FF2B5EF4-FFF2-40B4-BE49-F238E27FC236}">
+                <a16:creationId xmlns:a16="http://schemas.microsoft.com/office/drawing/2014/main" id="{4A08D3D8-9ECA-41B7-8B65-FC019FB5AEF5}"/>
+              </a:ext>
+            </a:extLst>
+          </p:cNvPr>
+          <p:cNvSpPr/>
+          <p:nvPr/>
+        </p:nvSpPr>
+        <p:spPr>
+          <a:xfrm>
+            <a:off x="2417274" y="4894284"/>
+            <a:ext cx="4396037" cy="460333"/>
+          </a:xfrm>
+          <a:prstGeom prst="roundRect">
+            <a:avLst>
+              <a:gd name="adj" fmla="val 50000"/>
+            </a:avLst>
+          </a:prstGeom>
+          <a:solidFill>
+            <a:schemeClr val="accent6">
+              <a:lumMod val="40000"/>
+              <a:lumOff val="60000"/>
+            </a:schemeClr>
+          </a:solidFill>
+          <a:ln w="12700" cap="flat" cmpd="sng" algn="ctr">
+            <a:solidFill>
+              <a:sysClr val="windowText" lastClr="000000"/>
+            </a:solidFill>
+            <a:prstDash val="solid"/>
+            <a:miter lim="800000"/>
+          </a:ln>
+          <a:effectLst/>
+        </p:spPr>
+        <p:txBody>
+          <a:bodyPr wrap="none" rtlCol="0" anchor="ctr"/>
+          <a:lstStyle/>
+          <a:p>
+            <a:pPr marL="0" marR="0" lvl="0" indent="0" defTabSz="457200" rtl="0" eaLnBrk="1" fontAlgn="auto" latinLnBrk="0" hangingPunct="1">
+              <a:lnSpc>
+                <a:spcPct val="100000"/>
+              </a:lnSpc>
+              <a:spcBef>
+                <a:spcPts val="0"/>
+              </a:spcBef>
+              <a:spcAft>
+                <a:spcPts val="0"/>
+              </a:spcAft>
+              <a:buClrTx/>
+              <a:buSzTx/>
+              <a:buFontTx/>
+              <a:buNone/>
+              <a:tabLst/>
+              <a:defRPr/>
+            </a:pPr>
+            <a:r>
+              <a:rPr kumimoji="0" lang="en-US" sz="2000" b="0" i="0" u="none" strike="noStrike" kern="0" cap="none" spc="0" normalizeH="0" baseline="0" noProof="0">
+                <a:ln>
+                  <a:noFill/>
+                </a:ln>
+                <a:solidFill>
+                  <a:prstClr val="black"/>
+                </a:solidFill>
+                <a:effectLst/>
+                <a:uLnTx/>
+                <a:uFillTx/>
+                <a:latin typeface="Arial" panose="020B0604020202020204" pitchFamily="34" charset="0"/>
+                <a:ea typeface="+mn-ea"/>
+                <a:cs typeface="+mn-cs"/>
+              </a:rPr>
+              <a:t>numpy</a:t>
+            </a:r>
+          </a:p>
+        </p:txBody>
+      </p:sp>
+      <p:sp>
+        <p:nvSpPr>
+          <p:cNvPr id="25" name="Rectangle: Rounded Corners 24">
+            <a:extLst>
+              <a:ext uri="{FF2B5EF4-FFF2-40B4-BE49-F238E27FC236}">
+                <a16:creationId xmlns:a16="http://schemas.microsoft.com/office/drawing/2014/main" id="{699DFA16-59B7-492F-A13F-F3ED5B5C5F41}"/>
+              </a:ext>
+            </a:extLst>
+          </p:cNvPr>
+          <p:cNvSpPr/>
+          <p:nvPr/>
+        </p:nvSpPr>
+        <p:spPr>
+          <a:xfrm>
+            <a:off x="4047209" y="4928768"/>
+            <a:ext cx="1195058" cy="381417"/>
+          </a:xfrm>
+          <a:prstGeom prst="roundRect">
+            <a:avLst/>
+          </a:prstGeom>
+          <a:solidFill>
+            <a:schemeClr val="accent6">
+              <a:lumMod val="20000"/>
+              <a:lumOff val="80000"/>
+            </a:schemeClr>
+          </a:solidFill>
+          <a:ln w="12700" cap="flat" cmpd="sng" algn="ctr">
+            <a:solidFill>
+              <a:sysClr val="windowText" lastClr="000000"/>
+            </a:solidFill>
+            <a:prstDash val="solid"/>
+            <a:miter lim="800000"/>
+          </a:ln>
+          <a:effectLst/>
+        </p:spPr>
+        <p:txBody>
+          <a:bodyPr wrap="none" rtlCol="0" anchor="ctr"/>
+          <a:lstStyle/>
+          <a:p>
+            <a:pPr marL="0" marR="0" lvl="0" indent="0" algn="ctr" defTabSz="457200" rtl="0" eaLnBrk="1" fontAlgn="auto" latinLnBrk="0" hangingPunct="1">
+              <a:lnSpc>
+                <a:spcPct val="100000"/>
+              </a:lnSpc>
+              <a:spcBef>
+                <a:spcPts val="0"/>
+              </a:spcBef>
+              <a:spcAft>
+                <a:spcPts val="0"/>
+              </a:spcAft>
+              <a:buClrTx/>
+              <a:buSzTx/>
+              <a:buFontTx/>
+              <a:buNone/>
+              <a:tabLst/>
+              <a:defRPr/>
+            </a:pPr>
+            <a:r>
+              <a:rPr kumimoji="0" lang="en-US" sz="2000" b="0" i="0" u="none" strike="noStrike" kern="0" cap="none" spc="0" normalizeH="0" baseline="0" noProof="0">
+                <a:ln>
+                  <a:noFill/>
+                </a:ln>
+                <a:solidFill>
+                  <a:prstClr val="black"/>
+                </a:solidFill>
+                <a:effectLst/>
+                <a:uLnTx/>
+                <a:uFillTx/>
+                <a:latin typeface="Arial" panose="020B0604020202020204" pitchFamily="34" charset="0"/>
+                <a:ea typeface="+mn-ea"/>
+                <a:cs typeface="+mn-cs"/>
+              </a:rPr>
+              <a:t>ndarray</a:t>
+            </a:r>
+          </a:p>
+        </p:txBody>
+      </p:sp>
+      <p:sp>
+        <p:nvSpPr>
+          <p:cNvPr id="28" name="Rectangle: Rounded Corners 27">
+            <a:extLst>
+              <a:ext uri="{FF2B5EF4-FFF2-40B4-BE49-F238E27FC236}">
+                <a16:creationId xmlns:a16="http://schemas.microsoft.com/office/drawing/2014/main" id="{424B0558-618E-4E3D-B5C6-D0F20C4A2F5C}"/>
+              </a:ext>
+            </a:extLst>
+          </p:cNvPr>
+          <p:cNvSpPr/>
+          <p:nvPr/>
+        </p:nvSpPr>
+        <p:spPr>
+          <a:xfrm>
+            <a:off x="5310186" y="4928768"/>
+            <a:ext cx="1195058" cy="381417"/>
+          </a:xfrm>
+          <a:prstGeom prst="roundRect">
+            <a:avLst/>
+          </a:prstGeom>
+          <a:solidFill>
+            <a:schemeClr val="accent6">
+              <a:lumMod val="20000"/>
+              <a:lumOff val="80000"/>
+            </a:schemeClr>
+          </a:solidFill>
+          <a:ln w="12700" cap="flat" cmpd="sng" algn="ctr">
+            <a:solidFill>
+              <a:sysClr val="windowText" lastClr="000000"/>
+            </a:solidFill>
+            <a:prstDash val="solid"/>
+            <a:miter lim="800000"/>
+          </a:ln>
+          <a:effectLst/>
+        </p:spPr>
+        <p:txBody>
+          <a:bodyPr wrap="none" rtlCol="0" anchor="ctr"/>
+          <a:lstStyle/>
+          <a:p>
+            <a:pPr marL="0" marR="0" lvl="0" indent="0" algn="ctr" defTabSz="457200" rtl="0" eaLnBrk="1" fontAlgn="auto" latinLnBrk="0" hangingPunct="1">
+              <a:lnSpc>
+                <a:spcPct val="100000"/>
+              </a:lnSpc>
+              <a:spcBef>
+                <a:spcPts val="0"/>
+              </a:spcBef>
+              <a:spcAft>
+                <a:spcPts val="0"/>
+              </a:spcAft>
+              <a:buClrTx/>
+              <a:buSzTx/>
+              <a:buFontTx/>
+              <a:buNone/>
+              <a:tabLst/>
+              <a:defRPr/>
+            </a:pPr>
+            <a:r>
+              <a:rPr kumimoji="0" lang="en-US" sz="2000" b="0" i="0" u="none" strike="noStrike" kern="0" cap="none" spc="0" normalizeH="0" baseline="0" noProof="0">
+                <a:ln>
+                  <a:noFill/>
+                </a:ln>
+                <a:solidFill>
+                  <a:prstClr val="black"/>
+                </a:solidFill>
+                <a:effectLst/>
+                <a:uLnTx/>
+                <a:uFillTx/>
+                <a:latin typeface="Arial" panose="020B0604020202020204" pitchFamily="34" charset="0"/>
+                <a:ea typeface="+mn-ea"/>
+                <a:cs typeface="+mn-cs"/>
+              </a:rPr>
+              <a:t>dtype</a:t>
+            </a:r>
+          </a:p>
+        </p:txBody>
+      </p:sp>
+    </p:spTree>
+    <p:extLst>
+      <p:ext uri="{BB962C8B-B14F-4D97-AF65-F5344CB8AC3E}">
+        <p14:creationId xmlns:p14="http://schemas.microsoft.com/office/powerpoint/2010/main" val="2836486945"/>
+      </p:ext>
+    </p:extLst>
+  </p:cSld>
+  <p:clrMapOvr>
+    <a:masterClrMapping/>
+  </p:clrMapOvr>
+</p:sld>
+</file>
+
+<file path=ppt/slides/slide9.xml><?xml version="1.0" encoding="utf-8"?>
+<p:sld xmlns:a="http://schemas.openxmlformats.org/drawingml/2006/main" xmlns:r="http://schemas.openxmlformats.org/officeDocument/2006/relationships" xmlns:p="http://schemas.openxmlformats.org/presentationml/2006/main">
+  <p:cSld>
+    <p:spTree>
+      <p:nvGrpSpPr>
+        <p:cNvPr id="1" name=""/>
+        <p:cNvGrpSpPr/>
+        <p:nvPr/>
+      </p:nvGrpSpPr>
+      <p:grpSpPr>
+        <a:xfrm>
+          <a:off x="0" y="0"/>
+          <a:ext cx="0" cy="0"/>
+          <a:chOff x="0" y="0"/>
+          <a:chExt cx="0" cy="0"/>
+        </a:xfrm>
+      </p:grpSpPr>
+      <p:sp>
+        <p:nvSpPr>
+          <p:cNvPr id="2" name="Title 1">
+            <a:extLst>
+              <a:ext uri="{FF2B5EF4-FFF2-40B4-BE49-F238E27FC236}">
+                <a16:creationId xmlns:a16="http://schemas.microsoft.com/office/drawing/2014/main" id="{68AFFF39-A92B-407A-9F35-469F4E043D52}"/>
+              </a:ext>
+            </a:extLst>
+          </p:cNvPr>
+          <p:cNvSpPr>
+            <a:spLocks noGrp="1"/>
+          </p:cNvSpPr>
+          <p:nvPr>
+            <p:ph type="title"/>
+          </p:nvPr>
+        </p:nvSpPr>
+        <p:spPr/>
+        <p:txBody>
+          <a:bodyPr/>
+          <a:lstStyle/>
+          <a:p>
+            <a:r>
+              <a:rPr lang="en-US" b="1">
+                <a:latin typeface="Arial" panose="020B0604020202020204" pitchFamily="34" charset="0"/>
+                <a:cs typeface="Arial" panose="020B0604020202020204" pitchFamily="34" charset="0"/>
+              </a:rPr>
+              <a:t>Operators, Pipelines, and Lifecycle</a:t>
+            </a:r>
+          </a:p>
+        </p:txBody>
+      </p:sp>
+      <p:sp>
+        <p:nvSpPr>
+          <p:cNvPr id="4" name="Slide Number Placeholder 3">
+            <a:extLst>
+              <a:ext uri="{FF2B5EF4-FFF2-40B4-BE49-F238E27FC236}">
+                <a16:creationId xmlns:a16="http://schemas.microsoft.com/office/drawing/2014/main" id="{05EFA204-0551-402D-8845-DA951B4C9319}"/>
+              </a:ext>
+            </a:extLst>
+          </p:cNvPr>
+          <p:cNvSpPr>
+            <a:spLocks noGrp="1"/>
+          </p:cNvSpPr>
+          <p:nvPr>
+            <p:ph type="sldNum" sz="quarter" idx="12"/>
+          </p:nvPr>
+        </p:nvSpPr>
+        <p:spPr/>
+        <p:txBody>
+          <a:bodyPr/>
+          <a:lstStyle/>
+          <a:p>
+            <a:fld id="{02BC044B-C17F-492A-8FEE-55E1FB666255}" type="slidenum">
+              <a:rPr lang="en-US" smtClean="0"/>
+              <a:t>9</a:t>
             </a:fld>
             <a:endParaRPr lang="en-US"/>
           </a:p>
@@ -24552,158 +26991,6 @@
     <p:extLst>
       <p:ext uri="{BB962C8B-B14F-4D97-AF65-F5344CB8AC3E}">
         <p14:creationId xmlns:p14="http://schemas.microsoft.com/office/powerpoint/2010/main" val="139790538"/>
-      </p:ext>
-    </p:extLst>
-  </p:cSld>
-  <p:clrMapOvr>
-    <a:masterClrMapping/>
-  </p:clrMapOvr>
-</p:sld>
-</file>
-
-<file path=ppt/slides/slide9.xml><?xml version="1.0" encoding="utf-8"?>
-<p:sld xmlns:a="http://schemas.openxmlformats.org/drawingml/2006/main" xmlns:r="http://schemas.openxmlformats.org/officeDocument/2006/relationships" xmlns:p="http://schemas.openxmlformats.org/presentationml/2006/main">
-  <p:cSld>
-    <p:spTree>
-      <p:nvGrpSpPr>
-        <p:cNvPr id="1" name=""/>
-        <p:cNvGrpSpPr/>
-        <p:nvPr/>
-      </p:nvGrpSpPr>
-      <p:grpSpPr>
-        <a:xfrm>
-          <a:off x="0" y="0"/>
-          <a:ext cx="0" cy="0"/>
-          <a:chOff x="0" y="0"/>
-          <a:chExt cx="0" cy="0"/>
-        </a:xfrm>
-      </p:grpSpPr>
-      <p:sp>
-        <p:nvSpPr>
-          <p:cNvPr id="2" name="Title 1">
-            <a:extLst>
-              <a:ext uri="{FF2B5EF4-FFF2-40B4-BE49-F238E27FC236}">
-                <a16:creationId xmlns:a16="http://schemas.microsoft.com/office/drawing/2014/main" id="{68AFFF39-A92B-407A-9F35-469F4E043D52}"/>
-              </a:ext>
-            </a:extLst>
-          </p:cNvPr>
-          <p:cNvSpPr>
-            <a:spLocks noGrp="1"/>
-          </p:cNvSpPr>
-          <p:nvPr>
-            <p:ph type="title"/>
-          </p:nvPr>
-        </p:nvSpPr>
-        <p:spPr/>
-        <p:txBody>
-          <a:bodyPr/>
-          <a:lstStyle/>
-          <a:p>
-            <a:r>
-              <a:rPr lang="en-US" b="1">
-                <a:latin typeface="Arial" panose="020B0604020202020204" pitchFamily="34" charset="0"/>
-                <a:cs typeface="Arial" panose="020B0604020202020204" pitchFamily="34" charset="0"/>
-              </a:rPr>
-              <a:t>Example</a:t>
-            </a:r>
-          </a:p>
-        </p:txBody>
-      </p:sp>
-      <p:sp>
-        <p:nvSpPr>
-          <p:cNvPr id="9" name="Content Placeholder 8">
-            <a:extLst>
-              <a:ext uri="{FF2B5EF4-FFF2-40B4-BE49-F238E27FC236}">
-                <a16:creationId xmlns:a16="http://schemas.microsoft.com/office/drawing/2014/main" id="{C62B666F-CFF3-488E-9EB0-9CB1A2F77E6B}"/>
-              </a:ext>
-            </a:extLst>
-          </p:cNvPr>
-          <p:cNvSpPr>
-            <a:spLocks noGrp="1"/>
-          </p:cNvSpPr>
-          <p:nvPr>
-            <p:ph idx="1"/>
-          </p:nvPr>
-        </p:nvSpPr>
-        <p:spPr/>
-        <p:txBody>
-          <a:bodyPr/>
-          <a:lstStyle/>
-          <a:p>
-            <a:r>
-              <a:rPr lang="en-US">
-                <a:latin typeface="Arial" panose="020B0604020202020204" pitchFamily="34" charset="0"/>
-              </a:rPr>
-              <a:t>Dataset</a:t>
-            </a:r>
-          </a:p>
-          <a:p>
-            <a:r>
-              <a:rPr lang="en-US">
-                <a:latin typeface="Arial" panose="020B0604020202020204" pitchFamily="34" charset="0"/>
-              </a:rPr>
-              <a:t>Manual machine learning</a:t>
-            </a:r>
-          </a:p>
-          <a:p>
-            <a:r>
-              <a:rPr lang="en-US">
-                <a:latin typeface="Arial" panose="020B0604020202020204" pitchFamily="34" charset="0"/>
-              </a:rPr>
-              <a:t>Hyperparameter tuning</a:t>
-            </a:r>
-          </a:p>
-          <a:p>
-            <a:r>
-              <a:rPr lang="en-US">
-                <a:latin typeface="Arial" panose="020B0604020202020204" pitchFamily="34" charset="0"/>
-              </a:rPr>
-              <a:t>Inspecting AutoML results</a:t>
-            </a:r>
-          </a:p>
-          <a:p>
-            <a:r>
-              <a:rPr lang="en-US">
-                <a:latin typeface="Arial" panose="020B0604020202020204" pitchFamily="34" charset="0"/>
-              </a:rPr>
-              <a:t>Algorithm selection</a:t>
-            </a:r>
-          </a:p>
-        </p:txBody>
-      </p:sp>
-      <p:sp>
-        <p:nvSpPr>
-          <p:cNvPr id="4" name="Slide Number Placeholder 3">
-            <a:extLst>
-              <a:ext uri="{FF2B5EF4-FFF2-40B4-BE49-F238E27FC236}">
-                <a16:creationId xmlns:a16="http://schemas.microsoft.com/office/drawing/2014/main" id="{05EFA204-0551-402D-8845-DA951B4C9319}"/>
-              </a:ext>
-            </a:extLst>
-          </p:cNvPr>
-          <p:cNvSpPr>
-            <a:spLocks noGrp="1"/>
-          </p:cNvSpPr>
-          <p:nvPr>
-            <p:ph type="sldNum" sz="quarter" idx="12"/>
-          </p:nvPr>
-        </p:nvSpPr>
-        <p:spPr/>
-        <p:txBody>
-          <a:bodyPr/>
-          <a:lstStyle/>
-          <a:p>
-            <a:fld id="{02BC044B-C17F-492A-8FEE-55E1FB666255}" type="slidenum">
-              <a:rPr lang="en-US" smtClean="0"/>
-              <a:t>9</a:t>
-            </a:fld>
-            <a:endParaRPr lang="en-US"/>
-          </a:p>
-        </p:txBody>
-      </p:sp>
-    </p:spTree>
-    <p:extLst>
-      <p:ext uri="{BB962C8B-B14F-4D97-AF65-F5344CB8AC3E}">
-        <p14:creationId xmlns:p14="http://schemas.microsoft.com/office/powerpoint/2010/main" val="3711359675"/>
       </p:ext>
     </p:extLst>
   </p:cSld>
